--- a/Game Of Life Presentation.pptx
+++ b/Game Of Life Presentation.pptx
@@ -17,11 +17,23 @@
     <p:sldId id="302" r:id="rId11"/>
     <p:sldId id="303" r:id="rId12"/>
     <p:sldId id="304" r:id="rId13"/>
-    <p:sldId id="305" r:id="rId14"/>
-    <p:sldId id="297" r:id="rId15"/>
-    <p:sldId id="294" r:id="rId16"/>
-    <p:sldId id="279" r:id="rId17"/>
-    <p:sldId id="292" r:id="rId18"/>
+    <p:sldId id="297" r:id="rId14"/>
+    <p:sldId id="305" r:id="rId15"/>
+    <p:sldId id="315" r:id="rId16"/>
+    <p:sldId id="316" r:id="rId17"/>
+    <p:sldId id="310" r:id="rId18"/>
+    <p:sldId id="314" r:id="rId19"/>
+    <p:sldId id="306" r:id="rId20"/>
+    <p:sldId id="311" r:id="rId21"/>
+    <p:sldId id="307" r:id="rId22"/>
+    <p:sldId id="312" r:id="rId23"/>
+    <p:sldId id="317" r:id="rId24"/>
+    <p:sldId id="308" r:id="rId25"/>
+    <p:sldId id="313" r:id="rId26"/>
+    <p:sldId id="309" r:id="rId27"/>
+    <p:sldId id="294" r:id="rId28"/>
+    <p:sldId id="279" r:id="rId29"/>
+    <p:sldId id="292" r:id="rId30"/>
   </p:sldIdLst>
   <p:sldSz cx="12192000" cy="6858000"/>
   <p:notesSz cx="6858000" cy="9144000"/>
@@ -126,14 +138,6 @@
     </p:ext>
   </p:extLst>
 </p:presentation>
-</file>
-
-<file path=ppt/revisionInfo.xml><?xml version="1.0" encoding="utf-8"?>
-<p1510:revInfo xmlns:a="http://schemas.openxmlformats.org/drawingml/2006/main" xmlns:r="http://schemas.openxmlformats.org/officeDocument/2006/relationships" xmlns:p1510="http://schemas.microsoft.com/office/powerpoint/2015/10/main">
-  <p1510:revLst>
-    <p1510:client id="{DD0DC08F-B7BA-AF46-BCC6-7C0292E76D15}" v="116" dt="2019-05-16T20:08:41.514"/>
-  </p1510:revLst>
-</p1510:revInfo>
 </file>
 
 <file path=ppt/changesInfos/changesInfo1.xml><?xml version="1.0" encoding="utf-8"?>
@@ -1564,7 +1568,7 @@
           <a:p>
             <a:fld id="{67087861-6164-914A-9955-529BA7FEFB22}" type="datetimeFigureOut">
               <a:rPr lang="en-GB" smtClean="0"/>
-              <a:t>16/05/2019</a:t>
+              <a:t>19/05/2019</a:t>
             </a:fld>
             <a:endParaRPr lang="en-GB"/>
           </a:p>
@@ -1764,7 +1768,7 @@
           <a:p>
             <a:fld id="{67087861-6164-914A-9955-529BA7FEFB22}" type="datetimeFigureOut">
               <a:rPr lang="en-GB" smtClean="0"/>
-              <a:t>16/05/2019</a:t>
+              <a:t>19/05/2019</a:t>
             </a:fld>
             <a:endParaRPr lang="en-GB"/>
           </a:p>
@@ -1974,7 +1978,7 @@
           <a:p>
             <a:fld id="{67087861-6164-914A-9955-529BA7FEFB22}" type="datetimeFigureOut">
               <a:rPr lang="en-GB" smtClean="0"/>
-              <a:t>16/05/2019</a:t>
+              <a:t>19/05/2019</a:t>
             </a:fld>
             <a:endParaRPr lang="en-GB"/>
           </a:p>
@@ -2174,7 +2178,7 @@
           <a:p>
             <a:fld id="{67087861-6164-914A-9955-529BA7FEFB22}" type="datetimeFigureOut">
               <a:rPr lang="en-GB" smtClean="0"/>
-              <a:t>16/05/2019</a:t>
+              <a:t>19/05/2019</a:t>
             </a:fld>
             <a:endParaRPr lang="en-GB"/>
           </a:p>
@@ -2450,7 +2454,7 @@
           <a:p>
             <a:fld id="{67087861-6164-914A-9955-529BA7FEFB22}" type="datetimeFigureOut">
               <a:rPr lang="en-GB" smtClean="0"/>
-              <a:t>16/05/2019</a:t>
+              <a:t>19/05/2019</a:t>
             </a:fld>
             <a:endParaRPr lang="en-GB"/>
           </a:p>
@@ -2718,7 +2722,7 @@
           <a:p>
             <a:fld id="{67087861-6164-914A-9955-529BA7FEFB22}" type="datetimeFigureOut">
               <a:rPr lang="en-GB" smtClean="0"/>
-              <a:t>16/05/2019</a:t>
+              <a:t>19/05/2019</a:t>
             </a:fld>
             <a:endParaRPr lang="en-GB"/>
           </a:p>
@@ -3133,7 +3137,7 @@
           <a:p>
             <a:fld id="{67087861-6164-914A-9955-529BA7FEFB22}" type="datetimeFigureOut">
               <a:rPr lang="en-GB" smtClean="0"/>
-              <a:t>16/05/2019</a:t>
+              <a:t>19/05/2019</a:t>
             </a:fld>
             <a:endParaRPr lang="en-GB"/>
           </a:p>
@@ -3275,7 +3279,7 @@
           <a:p>
             <a:fld id="{67087861-6164-914A-9955-529BA7FEFB22}" type="datetimeFigureOut">
               <a:rPr lang="en-GB" smtClean="0"/>
-              <a:t>16/05/2019</a:t>
+              <a:t>19/05/2019</a:t>
             </a:fld>
             <a:endParaRPr lang="en-GB"/>
           </a:p>
@@ -3388,7 +3392,7 @@
           <a:p>
             <a:fld id="{67087861-6164-914A-9955-529BA7FEFB22}" type="datetimeFigureOut">
               <a:rPr lang="en-GB" smtClean="0"/>
-              <a:t>16/05/2019</a:t>
+              <a:t>19/05/2019</a:t>
             </a:fld>
             <a:endParaRPr lang="en-GB"/>
           </a:p>
@@ -3701,7 +3705,7 @@
           <a:p>
             <a:fld id="{67087861-6164-914A-9955-529BA7FEFB22}" type="datetimeFigureOut">
               <a:rPr lang="en-GB" smtClean="0"/>
-              <a:t>16/05/2019</a:t>
+              <a:t>19/05/2019</a:t>
             </a:fld>
             <a:endParaRPr lang="en-GB"/>
           </a:p>
@@ -3990,7 +3994,7 @@
           <a:p>
             <a:fld id="{67087861-6164-914A-9955-529BA7FEFB22}" type="datetimeFigureOut">
               <a:rPr lang="en-GB" smtClean="0"/>
-              <a:t>16/05/2019</a:t>
+              <a:t>19/05/2019</a:t>
             </a:fld>
             <a:endParaRPr lang="en-GB"/>
           </a:p>
@@ -4254,7 +4258,7 @@
           <a:p>
             <a:fld id="{67087861-6164-914A-9955-529BA7FEFB22}" type="datetimeFigureOut">
               <a:rPr lang="en-GB" smtClean="0"/>
-              <a:t>16/05/2019</a:t>
+              <a:t>19/05/2019</a:t>
             </a:fld>
             <a:endParaRPr lang="en-GB"/>
           </a:p>
@@ -5885,13 +5889,13 @@
   <p:clrMapOvr>
     <a:masterClrMapping/>
   </p:clrMapOvr>
-  <mc:AlternateContent xmlns:mc="http://schemas.openxmlformats.org/markup-compatibility/2006">
-    <mc:Choice xmlns:p159="http://schemas.microsoft.com/office/powerpoint/2015/09/main" Requires="p159">
+  <mc:AlternateContent xmlns:mc="http://schemas.openxmlformats.org/markup-compatibility/2006" xmlns:p159="http://schemas.microsoft.com/office/powerpoint/2015/09/main">
+    <mc:Choice Requires="p159">
       <p:transition spd="slow">
         <p159:morph option="byObject"/>
       </p:transition>
     </mc:Choice>
-    <mc:Fallback>
+    <mc:Fallback xmlns="">
       <p:transition spd="slow">
         <p:fade/>
       </p:transition>
@@ -5901,438 +5905,6 @@
 </file>
 
 <file path=ppt/slides/slide13.xml><?xml version="1.0" encoding="utf-8"?>
-<p:sld xmlns:a="http://schemas.openxmlformats.org/drawingml/2006/main" xmlns:r="http://schemas.openxmlformats.org/officeDocument/2006/relationships" xmlns:p="http://schemas.openxmlformats.org/presentationml/2006/main">
-  <p:cSld>
-    <p:spTree>
-      <p:nvGrpSpPr>
-        <p:cNvPr id="1" name=""/>
-        <p:cNvGrpSpPr/>
-        <p:nvPr/>
-      </p:nvGrpSpPr>
-      <p:grpSpPr>
-        <a:xfrm>
-          <a:off x="0" y="0"/>
-          <a:ext cx="0" cy="0"/>
-          <a:chOff x="0" y="0"/>
-          <a:chExt cx="0" cy="0"/>
-        </a:xfrm>
-      </p:grpSpPr>
-      <p:sp>
-        <p:nvSpPr>
-          <p:cNvPr id="8" name="Rectangle 7">
-            <a:extLst>
-              <a:ext uri="{FF2B5EF4-FFF2-40B4-BE49-F238E27FC236}">
-                <a16:creationId xmlns:a16="http://schemas.microsoft.com/office/drawing/2014/main" id="{866B5D3B-26CD-B245-BCAD-9F19CF15B083}"/>
-              </a:ext>
-            </a:extLst>
-          </p:cNvPr>
-          <p:cNvSpPr/>
-          <p:nvPr/>
-        </p:nvSpPr>
-        <p:spPr>
-          <a:xfrm>
-            <a:off x="489527" y="1006765"/>
-            <a:ext cx="11259128" cy="5403272"/>
-          </a:xfrm>
-          <a:prstGeom prst="rect">
-            <a:avLst/>
-          </a:prstGeom>
-          <a:solidFill>
-            <a:schemeClr val="bg1"/>
-          </a:solidFill>
-          <a:ln w="38100">
-            <a:solidFill>
-              <a:schemeClr val="bg1">
-                <a:lumMod val="85000"/>
-              </a:schemeClr>
-            </a:solidFill>
-          </a:ln>
-          <a:effectLst/>
-        </p:spPr>
-        <p:style>
-          <a:lnRef idx="2">
-            <a:schemeClr val="accent1">
-              <a:shade val="50000"/>
-            </a:schemeClr>
-          </a:lnRef>
-          <a:fillRef idx="1">
-            <a:schemeClr val="accent1"/>
-          </a:fillRef>
-          <a:effectRef idx="0">
-            <a:schemeClr val="accent1"/>
-          </a:effectRef>
-          <a:fontRef idx="minor">
-            <a:schemeClr val="lt1"/>
-          </a:fontRef>
-        </p:style>
-        <p:txBody>
-          <a:bodyPr rtlCol="0" anchor="ctr"/>
-          <a:lstStyle/>
-          <a:p>
-            <a:pPr algn="ctr"/>
-            <a:endParaRPr lang="en-GB"/>
-          </a:p>
-        </p:txBody>
-      </p:sp>
-      <p:sp>
-        <p:nvSpPr>
-          <p:cNvPr id="7" name="Rectangle 6">
-            <a:extLst>
-              <a:ext uri="{FF2B5EF4-FFF2-40B4-BE49-F238E27FC236}">
-                <a16:creationId xmlns:a16="http://schemas.microsoft.com/office/drawing/2014/main" id="{9AF4DE53-90EF-7F47-861C-9C4C0AB55427}"/>
-              </a:ext>
-            </a:extLst>
-          </p:cNvPr>
-          <p:cNvSpPr/>
-          <p:nvPr/>
-        </p:nvSpPr>
-        <p:spPr>
-          <a:xfrm>
-            <a:off x="0" y="619676"/>
-            <a:ext cx="8709748" cy="778374"/>
-          </a:xfrm>
-          <a:prstGeom prst="rect">
-            <a:avLst/>
-          </a:prstGeom>
-          <a:solidFill>
-            <a:schemeClr val="accent5">
-              <a:lumMod val="75000"/>
-            </a:schemeClr>
-          </a:solidFill>
-          <a:ln>
-            <a:solidFill>
-              <a:schemeClr val="accent5">
-                <a:lumMod val="75000"/>
-              </a:schemeClr>
-            </a:solidFill>
-          </a:ln>
-        </p:spPr>
-        <p:style>
-          <a:lnRef idx="2">
-            <a:schemeClr val="accent1">
-              <a:shade val="50000"/>
-            </a:schemeClr>
-          </a:lnRef>
-          <a:fillRef idx="1">
-            <a:schemeClr val="accent1"/>
-          </a:fillRef>
-          <a:effectRef idx="0">
-            <a:schemeClr val="accent1"/>
-          </a:effectRef>
-          <a:fontRef idx="minor">
-            <a:schemeClr val="lt1"/>
-          </a:fontRef>
-        </p:style>
-        <p:txBody>
-          <a:bodyPr rtlCol="0" anchor="ctr"/>
-          <a:lstStyle/>
-          <a:p>
-            <a:pPr algn="ctr"/>
-            <a:endParaRPr lang="en-GB"/>
-          </a:p>
-        </p:txBody>
-      </p:sp>
-      <p:sp>
-        <p:nvSpPr>
-          <p:cNvPr id="2" name="Title 1">
-            <a:extLst>
-              <a:ext uri="{FF2B5EF4-FFF2-40B4-BE49-F238E27FC236}">
-                <a16:creationId xmlns:a16="http://schemas.microsoft.com/office/drawing/2014/main" id="{254FBC8B-1A4D-6345-B036-5F2A1C93A1B3}"/>
-              </a:ext>
-            </a:extLst>
-          </p:cNvPr>
-          <p:cNvSpPr>
-            <a:spLocks noGrp="1"/>
-          </p:cNvSpPr>
-          <p:nvPr>
-            <p:ph type="title"/>
-          </p:nvPr>
-        </p:nvSpPr>
-        <p:spPr/>
-        <p:txBody>
-          <a:bodyPr/>
-          <a:lstStyle/>
-          <a:p>
-            <a:r>
-              <a:rPr lang="en-GB" dirty="0">
-                <a:solidFill>
-                  <a:schemeClr val="bg1"/>
-                </a:solidFill>
-              </a:rPr>
-              <a:t>Creating Empty Projects</a:t>
-            </a:r>
-          </a:p>
-        </p:txBody>
-      </p:sp>
-      <p:sp>
-        <p:nvSpPr>
-          <p:cNvPr id="3" name="Content Placeholder 2">
-            <a:extLst>
-              <a:ext uri="{FF2B5EF4-FFF2-40B4-BE49-F238E27FC236}">
-                <a16:creationId xmlns:a16="http://schemas.microsoft.com/office/drawing/2014/main" id="{677C7FCF-5D28-EE49-A660-749D297FD87D}"/>
-              </a:ext>
-            </a:extLst>
-          </p:cNvPr>
-          <p:cNvSpPr>
-            <a:spLocks noGrp="1"/>
-          </p:cNvSpPr>
-          <p:nvPr>
-            <p:ph idx="1"/>
-          </p:nvPr>
-        </p:nvSpPr>
-        <p:spPr>
-          <a:xfrm>
-            <a:off x="838200" y="1825625"/>
-            <a:ext cx="10515600" cy="3367743"/>
-          </a:xfrm>
-        </p:spPr>
-        <p:txBody>
-          <a:bodyPr>
-            <a:normAutofit lnSpcReduction="10000"/>
-          </a:bodyPr>
-          <a:lstStyle/>
-          <a:p>
-            <a:r>
-              <a:rPr lang="en-GB" dirty="0">
-                <a:solidFill>
-                  <a:srgbClr val="262626"/>
-                </a:solidFill>
-              </a:rPr>
-              <a:t>Options:</a:t>
-            </a:r>
-          </a:p>
-          <a:p>
-            <a:endParaRPr lang="en-GB" sz="1600" dirty="0">
-              <a:solidFill>
-                <a:srgbClr val="262626"/>
-              </a:solidFill>
-            </a:endParaRPr>
-          </a:p>
-          <a:p>
-            <a:pPr lvl="1"/>
-            <a:r>
-              <a:rPr lang="en-GB" dirty="0">
-                <a:solidFill>
-                  <a:srgbClr val="262626"/>
-                </a:solidFill>
-              </a:rPr>
-              <a:t>Use the CLI </a:t>
-            </a:r>
-            <a:r>
-              <a:rPr lang="en-GB" i="1" dirty="0">
-                <a:solidFill>
-                  <a:schemeClr val="bg1">
-                    <a:lumMod val="65000"/>
-                  </a:schemeClr>
-                </a:solidFill>
-              </a:rPr>
-              <a:t>(and wait whilst it downloads half the internet as packages)</a:t>
-            </a:r>
-          </a:p>
-          <a:p>
-            <a:pPr lvl="2"/>
-            <a:r>
-              <a:rPr lang="en-GB" dirty="0">
-                <a:solidFill>
-                  <a:srgbClr val="262626"/>
-                </a:solidFill>
-              </a:rPr>
-              <a:t>“</a:t>
-            </a:r>
-            <a:r>
-              <a:rPr lang="en-GB" dirty="0" err="1">
-                <a:solidFill>
-                  <a:srgbClr val="262626"/>
-                </a:solidFill>
-                <a:latin typeface="Courier New" panose="02070309020205020404" pitchFamily="49" charset="0"/>
-                <a:cs typeface="Courier New" panose="02070309020205020404" pitchFamily="49" charset="0"/>
-              </a:rPr>
-              <a:t>vue</a:t>
-            </a:r>
-            <a:r>
-              <a:rPr lang="en-GB" dirty="0">
-                <a:solidFill>
-                  <a:srgbClr val="262626"/>
-                </a:solidFill>
-                <a:latin typeface="Courier New" panose="02070309020205020404" pitchFamily="49" charset="0"/>
-                <a:cs typeface="Courier New" panose="02070309020205020404" pitchFamily="49" charset="0"/>
-              </a:rPr>
-              <a:t> create </a:t>
-            </a:r>
-            <a:r>
-              <a:rPr lang="en-GB" dirty="0" err="1">
-                <a:solidFill>
-                  <a:srgbClr val="262626"/>
-                </a:solidFill>
-                <a:latin typeface="Courier New" panose="02070309020205020404" pitchFamily="49" charset="0"/>
-                <a:cs typeface="Courier New" panose="02070309020205020404" pitchFamily="49" charset="0"/>
-              </a:rPr>
-              <a:t>gof-vue</a:t>
-            </a:r>
-            <a:r>
-              <a:rPr lang="en-GB" dirty="0">
-                <a:solidFill>
-                  <a:srgbClr val="262626"/>
-                </a:solidFill>
-              </a:rPr>
-              <a:t>” and select desired inputs</a:t>
-            </a:r>
-          </a:p>
-          <a:p>
-            <a:pPr lvl="3"/>
-            <a:r>
-              <a:rPr lang="en-GB" sz="1200" dirty="0">
-                <a:hlinkClick r:id="rId2"/>
-              </a:rPr>
-              <a:t>https://cli.vuejs.org/guide/creating-a-project.html#vue-create</a:t>
-            </a:r>
-            <a:endParaRPr lang="en-GB" sz="1200" dirty="0"/>
-          </a:p>
-          <a:p>
-            <a:pPr lvl="2"/>
-            <a:r>
-              <a:rPr lang="en-GB" dirty="0">
-                <a:solidFill>
-                  <a:srgbClr val="262626"/>
-                </a:solidFill>
-              </a:rPr>
-              <a:t>“</a:t>
-            </a:r>
-            <a:r>
-              <a:rPr lang="en-GB" dirty="0" err="1">
-                <a:latin typeface="Courier New" panose="02070309020205020404" pitchFamily="49" charset="0"/>
-                <a:cs typeface="Courier New" panose="02070309020205020404" pitchFamily="49" charset="0"/>
-              </a:rPr>
-              <a:t>npm</a:t>
-            </a:r>
-            <a:r>
-              <a:rPr lang="en-GB" dirty="0">
-                <a:latin typeface="Courier New" panose="02070309020205020404" pitchFamily="49" charset="0"/>
-                <a:cs typeface="Courier New" panose="02070309020205020404" pitchFamily="49" charset="0"/>
-              </a:rPr>
-              <a:t> </a:t>
-            </a:r>
-            <a:r>
-              <a:rPr lang="en-GB" dirty="0" err="1">
-                <a:latin typeface="Courier New" panose="02070309020205020404" pitchFamily="49" charset="0"/>
-                <a:cs typeface="Courier New" panose="02070309020205020404" pitchFamily="49" charset="0"/>
-              </a:rPr>
-              <a:t>init</a:t>
-            </a:r>
-            <a:r>
-              <a:rPr lang="en-GB" dirty="0">
-                <a:latin typeface="Courier New" panose="02070309020205020404" pitchFamily="49" charset="0"/>
-                <a:cs typeface="Courier New" panose="02070309020205020404" pitchFamily="49" charset="0"/>
-              </a:rPr>
-              <a:t> react-app </a:t>
-            </a:r>
-            <a:r>
-              <a:rPr lang="en-GB" dirty="0" err="1">
-                <a:latin typeface="Courier New" panose="02070309020205020404" pitchFamily="49" charset="0"/>
-                <a:cs typeface="Courier New" panose="02070309020205020404" pitchFamily="49" charset="0"/>
-              </a:rPr>
-              <a:t>gof</a:t>
-            </a:r>
-            <a:r>
-              <a:rPr lang="en-GB" dirty="0">
-                <a:latin typeface="Courier New" panose="02070309020205020404" pitchFamily="49" charset="0"/>
-                <a:cs typeface="Courier New" panose="02070309020205020404" pitchFamily="49" charset="0"/>
-              </a:rPr>
-              <a:t>-react</a:t>
-            </a:r>
-            <a:r>
-              <a:rPr lang="en-GB" dirty="0">
-                <a:solidFill>
-                  <a:srgbClr val="262626"/>
-                </a:solidFill>
-              </a:rPr>
-              <a:t>”</a:t>
-            </a:r>
-          </a:p>
-          <a:p>
-            <a:pPr lvl="3"/>
-            <a:r>
-              <a:rPr lang="en-GB" sz="1200" dirty="0">
-                <a:hlinkClick r:id="rId3"/>
-              </a:rPr>
-              <a:t>https://github.com/facebook/create-react-app</a:t>
-            </a:r>
-            <a:endParaRPr lang="en-GB" sz="1200" dirty="0">
-              <a:solidFill>
-                <a:srgbClr val="262626"/>
-              </a:solidFill>
-            </a:endParaRPr>
-          </a:p>
-          <a:p>
-            <a:pPr lvl="1"/>
-            <a:endParaRPr lang="en-GB" dirty="0">
-              <a:solidFill>
-                <a:srgbClr val="262626"/>
-              </a:solidFill>
-            </a:endParaRPr>
-          </a:p>
-          <a:p>
-            <a:pPr lvl="1"/>
-            <a:r>
-              <a:rPr lang="en-GB" dirty="0">
-                <a:solidFill>
-                  <a:srgbClr val="262626"/>
-                </a:solidFill>
-              </a:rPr>
-              <a:t>Use a prebuilt project template and change settings</a:t>
-            </a:r>
-          </a:p>
-          <a:p>
-            <a:pPr lvl="2"/>
-            <a:r>
-              <a:rPr lang="en-GB" dirty="0">
-                <a:solidFill>
-                  <a:srgbClr val="262626"/>
-                </a:solidFill>
-              </a:rPr>
-              <a:t>For more control/include particular libraries/enforce company standards</a:t>
-            </a:r>
-          </a:p>
-          <a:p>
-            <a:endParaRPr lang="en-GB" dirty="0">
-              <a:solidFill>
-                <a:srgbClr val="262626"/>
-              </a:solidFill>
-            </a:endParaRPr>
-          </a:p>
-          <a:p>
-            <a:endParaRPr lang="en-GB" dirty="0">
-              <a:solidFill>
-                <a:srgbClr val="262626"/>
-              </a:solidFill>
-            </a:endParaRPr>
-          </a:p>
-          <a:p>
-            <a:endParaRPr lang="en-GB" dirty="0">
-              <a:solidFill>
-                <a:schemeClr val="tx1">
-                  <a:lumMod val="95000"/>
-                  <a:lumOff val="5000"/>
-                </a:schemeClr>
-              </a:solidFill>
-            </a:endParaRPr>
-          </a:p>
-        </p:txBody>
-      </p:sp>
-    </p:spTree>
-    <p:extLst>
-      <p:ext uri="{BB962C8B-B14F-4D97-AF65-F5344CB8AC3E}">
-        <p14:creationId xmlns:p14="http://schemas.microsoft.com/office/powerpoint/2010/main" val="32790303"/>
-      </p:ext>
-    </p:extLst>
-  </p:cSld>
-  <p:clrMapOvr>
-    <a:masterClrMapping/>
-  </p:clrMapOvr>
-</p:sld>
-</file>
-
-<file path=ppt/slides/slide14.xml><?xml version="1.0" encoding="utf-8"?>
 <p:sld xmlns:a="http://schemas.openxmlformats.org/drawingml/2006/main" xmlns:r="http://schemas.openxmlformats.org/officeDocument/2006/relationships" xmlns:p="http://schemas.openxmlformats.org/presentationml/2006/main">
   <p:cSld>
     <p:spTree>
@@ -6583,7 +6155,4263 @@
 </p:sld>
 </file>
 
+<file path=ppt/slides/slide14.xml><?xml version="1.0" encoding="utf-8"?>
+<p:sld xmlns:a="http://schemas.openxmlformats.org/drawingml/2006/main" xmlns:r="http://schemas.openxmlformats.org/officeDocument/2006/relationships" xmlns:p="http://schemas.openxmlformats.org/presentationml/2006/main">
+  <p:cSld>
+    <p:spTree>
+      <p:nvGrpSpPr>
+        <p:cNvPr id="1" name=""/>
+        <p:cNvGrpSpPr/>
+        <p:nvPr/>
+      </p:nvGrpSpPr>
+      <p:grpSpPr>
+        <a:xfrm>
+          <a:off x="0" y="0"/>
+          <a:ext cx="0" cy="0"/>
+          <a:chOff x="0" y="0"/>
+          <a:chExt cx="0" cy="0"/>
+        </a:xfrm>
+      </p:grpSpPr>
+      <p:sp>
+        <p:nvSpPr>
+          <p:cNvPr id="8" name="Rectangle 7">
+            <a:extLst>
+              <a:ext uri="{FF2B5EF4-FFF2-40B4-BE49-F238E27FC236}">
+                <a16:creationId xmlns:a16="http://schemas.microsoft.com/office/drawing/2014/main" id="{866B5D3B-26CD-B245-BCAD-9F19CF15B083}"/>
+              </a:ext>
+            </a:extLst>
+          </p:cNvPr>
+          <p:cNvSpPr/>
+          <p:nvPr/>
+        </p:nvSpPr>
+        <p:spPr>
+          <a:xfrm>
+            <a:off x="489527" y="1006765"/>
+            <a:ext cx="11259128" cy="5403272"/>
+          </a:xfrm>
+          <a:prstGeom prst="rect">
+            <a:avLst/>
+          </a:prstGeom>
+          <a:solidFill>
+            <a:schemeClr val="bg1"/>
+          </a:solidFill>
+          <a:ln w="38100">
+            <a:solidFill>
+              <a:schemeClr val="bg1">
+                <a:lumMod val="85000"/>
+              </a:schemeClr>
+            </a:solidFill>
+          </a:ln>
+          <a:effectLst/>
+        </p:spPr>
+        <p:style>
+          <a:lnRef idx="2">
+            <a:schemeClr val="accent1">
+              <a:shade val="50000"/>
+            </a:schemeClr>
+          </a:lnRef>
+          <a:fillRef idx="1">
+            <a:schemeClr val="accent1"/>
+          </a:fillRef>
+          <a:effectRef idx="0">
+            <a:schemeClr val="accent1"/>
+          </a:effectRef>
+          <a:fontRef idx="minor">
+            <a:schemeClr val="lt1"/>
+          </a:fontRef>
+        </p:style>
+        <p:txBody>
+          <a:bodyPr rtlCol="0" anchor="ctr"/>
+          <a:lstStyle/>
+          <a:p>
+            <a:pPr algn="ctr"/>
+            <a:endParaRPr lang="en-GB"/>
+          </a:p>
+        </p:txBody>
+      </p:sp>
+      <p:sp>
+        <p:nvSpPr>
+          <p:cNvPr id="7" name="Rectangle 6">
+            <a:extLst>
+              <a:ext uri="{FF2B5EF4-FFF2-40B4-BE49-F238E27FC236}">
+                <a16:creationId xmlns:a16="http://schemas.microsoft.com/office/drawing/2014/main" id="{9AF4DE53-90EF-7F47-861C-9C4C0AB55427}"/>
+              </a:ext>
+            </a:extLst>
+          </p:cNvPr>
+          <p:cNvSpPr/>
+          <p:nvPr/>
+        </p:nvSpPr>
+        <p:spPr>
+          <a:xfrm>
+            <a:off x="-1" y="619676"/>
+            <a:ext cx="7894553" cy="778374"/>
+          </a:xfrm>
+          <a:prstGeom prst="rect">
+            <a:avLst/>
+          </a:prstGeom>
+          <a:solidFill>
+            <a:schemeClr val="accent5">
+              <a:lumMod val="75000"/>
+            </a:schemeClr>
+          </a:solidFill>
+          <a:ln>
+            <a:solidFill>
+              <a:schemeClr val="accent5">
+                <a:lumMod val="75000"/>
+              </a:schemeClr>
+            </a:solidFill>
+          </a:ln>
+        </p:spPr>
+        <p:style>
+          <a:lnRef idx="2">
+            <a:schemeClr val="accent1">
+              <a:shade val="50000"/>
+            </a:schemeClr>
+          </a:lnRef>
+          <a:fillRef idx="1">
+            <a:schemeClr val="accent1"/>
+          </a:fillRef>
+          <a:effectRef idx="0">
+            <a:schemeClr val="accent1"/>
+          </a:effectRef>
+          <a:fontRef idx="minor">
+            <a:schemeClr val="lt1"/>
+          </a:fontRef>
+        </p:style>
+        <p:txBody>
+          <a:bodyPr rtlCol="0" anchor="ctr"/>
+          <a:lstStyle/>
+          <a:p>
+            <a:pPr algn="ctr"/>
+            <a:endParaRPr lang="en-GB"/>
+          </a:p>
+        </p:txBody>
+      </p:sp>
+      <p:sp>
+        <p:nvSpPr>
+          <p:cNvPr id="2" name="Title 1">
+            <a:extLst>
+              <a:ext uri="{FF2B5EF4-FFF2-40B4-BE49-F238E27FC236}">
+                <a16:creationId xmlns:a16="http://schemas.microsoft.com/office/drawing/2014/main" id="{254FBC8B-1A4D-6345-B036-5F2A1C93A1B3}"/>
+              </a:ext>
+            </a:extLst>
+          </p:cNvPr>
+          <p:cNvSpPr>
+            <a:spLocks noGrp="1"/>
+          </p:cNvSpPr>
+          <p:nvPr>
+            <p:ph type="title"/>
+          </p:nvPr>
+        </p:nvSpPr>
+        <p:spPr/>
+        <p:txBody>
+          <a:bodyPr/>
+          <a:lstStyle/>
+          <a:p>
+            <a:r>
+              <a:rPr lang="en-GB" dirty="0">
+                <a:solidFill>
+                  <a:schemeClr val="bg1"/>
+                </a:solidFill>
+              </a:rPr>
+              <a:t>Templates for Starting Projects</a:t>
+            </a:r>
+          </a:p>
+        </p:txBody>
+      </p:sp>
+      <p:sp>
+        <p:nvSpPr>
+          <p:cNvPr id="3" name="Content Placeholder 2">
+            <a:extLst>
+              <a:ext uri="{FF2B5EF4-FFF2-40B4-BE49-F238E27FC236}">
+                <a16:creationId xmlns:a16="http://schemas.microsoft.com/office/drawing/2014/main" id="{677C7FCF-5D28-EE49-A660-749D297FD87D}"/>
+              </a:ext>
+            </a:extLst>
+          </p:cNvPr>
+          <p:cNvSpPr>
+            <a:spLocks noGrp="1"/>
+          </p:cNvSpPr>
+          <p:nvPr>
+            <p:ph idx="1"/>
+          </p:nvPr>
+        </p:nvSpPr>
+        <p:spPr>
+          <a:xfrm>
+            <a:off x="838200" y="1825625"/>
+            <a:ext cx="10515600" cy="3367743"/>
+          </a:xfrm>
+        </p:spPr>
+        <p:txBody>
+          <a:bodyPr>
+            <a:normAutofit lnSpcReduction="10000"/>
+          </a:bodyPr>
+          <a:lstStyle/>
+          <a:p>
+            <a:r>
+              <a:rPr lang="en-GB" dirty="0">
+                <a:solidFill>
+                  <a:srgbClr val="262626"/>
+                </a:solidFill>
+              </a:rPr>
+              <a:t>Options:</a:t>
+            </a:r>
+          </a:p>
+          <a:p>
+            <a:endParaRPr lang="en-GB" sz="1600" dirty="0">
+              <a:solidFill>
+                <a:srgbClr val="262626"/>
+              </a:solidFill>
+            </a:endParaRPr>
+          </a:p>
+          <a:p>
+            <a:pPr lvl="1"/>
+            <a:r>
+              <a:rPr lang="en-GB" dirty="0">
+                <a:solidFill>
+                  <a:srgbClr val="262626"/>
+                </a:solidFill>
+              </a:rPr>
+              <a:t>Use the CLI </a:t>
+            </a:r>
+            <a:r>
+              <a:rPr lang="en-GB" i="1" dirty="0">
+                <a:solidFill>
+                  <a:schemeClr val="bg1">
+                    <a:lumMod val="65000"/>
+                  </a:schemeClr>
+                </a:solidFill>
+              </a:rPr>
+              <a:t>(and wait whilst it downloads half the internet as packages)</a:t>
+            </a:r>
+          </a:p>
+          <a:p>
+            <a:pPr lvl="2"/>
+            <a:r>
+              <a:rPr lang="en-GB" dirty="0">
+                <a:solidFill>
+                  <a:srgbClr val="262626"/>
+                </a:solidFill>
+              </a:rPr>
+              <a:t>“</a:t>
+            </a:r>
+            <a:r>
+              <a:rPr lang="en-GB" dirty="0" err="1">
+                <a:solidFill>
+                  <a:srgbClr val="262626"/>
+                </a:solidFill>
+                <a:latin typeface="Courier New" panose="02070309020205020404" pitchFamily="49" charset="0"/>
+                <a:cs typeface="Courier New" panose="02070309020205020404" pitchFamily="49" charset="0"/>
+              </a:rPr>
+              <a:t>vue</a:t>
+            </a:r>
+            <a:r>
+              <a:rPr lang="en-GB" dirty="0">
+                <a:solidFill>
+                  <a:srgbClr val="262626"/>
+                </a:solidFill>
+                <a:latin typeface="Courier New" panose="02070309020205020404" pitchFamily="49" charset="0"/>
+                <a:cs typeface="Courier New" panose="02070309020205020404" pitchFamily="49" charset="0"/>
+              </a:rPr>
+              <a:t> create </a:t>
+            </a:r>
+            <a:r>
+              <a:rPr lang="en-GB" dirty="0" err="1">
+                <a:solidFill>
+                  <a:srgbClr val="262626"/>
+                </a:solidFill>
+                <a:latin typeface="Courier New" panose="02070309020205020404" pitchFamily="49" charset="0"/>
+                <a:cs typeface="Courier New" panose="02070309020205020404" pitchFamily="49" charset="0"/>
+              </a:rPr>
+              <a:t>gof-vue</a:t>
+            </a:r>
+            <a:r>
+              <a:rPr lang="en-GB" dirty="0">
+                <a:solidFill>
+                  <a:srgbClr val="262626"/>
+                </a:solidFill>
+              </a:rPr>
+              <a:t>” and select desired inputs</a:t>
+            </a:r>
+          </a:p>
+          <a:p>
+            <a:pPr lvl="3"/>
+            <a:r>
+              <a:rPr lang="en-GB" sz="1200" dirty="0">
+                <a:hlinkClick r:id="rId2"/>
+              </a:rPr>
+              <a:t>https://cli.vuejs.org/guide/creating-a-project.html#vue-create</a:t>
+            </a:r>
+            <a:endParaRPr lang="en-GB" sz="1200" dirty="0"/>
+          </a:p>
+          <a:p>
+            <a:pPr lvl="2"/>
+            <a:r>
+              <a:rPr lang="en-GB" dirty="0">
+                <a:solidFill>
+                  <a:srgbClr val="262626"/>
+                </a:solidFill>
+              </a:rPr>
+              <a:t>“</a:t>
+            </a:r>
+            <a:r>
+              <a:rPr lang="en-GB" dirty="0" err="1">
+                <a:latin typeface="Courier New" panose="02070309020205020404" pitchFamily="49" charset="0"/>
+                <a:cs typeface="Courier New" panose="02070309020205020404" pitchFamily="49" charset="0"/>
+              </a:rPr>
+              <a:t>npm</a:t>
+            </a:r>
+            <a:r>
+              <a:rPr lang="en-GB" dirty="0">
+                <a:latin typeface="Courier New" panose="02070309020205020404" pitchFamily="49" charset="0"/>
+                <a:cs typeface="Courier New" panose="02070309020205020404" pitchFamily="49" charset="0"/>
+              </a:rPr>
+              <a:t> </a:t>
+            </a:r>
+            <a:r>
+              <a:rPr lang="en-GB" dirty="0" err="1">
+                <a:latin typeface="Courier New" panose="02070309020205020404" pitchFamily="49" charset="0"/>
+                <a:cs typeface="Courier New" panose="02070309020205020404" pitchFamily="49" charset="0"/>
+              </a:rPr>
+              <a:t>init</a:t>
+            </a:r>
+            <a:r>
+              <a:rPr lang="en-GB" dirty="0">
+                <a:latin typeface="Courier New" panose="02070309020205020404" pitchFamily="49" charset="0"/>
+                <a:cs typeface="Courier New" panose="02070309020205020404" pitchFamily="49" charset="0"/>
+              </a:rPr>
+              <a:t> react-app </a:t>
+            </a:r>
+            <a:r>
+              <a:rPr lang="en-GB" dirty="0" err="1">
+                <a:latin typeface="Courier New" panose="02070309020205020404" pitchFamily="49" charset="0"/>
+                <a:cs typeface="Courier New" panose="02070309020205020404" pitchFamily="49" charset="0"/>
+              </a:rPr>
+              <a:t>gof</a:t>
+            </a:r>
+            <a:r>
+              <a:rPr lang="en-GB" dirty="0">
+                <a:latin typeface="Courier New" panose="02070309020205020404" pitchFamily="49" charset="0"/>
+                <a:cs typeface="Courier New" panose="02070309020205020404" pitchFamily="49" charset="0"/>
+              </a:rPr>
+              <a:t>-react</a:t>
+            </a:r>
+            <a:r>
+              <a:rPr lang="en-GB" dirty="0">
+                <a:solidFill>
+                  <a:srgbClr val="262626"/>
+                </a:solidFill>
+              </a:rPr>
+              <a:t>”</a:t>
+            </a:r>
+          </a:p>
+          <a:p>
+            <a:pPr lvl="3"/>
+            <a:r>
+              <a:rPr lang="en-GB" sz="1200" dirty="0">
+                <a:hlinkClick r:id="rId3"/>
+              </a:rPr>
+              <a:t>https://github.com/facebook/create-react-app</a:t>
+            </a:r>
+            <a:endParaRPr lang="en-GB" sz="1200" dirty="0">
+              <a:solidFill>
+                <a:srgbClr val="262626"/>
+              </a:solidFill>
+            </a:endParaRPr>
+          </a:p>
+          <a:p>
+            <a:pPr lvl="1"/>
+            <a:endParaRPr lang="en-GB" dirty="0">
+              <a:solidFill>
+                <a:srgbClr val="262626"/>
+              </a:solidFill>
+            </a:endParaRPr>
+          </a:p>
+          <a:p>
+            <a:pPr lvl="1"/>
+            <a:r>
+              <a:rPr lang="en-GB" dirty="0">
+                <a:solidFill>
+                  <a:srgbClr val="262626"/>
+                </a:solidFill>
+              </a:rPr>
+              <a:t>Use a prebuilt project template and change settings</a:t>
+            </a:r>
+          </a:p>
+          <a:p>
+            <a:pPr lvl="2"/>
+            <a:r>
+              <a:rPr lang="en-GB" dirty="0">
+                <a:solidFill>
+                  <a:srgbClr val="262626"/>
+                </a:solidFill>
+              </a:rPr>
+              <a:t>For more control/include particular libraries/enforce company standards</a:t>
+            </a:r>
+          </a:p>
+          <a:p>
+            <a:endParaRPr lang="en-GB" dirty="0">
+              <a:solidFill>
+                <a:srgbClr val="262626"/>
+              </a:solidFill>
+            </a:endParaRPr>
+          </a:p>
+          <a:p>
+            <a:endParaRPr lang="en-GB" dirty="0">
+              <a:solidFill>
+                <a:srgbClr val="262626"/>
+              </a:solidFill>
+            </a:endParaRPr>
+          </a:p>
+          <a:p>
+            <a:endParaRPr lang="en-GB" dirty="0">
+              <a:solidFill>
+                <a:schemeClr val="tx1">
+                  <a:lumMod val="95000"/>
+                  <a:lumOff val="5000"/>
+                </a:schemeClr>
+              </a:solidFill>
+            </a:endParaRPr>
+          </a:p>
+        </p:txBody>
+      </p:sp>
+    </p:spTree>
+    <p:extLst>
+      <p:ext uri="{BB962C8B-B14F-4D97-AF65-F5344CB8AC3E}">
+        <p14:creationId xmlns:p14="http://schemas.microsoft.com/office/powerpoint/2010/main" val="32790303"/>
+      </p:ext>
+    </p:extLst>
+  </p:cSld>
+  <p:clrMapOvr>
+    <a:masterClrMapping/>
+  </p:clrMapOvr>
+</p:sld>
+</file>
+
 <file path=ppt/slides/slide15.xml><?xml version="1.0" encoding="utf-8"?>
+<p:sld xmlns:a="http://schemas.openxmlformats.org/drawingml/2006/main" xmlns:r="http://schemas.openxmlformats.org/officeDocument/2006/relationships" xmlns:p="http://schemas.openxmlformats.org/presentationml/2006/main">
+  <p:cSld>
+    <p:spTree>
+      <p:nvGrpSpPr>
+        <p:cNvPr id="1" name=""/>
+        <p:cNvGrpSpPr/>
+        <p:nvPr/>
+      </p:nvGrpSpPr>
+      <p:grpSpPr>
+        <a:xfrm>
+          <a:off x="0" y="0"/>
+          <a:ext cx="0" cy="0"/>
+          <a:chOff x="0" y="0"/>
+          <a:chExt cx="0" cy="0"/>
+        </a:xfrm>
+      </p:grpSpPr>
+      <p:sp>
+        <p:nvSpPr>
+          <p:cNvPr id="8" name="Rectangle 7">
+            <a:extLst>
+              <a:ext uri="{FF2B5EF4-FFF2-40B4-BE49-F238E27FC236}">
+                <a16:creationId xmlns:a16="http://schemas.microsoft.com/office/drawing/2014/main" id="{866B5D3B-26CD-B245-BCAD-9F19CF15B083}"/>
+              </a:ext>
+            </a:extLst>
+          </p:cNvPr>
+          <p:cNvSpPr/>
+          <p:nvPr/>
+        </p:nvSpPr>
+        <p:spPr>
+          <a:xfrm>
+            <a:off x="489527" y="1006765"/>
+            <a:ext cx="11259128" cy="5403272"/>
+          </a:xfrm>
+          <a:prstGeom prst="rect">
+            <a:avLst/>
+          </a:prstGeom>
+          <a:solidFill>
+            <a:schemeClr val="bg1"/>
+          </a:solidFill>
+          <a:ln w="38100">
+            <a:solidFill>
+              <a:schemeClr val="bg1">
+                <a:lumMod val="85000"/>
+              </a:schemeClr>
+            </a:solidFill>
+          </a:ln>
+          <a:effectLst/>
+        </p:spPr>
+        <p:style>
+          <a:lnRef idx="2">
+            <a:schemeClr val="accent1">
+              <a:shade val="50000"/>
+            </a:schemeClr>
+          </a:lnRef>
+          <a:fillRef idx="1">
+            <a:schemeClr val="accent1"/>
+          </a:fillRef>
+          <a:effectRef idx="0">
+            <a:schemeClr val="accent1"/>
+          </a:effectRef>
+          <a:fontRef idx="minor">
+            <a:schemeClr val="lt1"/>
+          </a:fontRef>
+        </p:style>
+        <p:txBody>
+          <a:bodyPr rtlCol="0" anchor="ctr"/>
+          <a:lstStyle/>
+          <a:p>
+            <a:pPr algn="ctr"/>
+            <a:endParaRPr lang="en-GB"/>
+          </a:p>
+        </p:txBody>
+      </p:sp>
+      <p:sp>
+        <p:nvSpPr>
+          <p:cNvPr id="7" name="Rectangle 6">
+            <a:extLst>
+              <a:ext uri="{FF2B5EF4-FFF2-40B4-BE49-F238E27FC236}">
+                <a16:creationId xmlns:a16="http://schemas.microsoft.com/office/drawing/2014/main" id="{9AF4DE53-90EF-7F47-861C-9C4C0AB55427}"/>
+              </a:ext>
+            </a:extLst>
+          </p:cNvPr>
+          <p:cNvSpPr/>
+          <p:nvPr/>
+        </p:nvSpPr>
+        <p:spPr>
+          <a:xfrm>
+            <a:off x="-1" y="619676"/>
+            <a:ext cx="8466926" cy="778374"/>
+          </a:xfrm>
+          <a:prstGeom prst="rect">
+            <a:avLst/>
+          </a:prstGeom>
+          <a:solidFill>
+            <a:schemeClr val="accent5">
+              <a:lumMod val="75000"/>
+            </a:schemeClr>
+          </a:solidFill>
+          <a:ln>
+            <a:solidFill>
+              <a:schemeClr val="accent5">
+                <a:lumMod val="75000"/>
+              </a:schemeClr>
+            </a:solidFill>
+          </a:ln>
+        </p:spPr>
+        <p:style>
+          <a:lnRef idx="2">
+            <a:schemeClr val="accent1">
+              <a:shade val="50000"/>
+            </a:schemeClr>
+          </a:lnRef>
+          <a:fillRef idx="1">
+            <a:schemeClr val="accent1"/>
+          </a:fillRef>
+          <a:effectRef idx="0">
+            <a:schemeClr val="accent1"/>
+          </a:effectRef>
+          <a:fontRef idx="minor">
+            <a:schemeClr val="lt1"/>
+          </a:fontRef>
+        </p:style>
+        <p:txBody>
+          <a:bodyPr rtlCol="0" anchor="ctr"/>
+          <a:lstStyle/>
+          <a:p>
+            <a:pPr algn="ctr"/>
+            <a:endParaRPr lang="en-GB"/>
+          </a:p>
+        </p:txBody>
+      </p:sp>
+      <p:sp>
+        <p:nvSpPr>
+          <p:cNvPr id="2" name="Title 1">
+            <a:extLst>
+              <a:ext uri="{FF2B5EF4-FFF2-40B4-BE49-F238E27FC236}">
+                <a16:creationId xmlns:a16="http://schemas.microsoft.com/office/drawing/2014/main" id="{254FBC8B-1A4D-6345-B036-5F2A1C93A1B3}"/>
+              </a:ext>
+            </a:extLst>
+          </p:cNvPr>
+          <p:cNvSpPr>
+            <a:spLocks noGrp="1"/>
+          </p:cNvSpPr>
+          <p:nvPr>
+            <p:ph type="title"/>
+          </p:nvPr>
+        </p:nvSpPr>
+        <p:spPr/>
+        <p:txBody>
+          <a:bodyPr/>
+          <a:lstStyle/>
+          <a:p>
+            <a:r>
+              <a:rPr lang="en-GB" dirty="0">
+                <a:solidFill>
+                  <a:schemeClr val="bg1"/>
+                </a:solidFill>
+              </a:rPr>
+              <a:t>Architecture: Common Approach</a:t>
+            </a:r>
+          </a:p>
+        </p:txBody>
+      </p:sp>
+      <p:sp>
+        <p:nvSpPr>
+          <p:cNvPr id="3" name="Content Placeholder 2">
+            <a:extLst>
+              <a:ext uri="{FF2B5EF4-FFF2-40B4-BE49-F238E27FC236}">
+                <a16:creationId xmlns:a16="http://schemas.microsoft.com/office/drawing/2014/main" id="{677C7FCF-5D28-EE49-A660-749D297FD87D}"/>
+              </a:ext>
+            </a:extLst>
+          </p:cNvPr>
+          <p:cNvSpPr>
+            <a:spLocks noGrp="1"/>
+          </p:cNvSpPr>
+          <p:nvPr>
+            <p:ph idx="1"/>
+          </p:nvPr>
+        </p:nvSpPr>
+        <p:spPr>
+          <a:xfrm>
+            <a:off x="838200" y="1825625"/>
+            <a:ext cx="10515600" cy="3367743"/>
+          </a:xfrm>
+        </p:spPr>
+        <p:txBody>
+          <a:bodyPr>
+            <a:normAutofit fontScale="92500" lnSpcReduction="10000"/>
+          </a:bodyPr>
+          <a:lstStyle/>
+          <a:p>
+            <a:r>
+              <a:rPr lang="en-GB" dirty="0">
+                <a:solidFill>
+                  <a:srgbClr val="262626"/>
+                </a:solidFill>
+              </a:rPr>
+              <a:t>Four Components:</a:t>
+            </a:r>
+          </a:p>
+          <a:p>
+            <a:pPr lvl="1"/>
+            <a:r>
+              <a:rPr lang="en-GB" dirty="0">
+                <a:solidFill>
+                  <a:srgbClr val="262626"/>
+                </a:solidFill>
+              </a:rPr>
+              <a:t>App</a:t>
+            </a:r>
+          </a:p>
+          <a:p>
+            <a:pPr lvl="2"/>
+            <a:r>
+              <a:rPr lang="en-GB" dirty="0">
+                <a:solidFill>
+                  <a:srgbClr val="262626"/>
+                </a:solidFill>
+              </a:rPr>
+              <a:t>Top level component, responsible for calling Grid and Options Components</a:t>
+            </a:r>
+          </a:p>
+          <a:p>
+            <a:pPr lvl="2"/>
+            <a:r>
+              <a:rPr lang="en-GB" dirty="0">
+                <a:solidFill>
+                  <a:srgbClr val="262626"/>
+                </a:solidFill>
+              </a:rPr>
+              <a:t>Interacts with “Game Of Life” engine and passes data to child component</a:t>
+            </a:r>
+          </a:p>
+          <a:p>
+            <a:pPr lvl="1"/>
+            <a:r>
+              <a:rPr lang="en-GB" dirty="0">
+                <a:solidFill>
+                  <a:srgbClr val="262626"/>
+                </a:solidFill>
+              </a:rPr>
+              <a:t>Grid</a:t>
+            </a:r>
+          </a:p>
+          <a:p>
+            <a:pPr lvl="2"/>
+            <a:r>
+              <a:rPr lang="en-GB" dirty="0">
+                <a:solidFill>
+                  <a:srgbClr val="262626"/>
+                </a:solidFill>
+              </a:rPr>
+              <a:t>Draws the grid and loops through each cell, passing to the Cell component</a:t>
+            </a:r>
+          </a:p>
+          <a:p>
+            <a:pPr lvl="1"/>
+            <a:r>
+              <a:rPr lang="en-GB" dirty="0">
+                <a:solidFill>
+                  <a:srgbClr val="262626"/>
+                </a:solidFill>
+              </a:rPr>
+              <a:t>Cell</a:t>
+            </a:r>
+          </a:p>
+          <a:p>
+            <a:pPr lvl="2"/>
+            <a:r>
+              <a:rPr lang="en-GB" dirty="0">
+                <a:solidFill>
+                  <a:srgbClr val="262626"/>
+                </a:solidFill>
+              </a:rPr>
+              <a:t>Draws the cell</a:t>
+            </a:r>
+          </a:p>
+          <a:p>
+            <a:pPr lvl="1"/>
+            <a:r>
+              <a:rPr lang="en-GB" dirty="0">
+                <a:solidFill>
+                  <a:srgbClr val="262626"/>
+                </a:solidFill>
+              </a:rPr>
+              <a:t>Options</a:t>
+            </a:r>
+          </a:p>
+          <a:p>
+            <a:pPr lvl="2"/>
+            <a:r>
+              <a:rPr lang="en-GB" dirty="0">
+                <a:solidFill>
+                  <a:srgbClr val="262626"/>
+                </a:solidFill>
+              </a:rPr>
+              <a:t>Handles displaying FORM for user interaction (introduced in final demo)</a:t>
+            </a:r>
+          </a:p>
+          <a:p>
+            <a:endParaRPr lang="en-GB" dirty="0">
+              <a:solidFill>
+                <a:srgbClr val="262626"/>
+              </a:solidFill>
+            </a:endParaRPr>
+          </a:p>
+          <a:p>
+            <a:endParaRPr lang="en-GB" dirty="0">
+              <a:solidFill>
+                <a:srgbClr val="262626"/>
+              </a:solidFill>
+            </a:endParaRPr>
+          </a:p>
+          <a:p>
+            <a:endParaRPr lang="en-GB" dirty="0">
+              <a:solidFill>
+                <a:srgbClr val="262626"/>
+              </a:solidFill>
+            </a:endParaRPr>
+          </a:p>
+          <a:p>
+            <a:endParaRPr lang="en-GB" dirty="0">
+              <a:solidFill>
+                <a:schemeClr val="tx1">
+                  <a:lumMod val="95000"/>
+                  <a:lumOff val="5000"/>
+                </a:schemeClr>
+              </a:solidFill>
+            </a:endParaRPr>
+          </a:p>
+        </p:txBody>
+      </p:sp>
+    </p:spTree>
+    <p:extLst>
+      <p:ext uri="{BB962C8B-B14F-4D97-AF65-F5344CB8AC3E}">
+        <p14:creationId xmlns:p14="http://schemas.microsoft.com/office/powerpoint/2010/main" val="1174654331"/>
+      </p:ext>
+    </p:extLst>
+  </p:cSld>
+  <p:clrMapOvr>
+    <a:masterClrMapping/>
+  </p:clrMapOvr>
+</p:sld>
+</file>
+
+<file path=ppt/slides/slide16.xml><?xml version="1.0" encoding="utf-8"?>
+<p:sld xmlns:a="http://schemas.openxmlformats.org/drawingml/2006/main" xmlns:r="http://schemas.openxmlformats.org/officeDocument/2006/relationships" xmlns:p="http://schemas.openxmlformats.org/presentationml/2006/main">
+  <p:cSld>
+    <p:spTree>
+      <p:nvGrpSpPr>
+        <p:cNvPr id="1" name=""/>
+        <p:cNvGrpSpPr/>
+        <p:nvPr/>
+      </p:nvGrpSpPr>
+      <p:grpSpPr>
+        <a:xfrm>
+          <a:off x="0" y="0"/>
+          <a:ext cx="0" cy="0"/>
+          <a:chOff x="0" y="0"/>
+          <a:chExt cx="0" cy="0"/>
+        </a:xfrm>
+      </p:grpSpPr>
+      <p:sp>
+        <p:nvSpPr>
+          <p:cNvPr id="8" name="Rectangle 7">
+            <a:extLst>
+              <a:ext uri="{FF2B5EF4-FFF2-40B4-BE49-F238E27FC236}">
+                <a16:creationId xmlns:a16="http://schemas.microsoft.com/office/drawing/2014/main" id="{866B5D3B-26CD-B245-BCAD-9F19CF15B083}"/>
+              </a:ext>
+            </a:extLst>
+          </p:cNvPr>
+          <p:cNvSpPr/>
+          <p:nvPr/>
+        </p:nvSpPr>
+        <p:spPr>
+          <a:xfrm>
+            <a:off x="489527" y="1006765"/>
+            <a:ext cx="11259128" cy="5403272"/>
+          </a:xfrm>
+          <a:prstGeom prst="rect">
+            <a:avLst/>
+          </a:prstGeom>
+          <a:solidFill>
+            <a:schemeClr val="bg1"/>
+          </a:solidFill>
+          <a:ln w="38100">
+            <a:solidFill>
+              <a:schemeClr val="bg1">
+                <a:lumMod val="85000"/>
+              </a:schemeClr>
+            </a:solidFill>
+          </a:ln>
+          <a:effectLst/>
+        </p:spPr>
+        <p:style>
+          <a:lnRef idx="2">
+            <a:schemeClr val="accent1">
+              <a:shade val="50000"/>
+            </a:schemeClr>
+          </a:lnRef>
+          <a:fillRef idx="1">
+            <a:schemeClr val="accent1"/>
+          </a:fillRef>
+          <a:effectRef idx="0">
+            <a:schemeClr val="accent1"/>
+          </a:effectRef>
+          <a:fontRef idx="minor">
+            <a:schemeClr val="lt1"/>
+          </a:fontRef>
+        </p:style>
+        <p:txBody>
+          <a:bodyPr rtlCol="0" anchor="ctr"/>
+          <a:lstStyle/>
+          <a:p>
+            <a:pPr algn="ctr"/>
+            <a:endParaRPr lang="en-GB"/>
+          </a:p>
+        </p:txBody>
+      </p:sp>
+      <p:sp>
+        <p:nvSpPr>
+          <p:cNvPr id="7" name="Rectangle 6">
+            <a:extLst>
+              <a:ext uri="{FF2B5EF4-FFF2-40B4-BE49-F238E27FC236}">
+                <a16:creationId xmlns:a16="http://schemas.microsoft.com/office/drawing/2014/main" id="{9AF4DE53-90EF-7F47-861C-9C4C0AB55427}"/>
+              </a:ext>
+            </a:extLst>
+          </p:cNvPr>
+          <p:cNvSpPr/>
+          <p:nvPr/>
+        </p:nvSpPr>
+        <p:spPr>
+          <a:xfrm>
+            <a:off x="-1" y="619676"/>
+            <a:ext cx="8466926" cy="778374"/>
+          </a:xfrm>
+          <a:prstGeom prst="rect">
+            <a:avLst/>
+          </a:prstGeom>
+          <a:solidFill>
+            <a:schemeClr val="accent5">
+              <a:lumMod val="75000"/>
+            </a:schemeClr>
+          </a:solidFill>
+          <a:ln>
+            <a:solidFill>
+              <a:schemeClr val="accent5">
+                <a:lumMod val="75000"/>
+              </a:schemeClr>
+            </a:solidFill>
+          </a:ln>
+        </p:spPr>
+        <p:style>
+          <a:lnRef idx="2">
+            <a:schemeClr val="accent1">
+              <a:shade val="50000"/>
+            </a:schemeClr>
+          </a:lnRef>
+          <a:fillRef idx="1">
+            <a:schemeClr val="accent1"/>
+          </a:fillRef>
+          <a:effectRef idx="0">
+            <a:schemeClr val="accent1"/>
+          </a:effectRef>
+          <a:fontRef idx="minor">
+            <a:schemeClr val="lt1"/>
+          </a:fontRef>
+        </p:style>
+        <p:txBody>
+          <a:bodyPr rtlCol="0" anchor="ctr"/>
+          <a:lstStyle/>
+          <a:p>
+            <a:pPr algn="ctr"/>
+            <a:endParaRPr lang="en-GB"/>
+          </a:p>
+        </p:txBody>
+      </p:sp>
+      <p:sp>
+        <p:nvSpPr>
+          <p:cNvPr id="2" name="Title 1">
+            <a:extLst>
+              <a:ext uri="{FF2B5EF4-FFF2-40B4-BE49-F238E27FC236}">
+                <a16:creationId xmlns:a16="http://schemas.microsoft.com/office/drawing/2014/main" id="{254FBC8B-1A4D-6345-B036-5F2A1C93A1B3}"/>
+              </a:ext>
+            </a:extLst>
+          </p:cNvPr>
+          <p:cNvSpPr>
+            <a:spLocks noGrp="1"/>
+          </p:cNvSpPr>
+          <p:nvPr>
+            <p:ph type="title"/>
+          </p:nvPr>
+        </p:nvSpPr>
+        <p:spPr/>
+        <p:txBody>
+          <a:bodyPr/>
+          <a:lstStyle/>
+          <a:p>
+            <a:r>
+              <a:rPr lang="en-GB" dirty="0">
+                <a:solidFill>
+                  <a:schemeClr val="bg1"/>
+                </a:solidFill>
+              </a:rPr>
+              <a:t>Architecture: Common Approach</a:t>
+            </a:r>
+          </a:p>
+        </p:txBody>
+      </p:sp>
+      <p:sp>
+        <p:nvSpPr>
+          <p:cNvPr id="3" name="Content Placeholder 2">
+            <a:extLst>
+              <a:ext uri="{FF2B5EF4-FFF2-40B4-BE49-F238E27FC236}">
+                <a16:creationId xmlns:a16="http://schemas.microsoft.com/office/drawing/2014/main" id="{677C7FCF-5D28-EE49-A660-749D297FD87D}"/>
+              </a:ext>
+            </a:extLst>
+          </p:cNvPr>
+          <p:cNvSpPr>
+            <a:spLocks noGrp="1"/>
+          </p:cNvSpPr>
+          <p:nvPr>
+            <p:ph idx="1"/>
+          </p:nvPr>
+        </p:nvSpPr>
+        <p:spPr>
+          <a:xfrm>
+            <a:off x="838200" y="1825625"/>
+            <a:ext cx="10515600" cy="3367743"/>
+          </a:xfrm>
+        </p:spPr>
+        <p:txBody>
+          <a:bodyPr>
+            <a:normAutofit/>
+          </a:bodyPr>
+          <a:lstStyle/>
+          <a:p>
+            <a:r>
+              <a:rPr lang="en-GB" dirty="0">
+                <a:solidFill>
+                  <a:srgbClr val="262626"/>
+                </a:solidFill>
+              </a:rPr>
+              <a:t>Use minimal feature set to implement</a:t>
+            </a:r>
+          </a:p>
+          <a:p>
+            <a:pPr lvl="1"/>
+            <a:endParaRPr lang="en-GB" dirty="0">
+              <a:solidFill>
+                <a:srgbClr val="262626"/>
+              </a:solidFill>
+            </a:endParaRPr>
+          </a:p>
+          <a:p>
+            <a:pPr lvl="1"/>
+            <a:r>
+              <a:rPr lang="en-GB" dirty="0">
+                <a:solidFill>
+                  <a:srgbClr val="262626"/>
+                </a:solidFill>
+              </a:rPr>
+              <a:t>Keep things as simple as possible</a:t>
+            </a:r>
+          </a:p>
+          <a:p>
+            <a:pPr lvl="1"/>
+            <a:endParaRPr lang="en-GB" dirty="0">
+              <a:solidFill>
+                <a:srgbClr val="262626"/>
+              </a:solidFill>
+            </a:endParaRPr>
+          </a:p>
+          <a:p>
+            <a:pPr lvl="1"/>
+            <a:r>
+              <a:rPr lang="en-GB" dirty="0">
+                <a:solidFill>
+                  <a:srgbClr val="262626"/>
+                </a:solidFill>
+              </a:rPr>
+              <a:t>Try not to use Redux and/or </a:t>
+            </a:r>
+            <a:r>
+              <a:rPr lang="en-GB" dirty="0" err="1">
+                <a:solidFill>
+                  <a:srgbClr val="262626"/>
+                </a:solidFill>
+              </a:rPr>
+              <a:t>Vuex</a:t>
+            </a:r>
+            <a:endParaRPr lang="en-GB" dirty="0">
+              <a:solidFill>
+                <a:srgbClr val="262626"/>
+              </a:solidFill>
+            </a:endParaRPr>
+          </a:p>
+          <a:p>
+            <a:endParaRPr lang="en-GB" dirty="0">
+              <a:solidFill>
+                <a:srgbClr val="262626"/>
+              </a:solidFill>
+            </a:endParaRPr>
+          </a:p>
+          <a:p>
+            <a:endParaRPr lang="en-GB" dirty="0">
+              <a:solidFill>
+                <a:schemeClr val="tx1">
+                  <a:lumMod val="95000"/>
+                  <a:lumOff val="5000"/>
+                </a:schemeClr>
+              </a:solidFill>
+            </a:endParaRPr>
+          </a:p>
+        </p:txBody>
+      </p:sp>
+    </p:spTree>
+    <p:extLst>
+      <p:ext uri="{BB962C8B-B14F-4D97-AF65-F5344CB8AC3E}">
+        <p14:creationId xmlns:p14="http://schemas.microsoft.com/office/powerpoint/2010/main" val="1834153080"/>
+      </p:ext>
+    </p:extLst>
+  </p:cSld>
+  <p:clrMapOvr>
+    <a:masterClrMapping/>
+  </p:clrMapOvr>
+</p:sld>
+</file>
+
+<file path=ppt/slides/slide17.xml><?xml version="1.0" encoding="utf-8"?>
+<p:sld xmlns:a="http://schemas.openxmlformats.org/drawingml/2006/main" xmlns:r="http://schemas.openxmlformats.org/officeDocument/2006/relationships" xmlns:p="http://schemas.openxmlformats.org/presentationml/2006/main">
+  <p:cSld>
+    <p:spTree>
+      <p:nvGrpSpPr>
+        <p:cNvPr id="1" name=""/>
+        <p:cNvGrpSpPr/>
+        <p:nvPr/>
+      </p:nvGrpSpPr>
+      <p:grpSpPr>
+        <a:xfrm>
+          <a:off x="0" y="0"/>
+          <a:ext cx="0" cy="0"/>
+          <a:chOff x="0" y="0"/>
+          <a:chExt cx="0" cy="0"/>
+        </a:xfrm>
+      </p:grpSpPr>
+      <p:sp>
+        <p:nvSpPr>
+          <p:cNvPr id="8" name="Rectangle 7">
+            <a:extLst>
+              <a:ext uri="{FF2B5EF4-FFF2-40B4-BE49-F238E27FC236}">
+                <a16:creationId xmlns:a16="http://schemas.microsoft.com/office/drawing/2014/main" id="{866B5D3B-26CD-B245-BCAD-9F19CF15B083}"/>
+              </a:ext>
+            </a:extLst>
+          </p:cNvPr>
+          <p:cNvSpPr/>
+          <p:nvPr/>
+        </p:nvSpPr>
+        <p:spPr>
+          <a:xfrm>
+            <a:off x="489527" y="1006765"/>
+            <a:ext cx="11259128" cy="5403272"/>
+          </a:xfrm>
+          <a:prstGeom prst="rect">
+            <a:avLst/>
+          </a:prstGeom>
+          <a:solidFill>
+            <a:schemeClr val="bg1"/>
+          </a:solidFill>
+          <a:ln w="38100">
+            <a:solidFill>
+              <a:schemeClr val="bg1">
+                <a:lumMod val="85000"/>
+              </a:schemeClr>
+            </a:solidFill>
+          </a:ln>
+          <a:effectLst/>
+        </p:spPr>
+        <p:style>
+          <a:lnRef idx="2">
+            <a:schemeClr val="accent1">
+              <a:shade val="50000"/>
+            </a:schemeClr>
+          </a:lnRef>
+          <a:fillRef idx="1">
+            <a:schemeClr val="accent1"/>
+          </a:fillRef>
+          <a:effectRef idx="0">
+            <a:schemeClr val="accent1"/>
+          </a:effectRef>
+          <a:fontRef idx="minor">
+            <a:schemeClr val="lt1"/>
+          </a:fontRef>
+        </p:style>
+        <p:txBody>
+          <a:bodyPr rtlCol="0" anchor="ctr"/>
+          <a:lstStyle/>
+          <a:p>
+            <a:pPr algn="ctr"/>
+            <a:endParaRPr lang="en-GB"/>
+          </a:p>
+        </p:txBody>
+      </p:sp>
+      <p:sp>
+        <p:nvSpPr>
+          <p:cNvPr id="7" name="Rectangle 6">
+            <a:extLst>
+              <a:ext uri="{FF2B5EF4-FFF2-40B4-BE49-F238E27FC236}">
+                <a16:creationId xmlns:a16="http://schemas.microsoft.com/office/drawing/2014/main" id="{9AF4DE53-90EF-7F47-861C-9C4C0AB55427}"/>
+              </a:ext>
+            </a:extLst>
+          </p:cNvPr>
+          <p:cNvSpPr/>
+          <p:nvPr/>
+        </p:nvSpPr>
+        <p:spPr>
+          <a:xfrm>
+            <a:off x="0" y="619676"/>
+            <a:ext cx="4592940" cy="778374"/>
+          </a:xfrm>
+          <a:prstGeom prst="rect">
+            <a:avLst/>
+          </a:prstGeom>
+          <a:solidFill>
+            <a:schemeClr val="accent5">
+              <a:lumMod val="75000"/>
+            </a:schemeClr>
+          </a:solidFill>
+          <a:ln>
+            <a:solidFill>
+              <a:schemeClr val="accent5">
+                <a:lumMod val="75000"/>
+              </a:schemeClr>
+            </a:solidFill>
+          </a:ln>
+        </p:spPr>
+        <p:style>
+          <a:lnRef idx="2">
+            <a:schemeClr val="accent1">
+              <a:shade val="50000"/>
+            </a:schemeClr>
+          </a:lnRef>
+          <a:fillRef idx="1">
+            <a:schemeClr val="accent1"/>
+          </a:fillRef>
+          <a:effectRef idx="0">
+            <a:schemeClr val="accent1"/>
+          </a:effectRef>
+          <a:fontRef idx="minor">
+            <a:schemeClr val="lt1"/>
+          </a:fontRef>
+        </p:style>
+        <p:txBody>
+          <a:bodyPr rtlCol="0" anchor="ctr"/>
+          <a:lstStyle/>
+          <a:p>
+            <a:pPr algn="ctr"/>
+            <a:endParaRPr lang="en-GB"/>
+          </a:p>
+        </p:txBody>
+      </p:sp>
+      <p:sp>
+        <p:nvSpPr>
+          <p:cNvPr id="2" name="Title 1">
+            <a:extLst>
+              <a:ext uri="{FF2B5EF4-FFF2-40B4-BE49-F238E27FC236}">
+                <a16:creationId xmlns:a16="http://schemas.microsoft.com/office/drawing/2014/main" id="{254FBC8B-1A4D-6345-B036-5F2A1C93A1B3}"/>
+              </a:ext>
+            </a:extLst>
+          </p:cNvPr>
+          <p:cNvSpPr>
+            <a:spLocks noGrp="1"/>
+          </p:cNvSpPr>
+          <p:nvPr>
+            <p:ph type="title"/>
+          </p:nvPr>
+        </p:nvSpPr>
+        <p:spPr/>
+        <p:txBody>
+          <a:bodyPr/>
+          <a:lstStyle/>
+          <a:p>
+            <a:r>
+              <a:rPr lang="en-GB" dirty="0">
+                <a:solidFill>
+                  <a:schemeClr val="bg1"/>
+                </a:solidFill>
+              </a:rPr>
+              <a:t>React Approach</a:t>
+            </a:r>
+          </a:p>
+        </p:txBody>
+      </p:sp>
+      <p:sp>
+        <p:nvSpPr>
+          <p:cNvPr id="3" name="Content Placeholder 2">
+            <a:extLst>
+              <a:ext uri="{FF2B5EF4-FFF2-40B4-BE49-F238E27FC236}">
+                <a16:creationId xmlns:a16="http://schemas.microsoft.com/office/drawing/2014/main" id="{677C7FCF-5D28-EE49-A660-749D297FD87D}"/>
+              </a:ext>
+            </a:extLst>
+          </p:cNvPr>
+          <p:cNvSpPr>
+            <a:spLocks noGrp="1"/>
+          </p:cNvSpPr>
+          <p:nvPr>
+            <p:ph idx="1"/>
+          </p:nvPr>
+        </p:nvSpPr>
+        <p:spPr>
+          <a:xfrm>
+            <a:off x="838200" y="1825625"/>
+            <a:ext cx="10515600" cy="3367743"/>
+          </a:xfrm>
+        </p:spPr>
+        <p:txBody>
+          <a:bodyPr>
+            <a:normAutofit/>
+          </a:bodyPr>
+          <a:lstStyle/>
+          <a:p>
+            <a:r>
+              <a:rPr lang="en-GB" dirty="0">
+                <a:solidFill>
+                  <a:srgbClr val="262626"/>
+                </a:solidFill>
+              </a:rPr>
+              <a:t>Functional Components</a:t>
+            </a:r>
+          </a:p>
+          <a:p>
+            <a:pPr lvl="1"/>
+            <a:endParaRPr lang="en-GB" sz="1000" dirty="0">
+              <a:solidFill>
+                <a:srgbClr val="262626"/>
+              </a:solidFill>
+            </a:endParaRPr>
+          </a:p>
+          <a:p>
+            <a:pPr lvl="1"/>
+            <a:r>
+              <a:rPr lang="en-GB" dirty="0">
+                <a:solidFill>
+                  <a:srgbClr val="262626"/>
+                </a:solidFill>
+              </a:rPr>
+              <a:t>New way to create React components</a:t>
+            </a:r>
+          </a:p>
+          <a:p>
+            <a:pPr lvl="1"/>
+            <a:endParaRPr lang="en-GB" sz="1000" dirty="0">
+              <a:solidFill>
+                <a:srgbClr val="262626"/>
+              </a:solidFill>
+            </a:endParaRPr>
+          </a:p>
+          <a:p>
+            <a:pPr lvl="1"/>
+            <a:r>
+              <a:rPr lang="en-GB" dirty="0">
+                <a:solidFill>
+                  <a:srgbClr val="262626"/>
+                </a:solidFill>
+              </a:rPr>
+              <a:t>‘React Hooks’ give comparable feature set to class life cycle</a:t>
+            </a:r>
+          </a:p>
+          <a:p>
+            <a:pPr lvl="1"/>
+            <a:endParaRPr lang="en-GB" sz="1000" dirty="0">
+              <a:solidFill>
+                <a:srgbClr val="262626"/>
+              </a:solidFill>
+            </a:endParaRPr>
+          </a:p>
+          <a:p>
+            <a:pPr lvl="1"/>
+            <a:r>
+              <a:rPr lang="en-GB" dirty="0">
+                <a:solidFill>
+                  <a:srgbClr val="262626"/>
+                </a:solidFill>
+              </a:rPr>
+              <a:t>ES6 feature, requires Babel to compile</a:t>
+            </a:r>
+          </a:p>
+          <a:p>
+            <a:pPr lvl="1"/>
+            <a:endParaRPr lang="en-GB" dirty="0">
+              <a:solidFill>
+                <a:srgbClr val="262626"/>
+              </a:solidFill>
+            </a:endParaRPr>
+          </a:p>
+          <a:p>
+            <a:pPr lvl="1"/>
+            <a:endParaRPr lang="en-GB" dirty="0">
+              <a:solidFill>
+                <a:srgbClr val="262626"/>
+              </a:solidFill>
+            </a:endParaRPr>
+          </a:p>
+          <a:p>
+            <a:pPr marL="0" indent="0">
+              <a:buNone/>
+            </a:pPr>
+            <a:endParaRPr lang="en-GB" dirty="0">
+              <a:solidFill>
+                <a:srgbClr val="262626"/>
+              </a:solidFill>
+            </a:endParaRPr>
+          </a:p>
+          <a:p>
+            <a:endParaRPr lang="en-GB" dirty="0">
+              <a:solidFill>
+                <a:srgbClr val="262626"/>
+              </a:solidFill>
+            </a:endParaRPr>
+          </a:p>
+          <a:p>
+            <a:endParaRPr lang="en-GB" dirty="0">
+              <a:solidFill>
+                <a:srgbClr val="262626"/>
+              </a:solidFill>
+            </a:endParaRPr>
+          </a:p>
+          <a:p>
+            <a:endParaRPr lang="en-GB" dirty="0">
+              <a:solidFill>
+                <a:schemeClr val="tx1">
+                  <a:lumMod val="95000"/>
+                  <a:lumOff val="5000"/>
+                </a:schemeClr>
+              </a:solidFill>
+            </a:endParaRPr>
+          </a:p>
+        </p:txBody>
+      </p:sp>
+      <p:pic>
+        <p:nvPicPr>
+          <p:cNvPr id="5" name="Picture 4" descr="A screen shot of a computer&#10;&#10;Description automatically generated">
+            <a:extLst>
+              <a:ext uri="{FF2B5EF4-FFF2-40B4-BE49-F238E27FC236}">
+                <a16:creationId xmlns:a16="http://schemas.microsoft.com/office/drawing/2014/main" id="{808F6A11-2A59-4547-94D5-E3AC24A1DD1D}"/>
+              </a:ext>
+            </a:extLst>
+          </p:cNvPr>
+          <p:cNvPicPr>
+            <a:picLocks noChangeAspect="1"/>
+          </p:cNvPicPr>
+          <p:nvPr/>
+        </p:nvPicPr>
+        <p:blipFill>
+          <a:blip r:embed="rId2"/>
+          <a:stretch>
+            <a:fillRect/>
+          </a:stretch>
+        </p:blipFill>
+        <p:spPr>
+          <a:xfrm>
+            <a:off x="7015052" y="3602502"/>
+            <a:ext cx="4338747" cy="2451393"/>
+          </a:xfrm>
+          <a:prstGeom prst="rect">
+            <a:avLst/>
+          </a:prstGeom>
+        </p:spPr>
+      </p:pic>
+    </p:spTree>
+    <p:extLst>
+      <p:ext uri="{BB962C8B-B14F-4D97-AF65-F5344CB8AC3E}">
+        <p14:creationId xmlns:p14="http://schemas.microsoft.com/office/powerpoint/2010/main" val="4016471655"/>
+      </p:ext>
+    </p:extLst>
+  </p:cSld>
+  <p:clrMapOvr>
+    <a:masterClrMapping/>
+  </p:clrMapOvr>
+</p:sld>
+</file>
+
+<file path=ppt/slides/slide18.xml><?xml version="1.0" encoding="utf-8"?>
+<p:sld xmlns:a="http://schemas.openxmlformats.org/drawingml/2006/main" xmlns:r="http://schemas.openxmlformats.org/officeDocument/2006/relationships" xmlns:p="http://schemas.openxmlformats.org/presentationml/2006/main">
+  <p:cSld>
+    <p:spTree>
+      <p:nvGrpSpPr>
+        <p:cNvPr id="1" name=""/>
+        <p:cNvGrpSpPr/>
+        <p:nvPr/>
+      </p:nvGrpSpPr>
+      <p:grpSpPr>
+        <a:xfrm>
+          <a:off x="0" y="0"/>
+          <a:ext cx="0" cy="0"/>
+          <a:chOff x="0" y="0"/>
+          <a:chExt cx="0" cy="0"/>
+        </a:xfrm>
+      </p:grpSpPr>
+      <p:sp>
+        <p:nvSpPr>
+          <p:cNvPr id="8" name="Rectangle 7">
+            <a:extLst>
+              <a:ext uri="{FF2B5EF4-FFF2-40B4-BE49-F238E27FC236}">
+                <a16:creationId xmlns:a16="http://schemas.microsoft.com/office/drawing/2014/main" id="{866B5D3B-26CD-B245-BCAD-9F19CF15B083}"/>
+              </a:ext>
+            </a:extLst>
+          </p:cNvPr>
+          <p:cNvSpPr/>
+          <p:nvPr/>
+        </p:nvSpPr>
+        <p:spPr>
+          <a:xfrm>
+            <a:off x="489527" y="1006765"/>
+            <a:ext cx="11259128" cy="5403272"/>
+          </a:xfrm>
+          <a:prstGeom prst="rect">
+            <a:avLst/>
+          </a:prstGeom>
+          <a:solidFill>
+            <a:schemeClr val="bg1"/>
+          </a:solidFill>
+          <a:ln w="38100">
+            <a:solidFill>
+              <a:schemeClr val="bg1">
+                <a:lumMod val="85000"/>
+              </a:schemeClr>
+            </a:solidFill>
+          </a:ln>
+          <a:effectLst/>
+        </p:spPr>
+        <p:style>
+          <a:lnRef idx="2">
+            <a:schemeClr val="accent1">
+              <a:shade val="50000"/>
+            </a:schemeClr>
+          </a:lnRef>
+          <a:fillRef idx="1">
+            <a:schemeClr val="accent1"/>
+          </a:fillRef>
+          <a:effectRef idx="0">
+            <a:schemeClr val="accent1"/>
+          </a:effectRef>
+          <a:fontRef idx="minor">
+            <a:schemeClr val="lt1"/>
+          </a:fontRef>
+        </p:style>
+        <p:txBody>
+          <a:bodyPr rtlCol="0" anchor="ctr"/>
+          <a:lstStyle/>
+          <a:p>
+            <a:pPr algn="ctr"/>
+            <a:endParaRPr lang="en-GB"/>
+          </a:p>
+        </p:txBody>
+      </p:sp>
+      <p:sp>
+        <p:nvSpPr>
+          <p:cNvPr id="7" name="Rectangle 6">
+            <a:extLst>
+              <a:ext uri="{FF2B5EF4-FFF2-40B4-BE49-F238E27FC236}">
+                <a16:creationId xmlns:a16="http://schemas.microsoft.com/office/drawing/2014/main" id="{9AF4DE53-90EF-7F47-861C-9C4C0AB55427}"/>
+              </a:ext>
+            </a:extLst>
+          </p:cNvPr>
+          <p:cNvSpPr/>
+          <p:nvPr/>
+        </p:nvSpPr>
+        <p:spPr>
+          <a:xfrm>
+            <a:off x="0" y="619676"/>
+            <a:ext cx="4209032" cy="778374"/>
+          </a:xfrm>
+          <a:prstGeom prst="rect">
+            <a:avLst/>
+          </a:prstGeom>
+          <a:solidFill>
+            <a:schemeClr val="accent5">
+              <a:lumMod val="75000"/>
+            </a:schemeClr>
+          </a:solidFill>
+          <a:ln>
+            <a:solidFill>
+              <a:schemeClr val="accent5">
+                <a:lumMod val="75000"/>
+              </a:schemeClr>
+            </a:solidFill>
+          </a:ln>
+        </p:spPr>
+        <p:style>
+          <a:lnRef idx="2">
+            <a:schemeClr val="accent1">
+              <a:shade val="50000"/>
+            </a:schemeClr>
+          </a:lnRef>
+          <a:fillRef idx="1">
+            <a:schemeClr val="accent1"/>
+          </a:fillRef>
+          <a:effectRef idx="0">
+            <a:schemeClr val="accent1"/>
+          </a:effectRef>
+          <a:fontRef idx="minor">
+            <a:schemeClr val="lt1"/>
+          </a:fontRef>
+        </p:style>
+        <p:txBody>
+          <a:bodyPr rtlCol="0" anchor="ctr"/>
+          <a:lstStyle/>
+          <a:p>
+            <a:pPr algn="ctr"/>
+            <a:endParaRPr lang="en-GB"/>
+          </a:p>
+        </p:txBody>
+      </p:sp>
+      <p:sp>
+        <p:nvSpPr>
+          <p:cNvPr id="2" name="Title 1">
+            <a:extLst>
+              <a:ext uri="{FF2B5EF4-FFF2-40B4-BE49-F238E27FC236}">
+                <a16:creationId xmlns:a16="http://schemas.microsoft.com/office/drawing/2014/main" id="{254FBC8B-1A4D-6345-B036-5F2A1C93A1B3}"/>
+              </a:ext>
+            </a:extLst>
+          </p:cNvPr>
+          <p:cNvSpPr>
+            <a:spLocks noGrp="1"/>
+          </p:cNvSpPr>
+          <p:nvPr>
+            <p:ph type="title"/>
+          </p:nvPr>
+        </p:nvSpPr>
+        <p:spPr/>
+        <p:txBody>
+          <a:bodyPr/>
+          <a:lstStyle/>
+          <a:p>
+            <a:r>
+              <a:rPr lang="en-GB" dirty="0">
+                <a:solidFill>
+                  <a:schemeClr val="bg1"/>
+                </a:solidFill>
+              </a:rPr>
+              <a:t>Vue Approach</a:t>
+            </a:r>
+          </a:p>
+        </p:txBody>
+      </p:sp>
+      <p:sp>
+        <p:nvSpPr>
+          <p:cNvPr id="3" name="Content Placeholder 2">
+            <a:extLst>
+              <a:ext uri="{FF2B5EF4-FFF2-40B4-BE49-F238E27FC236}">
+                <a16:creationId xmlns:a16="http://schemas.microsoft.com/office/drawing/2014/main" id="{677C7FCF-5D28-EE49-A660-749D297FD87D}"/>
+              </a:ext>
+            </a:extLst>
+          </p:cNvPr>
+          <p:cNvSpPr>
+            <a:spLocks noGrp="1"/>
+          </p:cNvSpPr>
+          <p:nvPr>
+            <p:ph idx="1"/>
+          </p:nvPr>
+        </p:nvSpPr>
+        <p:spPr>
+          <a:xfrm>
+            <a:off x="838200" y="1825625"/>
+            <a:ext cx="10515600" cy="3367743"/>
+          </a:xfrm>
+        </p:spPr>
+        <p:txBody>
+          <a:bodyPr>
+            <a:normAutofit/>
+          </a:bodyPr>
+          <a:lstStyle/>
+          <a:p>
+            <a:r>
+              <a:rPr lang="en-GB" dirty="0">
+                <a:solidFill>
+                  <a:srgbClr val="262626"/>
+                </a:solidFill>
+              </a:rPr>
+              <a:t>Single File Components</a:t>
+            </a:r>
+          </a:p>
+          <a:p>
+            <a:endParaRPr lang="en-GB" sz="1000" dirty="0">
+              <a:solidFill>
+                <a:srgbClr val="262626"/>
+              </a:solidFill>
+            </a:endParaRPr>
+          </a:p>
+          <a:p>
+            <a:pPr lvl="1"/>
+            <a:r>
+              <a:rPr lang="en-GB" dirty="0">
+                <a:solidFill>
+                  <a:srgbClr val="262626"/>
+                </a:solidFill>
+              </a:rPr>
+              <a:t>Template, </a:t>
+            </a:r>
+          </a:p>
+          <a:p>
+            <a:pPr lvl="1"/>
+            <a:endParaRPr lang="en-GB" sz="1000" dirty="0">
+              <a:solidFill>
+                <a:srgbClr val="262626"/>
+              </a:solidFill>
+            </a:endParaRPr>
+          </a:p>
+          <a:p>
+            <a:pPr lvl="1"/>
+            <a:r>
+              <a:rPr lang="en-GB" dirty="0">
+                <a:solidFill>
+                  <a:srgbClr val="262626"/>
+                </a:solidFill>
+              </a:rPr>
+              <a:t>Component</a:t>
+            </a:r>
+          </a:p>
+          <a:p>
+            <a:pPr lvl="1"/>
+            <a:endParaRPr lang="en-GB" sz="1000" dirty="0">
+              <a:solidFill>
+                <a:srgbClr val="262626"/>
+              </a:solidFill>
+            </a:endParaRPr>
+          </a:p>
+          <a:p>
+            <a:pPr lvl="1"/>
+            <a:r>
+              <a:rPr lang="en-GB" dirty="0">
+                <a:solidFill>
+                  <a:srgbClr val="262626"/>
+                </a:solidFill>
+              </a:rPr>
+              <a:t>Style</a:t>
+            </a:r>
+          </a:p>
+          <a:p>
+            <a:endParaRPr lang="en-GB" dirty="0">
+              <a:solidFill>
+                <a:srgbClr val="262626"/>
+              </a:solidFill>
+            </a:endParaRPr>
+          </a:p>
+          <a:p>
+            <a:endParaRPr lang="en-GB" dirty="0">
+              <a:solidFill>
+                <a:schemeClr val="tx1">
+                  <a:lumMod val="95000"/>
+                  <a:lumOff val="5000"/>
+                </a:schemeClr>
+              </a:solidFill>
+            </a:endParaRPr>
+          </a:p>
+        </p:txBody>
+      </p:sp>
+      <p:pic>
+        <p:nvPicPr>
+          <p:cNvPr id="9" name="Picture 8" descr="A screen shot of a computer&#10;&#10;Description automatically generated">
+            <a:extLst>
+              <a:ext uri="{FF2B5EF4-FFF2-40B4-BE49-F238E27FC236}">
+                <a16:creationId xmlns:a16="http://schemas.microsoft.com/office/drawing/2014/main" id="{C95FA002-3F64-0346-A6F1-EB45760774B5}"/>
+              </a:ext>
+            </a:extLst>
+          </p:cNvPr>
+          <p:cNvPicPr>
+            <a:picLocks noChangeAspect="1"/>
+          </p:cNvPicPr>
+          <p:nvPr/>
+        </p:nvPicPr>
+        <p:blipFill>
+          <a:blip r:embed="rId2"/>
+          <a:stretch>
+            <a:fillRect/>
+          </a:stretch>
+        </p:blipFill>
+        <p:spPr>
+          <a:xfrm>
+            <a:off x="8299401" y="1825625"/>
+            <a:ext cx="2565788" cy="3995406"/>
+          </a:xfrm>
+          <a:prstGeom prst="rect">
+            <a:avLst/>
+          </a:prstGeom>
+        </p:spPr>
+      </p:pic>
+    </p:spTree>
+    <p:extLst>
+      <p:ext uri="{BB962C8B-B14F-4D97-AF65-F5344CB8AC3E}">
+        <p14:creationId xmlns:p14="http://schemas.microsoft.com/office/powerpoint/2010/main" val="1858804500"/>
+      </p:ext>
+    </p:extLst>
+  </p:cSld>
+  <p:clrMapOvr>
+    <a:masterClrMapping/>
+  </p:clrMapOvr>
+</p:sld>
+</file>
+
+<file path=ppt/slides/slide19.xml><?xml version="1.0" encoding="utf-8"?>
+<p:sld xmlns:a="http://schemas.openxmlformats.org/drawingml/2006/main" xmlns:r="http://schemas.openxmlformats.org/officeDocument/2006/relationships" xmlns:p="http://schemas.openxmlformats.org/presentationml/2006/main">
+  <p:cSld>
+    <p:spTree>
+      <p:nvGrpSpPr>
+        <p:cNvPr id="1" name=""/>
+        <p:cNvGrpSpPr/>
+        <p:nvPr/>
+      </p:nvGrpSpPr>
+      <p:grpSpPr>
+        <a:xfrm>
+          <a:off x="0" y="0"/>
+          <a:ext cx="0" cy="0"/>
+          <a:chOff x="0" y="0"/>
+          <a:chExt cx="0" cy="0"/>
+        </a:xfrm>
+      </p:grpSpPr>
+      <p:sp>
+        <p:nvSpPr>
+          <p:cNvPr id="8" name="Rectangle 7">
+            <a:extLst>
+              <a:ext uri="{FF2B5EF4-FFF2-40B4-BE49-F238E27FC236}">
+                <a16:creationId xmlns:a16="http://schemas.microsoft.com/office/drawing/2014/main" id="{866B5D3B-26CD-B245-BCAD-9F19CF15B083}"/>
+              </a:ext>
+            </a:extLst>
+          </p:cNvPr>
+          <p:cNvSpPr/>
+          <p:nvPr/>
+        </p:nvSpPr>
+        <p:spPr>
+          <a:xfrm>
+            <a:off x="466436" y="1022992"/>
+            <a:ext cx="11259128" cy="5403272"/>
+          </a:xfrm>
+          <a:prstGeom prst="rect">
+            <a:avLst/>
+          </a:prstGeom>
+          <a:solidFill>
+            <a:schemeClr val="bg1"/>
+          </a:solidFill>
+          <a:ln w="38100">
+            <a:solidFill>
+              <a:schemeClr val="bg1">
+                <a:lumMod val="85000"/>
+              </a:schemeClr>
+            </a:solidFill>
+          </a:ln>
+          <a:effectLst/>
+        </p:spPr>
+        <p:style>
+          <a:lnRef idx="2">
+            <a:schemeClr val="accent1">
+              <a:shade val="50000"/>
+            </a:schemeClr>
+          </a:lnRef>
+          <a:fillRef idx="1">
+            <a:schemeClr val="accent1"/>
+          </a:fillRef>
+          <a:effectRef idx="0">
+            <a:schemeClr val="accent1"/>
+          </a:effectRef>
+          <a:fontRef idx="minor">
+            <a:schemeClr val="lt1"/>
+          </a:fontRef>
+        </p:style>
+        <p:txBody>
+          <a:bodyPr rtlCol="0" anchor="ctr"/>
+          <a:lstStyle/>
+          <a:p>
+            <a:pPr algn="ctr"/>
+            <a:endParaRPr lang="en-GB"/>
+          </a:p>
+        </p:txBody>
+      </p:sp>
+      <p:sp>
+        <p:nvSpPr>
+          <p:cNvPr id="7" name="Rectangle 6">
+            <a:extLst>
+              <a:ext uri="{FF2B5EF4-FFF2-40B4-BE49-F238E27FC236}">
+                <a16:creationId xmlns:a16="http://schemas.microsoft.com/office/drawing/2014/main" id="{9AF4DE53-90EF-7F47-861C-9C4C0AB55427}"/>
+              </a:ext>
+            </a:extLst>
+          </p:cNvPr>
+          <p:cNvSpPr/>
+          <p:nvPr/>
+        </p:nvSpPr>
+        <p:spPr>
+          <a:xfrm>
+            <a:off x="-1" y="619676"/>
+            <a:ext cx="7587427" cy="778374"/>
+          </a:xfrm>
+          <a:prstGeom prst="rect">
+            <a:avLst/>
+          </a:prstGeom>
+          <a:solidFill>
+            <a:schemeClr val="accent5">
+              <a:lumMod val="75000"/>
+            </a:schemeClr>
+          </a:solidFill>
+          <a:ln>
+            <a:solidFill>
+              <a:schemeClr val="accent5">
+                <a:lumMod val="75000"/>
+              </a:schemeClr>
+            </a:solidFill>
+          </a:ln>
+        </p:spPr>
+        <p:style>
+          <a:lnRef idx="2">
+            <a:schemeClr val="accent1">
+              <a:shade val="50000"/>
+            </a:schemeClr>
+          </a:lnRef>
+          <a:fillRef idx="1">
+            <a:schemeClr val="accent1"/>
+          </a:fillRef>
+          <a:effectRef idx="0">
+            <a:schemeClr val="accent1"/>
+          </a:effectRef>
+          <a:fontRef idx="minor">
+            <a:schemeClr val="lt1"/>
+          </a:fontRef>
+        </p:style>
+        <p:txBody>
+          <a:bodyPr rtlCol="0" anchor="ctr"/>
+          <a:lstStyle/>
+          <a:p>
+            <a:pPr algn="ctr"/>
+            <a:endParaRPr lang="en-GB"/>
+          </a:p>
+        </p:txBody>
+      </p:sp>
+      <p:sp>
+        <p:nvSpPr>
+          <p:cNvPr id="2" name="Title 1">
+            <a:extLst>
+              <a:ext uri="{FF2B5EF4-FFF2-40B4-BE49-F238E27FC236}">
+                <a16:creationId xmlns:a16="http://schemas.microsoft.com/office/drawing/2014/main" id="{254FBC8B-1A4D-6345-B036-5F2A1C93A1B3}"/>
+              </a:ext>
+            </a:extLst>
+          </p:cNvPr>
+          <p:cNvSpPr>
+            <a:spLocks noGrp="1"/>
+          </p:cNvSpPr>
+          <p:nvPr>
+            <p:ph type="title"/>
+          </p:nvPr>
+        </p:nvSpPr>
+        <p:spPr/>
+        <p:txBody>
+          <a:bodyPr/>
+          <a:lstStyle/>
+          <a:p>
+            <a:r>
+              <a:rPr lang="en-GB" dirty="0">
+                <a:solidFill>
+                  <a:schemeClr val="bg1"/>
+                </a:solidFill>
+              </a:rPr>
+              <a:t>Demo 2 – Display Initial State</a:t>
+            </a:r>
+          </a:p>
+        </p:txBody>
+      </p:sp>
+      <p:sp>
+        <p:nvSpPr>
+          <p:cNvPr id="3" name="Content Placeholder 2">
+            <a:extLst>
+              <a:ext uri="{FF2B5EF4-FFF2-40B4-BE49-F238E27FC236}">
+                <a16:creationId xmlns:a16="http://schemas.microsoft.com/office/drawing/2014/main" id="{677C7FCF-5D28-EE49-A660-749D297FD87D}"/>
+              </a:ext>
+            </a:extLst>
+          </p:cNvPr>
+          <p:cNvSpPr>
+            <a:spLocks noGrp="1"/>
+          </p:cNvSpPr>
+          <p:nvPr>
+            <p:ph idx="1"/>
+          </p:nvPr>
+        </p:nvSpPr>
+        <p:spPr>
+          <a:xfrm>
+            <a:off x="838200" y="1825625"/>
+            <a:ext cx="10515600" cy="4275252"/>
+          </a:xfrm>
+        </p:spPr>
+        <p:txBody>
+          <a:bodyPr anchor="ctr">
+            <a:normAutofit/>
+          </a:bodyPr>
+          <a:lstStyle/>
+          <a:p>
+            <a:endParaRPr lang="en-GB" dirty="0">
+              <a:solidFill>
+                <a:srgbClr val="262626"/>
+              </a:solidFill>
+            </a:endParaRPr>
+          </a:p>
+          <a:p>
+            <a:endParaRPr lang="en-GB" dirty="0">
+              <a:solidFill>
+                <a:srgbClr val="262626"/>
+              </a:solidFill>
+            </a:endParaRPr>
+          </a:p>
+          <a:p>
+            <a:pPr marL="0" indent="0" algn="ctr">
+              <a:buNone/>
+            </a:pPr>
+            <a:r>
+              <a:rPr lang="en-GB" sz="5400" dirty="0"/>
+              <a:t>Demo Time</a:t>
+            </a:r>
+            <a:endParaRPr lang="en-GB" sz="5400" dirty="0">
+              <a:solidFill>
+                <a:srgbClr val="262626"/>
+              </a:solidFill>
+            </a:endParaRPr>
+          </a:p>
+          <a:p>
+            <a:endParaRPr lang="en-GB" dirty="0">
+              <a:solidFill>
+                <a:srgbClr val="262626"/>
+              </a:solidFill>
+            </a:endParaRPr>
+          </a:p>
+          <a:p>
+            <a:endParaRPr lang="en-GB" dirty="0">
+              <a:solidFill>
+                <a:schemeClr val="tx1">
+                  <a:lumMod val="95000"/>
+                  <a:lumOff val="5000"/>
+                </a:schemeClr>
+              </a:solidFill>
+            </a:endParaRPr>
+          </a:p>
+        </p:txBody>
+      </p:sp>
+    </p:spTree>
+    <p:extLst>
+      <p:ext uri="{BB962C8B-B14F-4D97-AF65-F5344CB8AC3E}">
+        <p14:creationId xmlns:p14="http://schemas.microsoft.com/office/powerpoint/2010/main" val="789877708"/>
+      </p:ext>
+    </p:extLst>
+  </p:cSld>
+  <p:clrMapOvr>
+    <a:masterClrMapping/>
+  </p:clrMapOvr>
+</p:sld>
+</file>
+
+<file path=ppt/slides/slide2.xml><?xml version="1.0" encoding="utf-8"?>
+<p:sld xmlns:a="http://schemas.openxmlformats.org/drawingml/2006/main" xmlns:r="http://schemas.openxmlformats.org/officeDocument/2006/relationships" xmlns:p="http://schemas.openxmlformats.org/presentationml/2006/main">
+  <p:cSld>
+    <p:spTree>
+      <p:nvGrpSpPr>
+        <p:cNvPr id="1" name=""/>
+        <p:cNvGrpSpPr/>
+        <p:nvPr/>
+      </p:nvGrpSpPr>
+      <p:grpSpPr>
+        <a:xfrm>
+          <a:off x="0" y="0"/>
+          <a:ext cx="0" cy="0"/>
+          <a:chOff x="0" y="0"/>
+          <a:chExt cx="0" cy="0"/>
+        </a:xfrm>
+      </p:grpSpPr>
+      <p:sp>
+        <p:nvSpPr>
+          <p:cNvPr id="5" name="Rectangle 4">
+            <a:extLst>
+              <a:ext uri="{FF2B5EF4-FFF2-40B4-BE49-F238E27FC236}">
+                <a16:creationId xmlns:a16="http://schemas.microsoft.com/office/drawing/2014/main" id="{D5ACF570-E79E-2640-9BAC-6883BF39F0F5}"/>
+              </a:ext>
+            </a:extLst>
+          </p:cNvPr>
+          <p:cNvSpPr/>
+          <p:nvPr/>
+        </p:nvSpPr>
+        <p:spPr>
+          <a:xfrm>
+            <a:off x="489527" y="1006765"/>
+            <a:ext cx="11259128" cy="5403272"/>
+          </a:xfrm>
+          <a:prstGeom prst="rect">
+            <a:avLst/>
+          </a:prstGeom>
+          <a:solidFill>
+            <a:schemeClr val="bg1"/>
+          </a:solidFill>
+          <a:ln w="38100">
+            <a:solidFill>
+              <a:schemeClr val="bg1">
+                <a:lumMod val="85000"/>
+              </a:schemeClr>
+            </a:solidFill>
+          </a:ln>
+          <a:effectLst/>
+        </p:spPr>
+        <p:style>
+          <a:lnRef idx="2">
+            <a:schemeClr val="accent1">
+              <a:shade val="50000"/>
+            </a:schemeClr>
+          </a:lnRef>
+          <a:fillRef idx="1">
+            <a:schemeClr val="accent1"/>
+          </a:fillRef>
+          <a:effectRef idx="0">
+            <a:schemeClr val="accent1"/>
+          </a:effectRef>
+          <a:fontRef idx="minor">
+            <a:schemeClr val="lt1"/>
+          </a:fontRef>
+        </p:style>
+        <p:txBody>
+          <a:bodyPr rtlCol="0" anchor="ctr"/>
+          <a:lstStyle/>
+          <a:p>
+            <a:pPr algn="ctr"/>
+            <a:endParaRPr lang="en-GB"/>
+          </a:p>
+        </p:txBody>
+      </p:sp>
+      <p:sp>
+        <p:nvSpPr>
+          <p:cNvPr id="4" name="Rectangle 3">
+            <a:extLst>
+              <a:ext uri="{FF2B5EF4-FFF2-40B4-BE49-F238E27FC236}">
+                <a16:creationId xmlns:a16="http://schemas.microsoft.com/office/drawing/2014/main" id="{5E8A8879-91B0-2D40-87A4-35E4DBD7C319}"/>
+              </a:ext>
+            </a:extLst>
+          </p:cNvPr>
+          <p:cNvSpPr/>
+          <p:nvPr/>
+        </p:nvSpPr>
+        <p:spPr>
+          <a:xfrm>
+            <a:off x="0" y="619676"/>
+            <a:ext cx="6038063" cy="778374"/>
+          </a:xfrm>
+          <a:prstGeom prst="rect">
+            <a:avLst/>
+          </a:prstGeom>
+          <a:solidFill>
+            <a:schemeClr val="accent5">
+              <a:lumMod val="75000"/>
+            </a:schemeClr>
+          </a:solidFill>
+          <a:ln>
+            <a:solidFill>
+              <a:schemeClr val="accent5">
+                <a:lumMod val="75000"/>
+              </a:schemeClr>
+            </a:solidFill>
+          </a:ln>
+        </p:spPr>
+        <p:style>
+          <a:lnRef idx="2">
+            <a:schemeClr val="accent1">
+              <a:shade val="50000"/>
+            </a:schemeClr>
+          </a:lnRef>
+          <a:fillRef idx="1">
+            <a:schemeClr val="accent1"/>
+          </a:fillRef>
+          <a:effectRef idx="0">
+            <a:schemeClr val="accent1"/>
+          </a:effectRef>
+          <a:fontRef idx="minor">
+            <a:schemeClr val="lt1"/>
+          </a:fontRef>
+        </p:style>
+        <p:txBody>
+          <a:bodyPr rtlCol="0" anchor="ctr"/>
+          <a:lstStyle/>
+          <a:p>
+            <a:pPr algn="ctr"/>
+            <a:endParaRPr lang="en-GB"/>
+          </a:p>
+        </p:txBody>
+      </p:sp>
+      <p:sp>
+        <p:nvSpPr>
+          <p:cNvPr id="2" name="Title 1">
+            <a:extLst>
+              <a:ext uri="{FF2B5EF4-FFF2-40B4-BE49-F238E27FC236}">
+                <a16:creationId xmlns:a16="http://schemas.microsoft.com/office/drawing/2014/main" id="{15E2D054-0EA1-F147-94DF-B76E1146849D}"/>
+              </a:ext>
+            </a:extLst>
+          </p:cNvPr>
+          <p:cNvSpPr>
+            <a:spLocks noGrp="1"/>
+          </p:cNvSpPr>
+          <p:nvPr>
+            <p:ph type="title"/>
+          </p:nvPr>
+        </p:nvSpPr>
+        <p:spPr/>
+        <p:txBody>
+          <a:bodyPr/>
+          <a:lstStyle/>
+          <a:p>
+            <a:r>
+              <a:rPr lang="en-GB" dirty="0">
+                <a:solidFill>
+                  <a:schemeClr val="bg1"/>
+                </a:solidFill>
+              </a:rPr>
+              <a:t>Tonight’s Presentation</a:t>
+            </a:r>
+          </a:p>
+        </p:txBody>
+      </p:sp>
+      <p:sp>
+        <p:nvSpPr>
+          <p:cNvPr id="3" name="Content Placeholder 2">
+            <a:extLst>
+              <a:ext uri="{FF2B5EF4-FFF2-40B4-BE49-F238E27FC236}">
+                <a16:creationId xmlns:a16="http://schemas.microsoft.com/office/drawing/2014/main" id="{DB728CB9-00F4-F049-BBFE-F2677B71A91F}"/>
+              </a:ext>
+            </a:extLst>
+          </p:cNvPr>
+          <p:cNvSpPr>
+            <a:spLocks noGrp="1"/>
+          </p:cNvSpPr>
+          <p:nvPr>
+            <p:ph idx="1"/>
+          </p:nvPr>
+        </p:nvSpPr>
+        <p:spPr/>
+        <p:txBody>
+          <a:bodyPr>
+            <a:normAutofit/>
+          </a:bodyPr>
+          <a:lstStyle/>
+          <a:p>
+            <a:r>
+              <a:rPr lang="en-GB" dirty="0"/>
+              <a:t>About me:</a:t>
+            </a:r>
+          </a:p>
+          <a:p>
+            <a:pPr lvl="1"/>
+            <a:r>
+              <a:rPr lang="en-GB" dirty="0"/>
+              <a:t>Senior Innovation Developer at </a:t>
+            </a:r>
+            <a:r>
+              <a:rPr lang="en-GB" dirty="0" err="1"/>
+              <a:t>AutomationSquared</a:t>
+            </a:r>
+            <a:endParaRPr lang="en-GB" dirty="0"/>
+          </a:p>
+          <a:p>
+            <a:pPr lvl="2"/>
+            <a:r>
+              <a:rPr lang="en-GB" dirty="0"/>
+              <a:t>A digital prototype laboratory, based out of Horsham</a:t>
+            </a:r>
+          </a:p>
+          <a:p>
+            <a:pPr lvl="1"/>
+            <a:r>
+              <a:rPr lang="en-GB" dirty="0"/>
+              <a:t>Has had a love/hate relationship with </a:t>
+            </a:r>
+            <a:r>
+              <a:rPr lang="en-GB" dirty="0" err="1"/>
+              <a:t>Javascript</a:t>
+            </a:r>
+            <a:r>
+              <a:rPr lang="en-GB" dirty="0"/>
+              <a:t> since its inception</a:t>
+            </a:r>
+          </a:p>
+          <a:p>
+            <a:pPr lvl="1"/>
+            <a:endParaRPr lang="en-GB" dirty="0"/>
+          </a:p>
+          <a:p>
+            <a:r>
+              <a:rPr lang="en-GB" dirty="0"/>
+              <a:t>I’ll introduce: </a:t>
+            </a:r>
+          </a:p>
+          <a:p>
+            <a:pPr lvl="1"/>
+            <a:r>
+              <a:rPr lang="en-GB" dirty="0"/>
+              <a:t>Conway’s “Game Of Life”</a:t>
+            </a:r>
+          </a:p>
+          <a:p>
+            <a:pPr lvl="1"/>
+            <a:r>
+              <a:rPr lang="en-GB" dirty="0"/>
+              <a:t>Some basic concepts of React and </a:t>
+            </a:r>
+            <a:r>
+              <a:rPr lang="en-GB" dirty="0" err="1"/>
+              <a:t>Vue</a:t>
+            </a:r>
+            <a:endParaRPr lang="en-GB" dirty="0"/>
+          </a:p>
+          <a:p>
+            <a:pPr lvl="1"/>
+            <a:r>
+              <a:rPr lang="en-GB" dirty="0"/>
+              <a:t>A step by step approach to building a working website</a:t>
+            </a:r>
+          </a:p>
+        </p:txBody>
+      </p:sp>
+    </p:spTree>
+    <p:extLst>
+      <p:ext uri="{BB962C8B-B14F-4D97-AF65-F5344CB8AC3E}">
+        <p14:creationId xmlns:p14="http://schemas.microsoft.com/office/powerpoint/2010/main" val="437062472"/>
+      </p:ext>
+    </p:extLst>
+  </p:cSld>
+  <p:clrMapOvr>
+    <a:masterClrMapping/>
+  </p:clrMapOvr>
+</p:sld>
+</file>
+
+<file path=ppt/slides/slide20.xml><?xml version="1.0" encoding="utf-8"?>
+<p:sld xmlns:a="http://schemas.openxmlformats.org/drawingml/2006/main" xmlns:r="http://schemas.openxmlformats.org/officeDocument/2006/relationships" xmlns:p="http://schemas.openxmlformats.org/presentationml/2006/main">
+  <p:cSld>
+    <p:spTree>
+      <p:nvGrpSpPr>
+        <p:cNvPr id="1" name=""/>
+        <p:cNvGrpSpPr/>
+        <p:nvPr/>
+      </p:nvGrpSpPr>
+      <p:grpSpPr>
+        <a:xfrm>
+          <a:off x="0" y="0"/>
+          <a:ext cx="0" cy="0"/>
+          <a:chOff x="0" y="0"/>
+          <a:chExt cx="0" cy="0"/>
+        </a:xfrm>
+      </p:grpSpPr>
+      <p:sp>
+        <p:nvSpPr>
+          <p:cNvPr id="8" name="Rectangle 7">
+            <a:extLst>
+              <a:ext uri="{FF2B5EF4-FFF2-40B4-BE49-F238E27FC236}">
+                <a16:creationId xmlns:a16="http://schemas.microsoft.com/office/drawing/2014/main" id="{866B5D3B-26CD-B245-BCAD-9F19CF15B083}"/>
+              </a:ext>
+            </a:extLst>
+          </p:cNvPr>
+          <p:cNvSpPr/>
+          <p:nvPr/>
+        </p:nvSpPr>
+        <p:spPr>
+          <a:xfrm>
+            <a:off x="489527" y="1006765"/>
+            <a:ext cx="11259128" cy="5403272"/>
+          </a:xfrm>
+          <a:prstGeom prst="rect">
+            <a:avLst/>
+          </a:prstGeom>
+          <a:solidFill>
+            <a:schemeClr val="bg1"/>
+          </a:solidFill>
+          <a:ln w="38100">
+            <a:solidFill>
+              <a:schemeClr val="bg1">
+                <a:lumMod val="85000"/>
+              </a:schemeClr>
+            </a:solidFill>
+          </a:ln>
+          <a:effectLst/>
+        </p:spPr>
+        <p:style>
+          <a:lnRef idx="2">
+            <a:schemeClr val="accent1">
+              <a:shade val="50000"/>
+            </a:schemeClr>
+          </a:lnRef>
+          <a:fillRef idx="1">
+            <a:schemeClr val="accent1"/>
+          </a:fillRef>
+          <a:effectRef idx="0">
+            <a:schemeClr val="accent1"/>
+          </a:effectRef>
+          <a:fontRef idx="minor">
+            <a:schemeClr val="lt1"/>
+          </a:fontRef>
+        </p:style>
+        <p:txBody>
+          <a:bodyPr rtlCol="0" anchor="ctr"/>
+          <a:lstStyle/>
+          <a:p>
+            <a:pPr algn="ctr"/>
+            <a:endParaRPr lang="en-GB"/>
+          </a:p>
+        </p:txBody>
+      </p:sp>
+      <p:sp>
+        <p:nvSpPr>
+          <p:cNvPr id="7" name="Rectangle 6">
+            <a:extLst>
+              <a:ext uri="{FF2B5EF4-FFF2-40B4-BE49-F238E27FC236}">
+                <a16:creationId xmlns:a16="http://schemas.microsoft.com/office/drawing/2014/main" id="{9AF4DE53-90EF-7F47-861C-9C4C0AB55427}"/>
+              </a:ext>
+            </a:extLst>
+          </p:cNvPr>
+          <p:cNvSpPr/>
+          <p:nvPr/>
+        </p:nvSpPr>
+        <p:spPr>
+          <a:xfrm>
+            <a:off x="0" y="619676"/>
+            <a:ext cx="5528281" cy="778374"/>
+          </a:xfrm>
+          <a:prstGeom prst="rect">
+            <a:avLst/>
+          </a:prstGeom>
+          <a:solidFill>
+            <a:schemeClr val="accent5">
+              <a:lumMod val="75000"/>
+            </a:schemeClr>
+          </a:solidFill>
+          <a:ln>
+            <a:solidFill>
+              <a:schemeClr val="accent5">
+                <a:lumMod val="75000"/>
+              </a:schemeClr>
+            </a:solidFill>
+          </a:ln>
+        </p:spPr>
+        <p:style>
+          <a:lnRef idx="2">
+            <a:schemeClr val="accent1">
+              <a:shade val="50000"/>
+            </a:schemeClr>
+          </a:lnRef>
+          <a:fillRef idx="1">
+            <a:schemeClr val="accent1"/>
+          </a:fillRef>
+          <a:effectRef idx="0">
+            <a:schemeClr val="accent1"/>
+          </a:effectRef>
+          <a:fontRef idx="minor">
+            <a:schemeClr val="lt1"/>
+          </a:fontRef>
+        </p:style>
+        <p:txBody>
+          <a:bodyPr rtlCol="0" anchor="ctr"/>
+          <a:lstStyle/>
+          <a:p>
+            <a:pPr algn="ctr"/>
+            <a:endParaRPr lang="en-GB"/>
+          </a:p>
+        </p:txBody>
+      </p:sp>
+      <p:sp>
+        <p:nvSpPr>
+          <p:cNvPr id="2" name="Title 1">
+            <a:extLst>
+              <a:ext uri="{FF2B5EF4-FFF2-40B4-BE49-F238E27FC236}">
+                <a16:creationId xmlns:a16="http://schemas.microsoft.com/office/drawing/2014/main" id="{254FBC8B-1A4D-6345-B036-5F2A1C93A1B3}"/>
+              </a:ext>
+            </a:extLst>
+          </p:cNvPr>
+          <p:cNvSpPr>
+            <a:spLocks noGrp="1"/>
+          </p:cNvSpPr>
+          <p:nvPr>
+            <p:ph type="title"/>
+          </p:nvPr>
+        </p:nvSpPr>
+        <p:spPr/>
+        <p:txBody>
+          <a:bodyPr/>
+          <a:lstStyle/>
+          <a:p>
+            <a:r>
+              <a:rPr lang="en-GB" dirty="0">
+                <a:solidFill>
+                  <a:schemeClr val="bg1"/>
+                </a:solidFill>
+              </a:rPr>
+              <a:t>Styling Components</a:t>
+            </a:r>
+          </a:p>
+        </p:txBody>
+      </p:sp>
+      <p:sp>
+        <p:nvSpPr>
+          <p:cNvPr id="3" name="Content Placeholder 2">
+            <a:extLst>
+              <a:ext uri="{FF2B5EF4-FFF2-40B4-BE49-F238E27FC236}">
+                <a16:creationId xmlns:a16="http://schemas.microsoft.com/office/drawing/2014/main" id="{677C7FCF-5D28-EE49-A660-749D297FD87D}"/>
+              </a:ext>
+            </a:extLst>
+          </p:cNvPr>
+          <p:cNvSpPr>
+            <a:spLocks noGrp="1"/>
+          </p:cNvSpPr>
+          <p:nvPr>
+            <p:ph idx="1"/>
+          </p:nvPr>
+        </p:nvSpPr>
+        <p:spPr>
+          <a:xfrm>
+            <a:off x="838200" y="1825625"/>
+            <a:ext cx="10515600" cy="3367743"/>
+          </a:xfrm>
+        </p:spPr>
+        <p:txBody>
+          <a:bodyPr>
+            <a:normAutofit/>
+          </a:bodyPr>
+          <a:lstStyle/>
+          <a:p>
+            <a:r>
+              <a:rPr lang="en-GB" dirty="0">
+                <a:solidFill>
+                  <a:srgbClr val="262626"/>
+                </a:solidFill>
+              </a:rPr>
+              <a:t>Apply ‘CSS Grid’ exiting Grid/Cell HTML </a:t>
+            </a:r>
+            <a:r>
+              <a:rPr lang="en-GB" dirty="0" err="1">
+                <a:solidFill>
+                  <a:srgbClr val="262626"/>
+                </a:solidFill>
+              </a:rPr>
+              <a:t>Div’s</a:t>
+            </a:r>
+            <a:endParaRPr lang="en-GB" dirty="0">
+              <a:solidFill>
+                <a:srgbClr val="262626"/>
+              </a:solidFill>
+            </a:endParaRPr>
+          </a:p>
+          <a:p>
+            <a:endParaRPr lang="en-GB" sz="1000" dirty="0">
+              <a:solidFill>
+                <a:srgbClr val="262626"/>
+              </a:solidFill>
+            </a:endParaRPr>
+          </a:p>
+          <a:p>
+            <a:r>
+              <a:rPr lang="en-GB" dirty="0">
+                <a:solidFill>
+                  <a:srgbClr val="262626"/>
+                </a:solidFill>
+              </a:rPr>
+              <a:t>Dynamically calculate grid dimensions</a:t>
+            </a:r>
+            <a:endParaRPr lang="en-GB" sz="1000" dirty="0">
+              <a:solidFill>
+                <a:srgbClr val="262626"/>
+              </a:solidFill>
+            </a:endParaRPr>
+          </a:p>
+          <a:p>
+            <a:pPr lvl="1"/>
+            <a:r>
+              <a:rPr lang="en-GB" dirty="0">
+                <a:solidFill>
+                  <a:srgbClr val="262626"/>
+                </a:solidFill>
+              </a:rPr>
+              <a:t>“Game Of Life” examples have different number of rows / columns</a:t>
+            </a:r>
+          </a:p>
+          <a:p>
+            <a:endParaRPr lang="en-GB" sz="1000" dirty="0">
+              <a:solidFill>
+                <a:srgbClr val="262626"/>
+              </a:solidFill>
+            </a:endParaRPr>
+          </a:p>
+          <a:p>
+            <a:r>
+              <a:rPr lang="en-GB" dirty="0">
+                <a:solidFill>
+                  <a:srgbClr val="262626"/>
+                </a:solidFill>
+              </a:rPr>
+              <a:t>Great Resource:</a:t>
+            </a:r>
+            <a:endParaRPr lang="en-GB" sz="1000" dirty="0">
+              <a:solidFill>
+                <a:srgbClr val="262626"/>
+              </a:solidFill>
+            </a:endParaRPr>
+          </a:p>
+          <a:p>
+            <a:pPr lvl="1"/>
+            <a:r>
+              <a:rPr lang="en-GB" dirty="0">
+                <a:hlinkClick r:id="rId2"/>
+              </a:rPr>
+              <a:t>https://gridbyexample.com/examples/</a:t>
+            </a:r>
+            <a:endParaRPr lang="en-GB" dirty="0">
+              <a:solidFill>
+                <a:srgbClr val="262626"/>
+              </a:solidFill>
+            </a:endParaRPr>
+          </a:p>
+        </p:txBody>
+      </p:sp>
+    </p:spTree>
+    <p:extLst>
+      <p:ext uri="{BB962C8B-B14F-4D97-AF65-F5344CB8AC3E}">
+        <p14:creationId xmlns:p14="http://schemas.microsoft.com/office/powerpoint/2010/main" val="2673352115"/>
+      </p:ext>
+    </p:extLst>
+  </p:cSld>
+  <p:clrMapOvr>
+    <a:masterClrMapping/>
+  </p:clrMapOvr>
+</p:sld>
+</file>
+
+<file path=ppt/slides/slide21.xml><?xml version="1.0" encoding="utf-8"?>
+<p:sld xmlns:a="http://schemas.openxmlformats.org/drawingml/2006/main" xmlns:r="http://schemas.openxmlformats.org/officeDocument/2006/relationships" xmlns:p="http://schemas.openxmlformats.org/presentationml/2006/main">
+  <p:cSld>
+    <p:spTree>
+      <p:nvGrpSpPr>
+        <p:cNvPr id="1" name=""/>
+        <p:cNvGrpSpPr/>
+        <p:nvPr/>
+      </p:nvGrpSpPr>
+      <p:grpSpPr>
+        <a:xfrm>
+          <a:off x="0" y="0"/>
+          <a:ext cx="0" cy="0"/>
+          <a:chOff x="0" y="0"/>
+          <a:chExt cx="0" cy="0"/>
+        </a:xfrm>
+      </p:grpSpPr>
+      <p:sp>
+        <p:nvSpPr>
+          <p:cNvPr id="8" name="Rectangle 7">
+            <a:extLst>
+              <a:ext uri="{FF2B5EF4-FFF2-40B4-BE49-F238E27FC236}">
+                <a16:creationId xmlns:a16="http://schemas.microsoft.com/office/drawing/2014/main" id="{866B5D3B-26CD-B245-BCAD-9F19CF15B083}"/>
+              </a:ext>
+            </a:extLst>
+          </p:cNvPr>
+          <p:cNvSpPr/>
+          <p:nvPr/>
+        </p:nvSpPr>
+        <p:spPr>
+          <a:xfrm>
+            <a:off x="466436" y="1022992"/>
+            <a:ext cx="11259128" cy="5403272"/>
+          </a:xfrm>
+          <a:prstGeom prst="rect">
+            <a:avLst/>
+          </a:prstGeom>
+          <a:solidFill>
+            <a:schemeClr val="bg1"/>
+          </a:solidFill>
+          <a:ln w="38100">
+            <a:solidFill>
+              <a:schemeClr val="bg1">
+                <a:lumMod val="85000"/>
+              </a:schemeClr>
+            </a:solidFill>
+          </a:ln>
+          <a:effectLst/>
+        </p:spPr>
+        <p:style>
+          <a:lnRef idx="2">
+            <a:schemeClr val="accent1">
+              <a:shade val="50000"/>
+            </a:schemeClr>
+          </a:lnRef>
+          <a:fillRef idx="1">
+            <a:schemeClr val="accent1"/>
+          </a:fillRef>
+          <a:effectRef idx="0">
+            <a:schemeClr val="accent1"/>
+          </a:effectRef>
+          <a:fontRef idx="minor">
+            <a:schemeClr val="lt1"/>
+          </a:fontRef>
+        </p:style>
+        <p:txBody>
+          <a:bodyPr rtlCol="0" anchor="ctr"/>
+          <a:lstStyle/>
+          <a:p>
+            <a:pPr algn="ctr"/>
+            <a:endParaRPr lang="en-GB"/>
+          </a:p>
+        </p:txBody>
+      </p:sp>
+      <p:sp>
+        <p:nvSpPr>
+          <p:cNvPr id="7" name="Rectangle 6">
+            <a:extLst>
+              <a:ext uri="{FF2B5EF4-FFF2-40B4-BE49-F238E27FC236}">
+                <a16:creationId xmlns:a16="http://schemas.microsoft.com/office/drawing/2014/main" id="{9AF4DE53-90EF-7F47-861C-9C4C0AB55427}"/>
+              </a:ext>
+            </a:extLst>
+          </p:cNvPr>
+          <p:cNvSpPr/>
+          <p:nvPr/>
+        </p:nvSpPr>
+        <p:spPr>
+          <a:xfrm>
+            <a:off x="-1" y="619676"/>
+            <a:ext cx="7978316" cy="778374"/>
+          </a:xfrm>
+          <a:prstGeom prst="rect">
+            <a:avLst/>
+          </a:prstGeom>
+          <a:solidFill>
+            <a:schemeClr val="accent5">
+              <a:lumMod val="75000"/>
+            </a:schemeClr>
+          </a:solidFill>
+          <a:ln>
+            <a:solidFill>
+              <a:schemeClr val="accent5">
+                <a:lumMod val="75000"/>
+              </a:schemeClr>
+            </a:solidFill>
+          </a:ln>
+        </p:spPr>
+        <p:style>
+          <a:lnRef idx="2">
+            <a:schemeClr val="accent1">
+              <a:shade val="50000"/>
+            </a:schemeClr>
+          </a:lnRef>
+          <a:fillRef idx="1">
+            <a:schemeClr val="accent1"/>
+          </a:fillRef>
+          <a:effectRef idx="0">
+            <a:schemeClr val="accent1"/>
+          </a:effectRef>
+          <a:fontRef idx="minor">
+            <a:schemeClr val="lt1"/>
+          </a:fontRef>
+        </p:style>
+        <p:txBody>
+          <a:bodyPr rtlCol="0" anchor="ctr"/>
+          <a:lstStyle/>
+          <a:p>
+            <a:pPr algn="ctr"/>
+            <a:endParaRPr lang="en-GB"/>
+          </a:p>
+        </p:txBody>
+      </p:sp>
+      <p:sp>
+        <p:nvSpPr>
+          <p:cNvPr id="2" name="Title 1">
+            <a:extLst>
+              <a:ext uri="{FF2B5EF4-FFF2-40B4-BE49-F238E27FC236}">
+                <a16:creationId xmlns:a16="http://schemas.microsoft.com/office/drawing/2014/main" id="{254FBC8B-1A4D-6345-B036-5F2A1C93A1B3}"/>
+              </a:ext>
+            </a:extLst>
+          </p:cNvPr>
+          <p:cNvSpPr>
+            <a:spLocks noGrp="1"/>
+          </p:cNvSpPr>
+          <p:nvPr>
+            <p:ph type="title"/>
+          </p:nvPr>
+        </p:nvSpPr>
+        <p:spPr/>
+        <p:txBody>
+          <a:bodyPr/>
+          <a:lstStyle/>
+          <a:p>
+            <a:r>
+              <a:rPr lang="en-GB" dirty="0">
+                <a:solidFill>
+                  <a:schemeClr val="bg1"/>
+                </a:solidFill>
+              </a:rPr>
+              <a:t>Demo 3 – CSS Grid</a:t>
+            </a:r>
+          </a:p>
+        </p:txBody>
+      </p:sp>
+      <p:sp>
+        <p:nvSpPr>
+          <p:cNvPr id="3" name="Content Placeholder 2">
+            <a:extLst>
+              <a:ext uri="{FF2B5EF4-FFF2-40B4-BE49-F238E27FC236}">
+                <a16:creationId xmlns:a16="http://schemas.microsoft.com/office/drawing/2014/main" id="{677C7FCF-5D28-EE49-A660-749D297FD87D}"/>
+              </a:ext>
+            </a:extLst>
+          </p:cNvPr>
+          <p:cNvSpPr>
+            <a:spLocks noGrp="1"/>
+          </p:cNvSpPr>
+          <p:nvPr>
+            <p:ph idx="1"/>
+          </p:nvPr>
+        </p:nvSpPr>
+        <p:spPr>
+          <a:xfrm>
+            <a:off x="838200" y="1825625"/>
+            <a:ext cx="10515600" cy="4275252"/>
+          </a:xfrm>
+        </p:spPr>
+        <p:txBody>
+          <a:bodyPr anchor="ctr">
+            <a:normAutofit/>
+          </a:bodyPr>
+          <a:lstStyle/>
+          <a:p>
+            <a:endParaRPr lang="en-GB" dirty="0">
+              <a:solidFill>
+                <a:srgbClr val="262626"/>
+              </a:solidFill>
+            </a:endParaRPr>
+          </a:p>
+          <a:p>
+            <a:endParaRPr lang="en-GB" dirty="0">
+              <a:solidFill>
+                <a:srgbClr val="262626"/>
+              </a:solidFill>
+            </a:endParaRPr>
+          </a:p>
+          <a:p>
+            <a:pPr marL="0" indent="0" algn="ctr">
+              <a:buNone/>
+            </a:pPr>
+            <a:r>
+              <a:rPr lang="en-GB" sz="5400" dirty="0"/>
+              <a:t>Demo Time</a:t>
+            </a:r>
+            <a:endParaRPr lang="en-GB" sz="5400" dirty="0">
+              <a:solidFill>
+                <a:srgbClr val="262626"/>
+              </a:solidFill>
+            </a:endParaRPr>
+          </a:p>
+          <a:p>
+            <a:endParaRPr lang="en-GB" dirty="0">
+              <a:solidFill>
+                <a:srgbClr val="262626"/>
+              </a:solidFill>
+            </a:endParaRPr>
+          </a:p>
+          <a:p>
+            <a:endParaRPr lang="en-GB" dirty="0">
+              <a:solidFill>
+                <a:schemeClr val="tx1">
+                  <a:lumMod val="95000"/>
+                  <a:lumOff val="5000"/>
+                </a:schemeClr>
+              </a:solidFill>
+            </a:endParaRPr>
+          </a:p>
+        </p:txBody>
+      </p:sp>
+    </p:spTree>
+    <p:extLst>
+      <p:ext uri="{BB962C8B-B14F-4D97-AF65-F5344CB8AC3E}">
+        <p14:creationId xmlns:p14="http://schemas.microsoft.com/office/powerpoint/2010/main" val="2772435195"/>
+      </p:ext>
+    </p:extLst>
+  </p:cSld>
+  <p:clrMapOvr>
+    <a:masterClrMapping/>
+  </p:clrMapOvr>
+</p:sld>
+</file>
+
+<file path=ppt/slides/slide22.xml><?xml version="1.0" encoding="utf-8"?>
+<p:sld xmlns:a="http://schemas.openxmlformats.org/drawingml/2006/main" xmlns:r="http://schemas.openxmlformats.org/officeDocument/2006/relationships" xmlns:p="http://schemas.openxmlformats.org/presentationml/2006/main">
+  <p:cSld>
+    <p:spTree>
+      <p:nvGrpSpPr>
+        <p:cNvPr id="1" name=""/>
+        <p:cNvGrpSpPr/>
+        <p:nvPr/>
+      </p:nvGrpSpPr>
+      <p:grpSpPr>
+        <a:xfrm>
+          <a:off x="0" y="0"/>
+          <a:ext cx="0" cy="0"/>
+          <a:chOff x="0" y="0"/>
+          <a:chExt cx="0" cy="0"/>
+        </a:xfrm>
+      </p:grpSpPr>
+      <p:sp>
+        <p:nvSpPr>
+          <p:cNvPr id="8" name="Rectangle 7">
+            <a:extLst>
+              <a:ext uri="{FF2B5EF4-FFF2-40B4-BE49-F238E27FC236}">
+                <a16:creationId xmlns:a16="http://schemas.microsoft.com/office/drawing/2014/main" id="{866B5D3B-26CD-B245-BCAD-9F19CF15B083}"/>
+              </a:ext>
+            </a:extLst>
+          </p:cNvPr>
+          <p:cNvSpPr/>
+          <p:nvPr/>
+        </p:nvSpPr>
+        <p:spPr>
+          <a:xfrm>
+            <a:off x="412745" y="1089603"/>
+            <a:ext cx="11259128" cy="5403272"/>
+          </a:xfrm>
+          <a:prstGeom prst="rect">
+            <a:avLst/>
+          </a:prstGeom>
+          <a:solidFill>
+            <a:schemeClr val="bg1"/>
+          </a:solidFill>
+          <a:ln w="38100">
+            <a:solidFill>
+              <a:schemeClr val="bg1">
+                <a:lumMod val="85000"/>
+              </a:schemeClr>
+            </a:solidFill>
+          </a:ln>
+          <a:effectLst/>
+        </p:spPr>
+        <p:style>
+          <a:lnRef idx="2">
+            <a:schemeClr val="accent1">
+              <a:shade val="50000"/>
+            </a:schemeClr>
+          </a:lnRef>
+          <a:fillRef idx="1">
+            <a:schemeClr val="accent1"/>
+          </a:fillRef>
+          <a:effectRef idx="0">
+            <a:schemeClr val="accent1"/>
+          </a:effectRef>
+          <a:fontRef idx="minor">
+            <a:schemeClr val="lt1"/>
+          </a:fontRef>
+        </p:style>
+        <p:txBody>
+          <a:bodyPr rtlCol="0" anchor="ctr"/>
+          <a:lstStyle/>
+          <a:p>
+            <a:pPr algn="ctr"/>
+            <a:endParaRPr lang="en-GB"/>
+          </a:p>
+        </p:txBody>
+      </p:sp>
+      <p:sp>
+        <p:nvSpPr>
+          <p:cNvPr id="7" name="Rectangle 6">
+            <a:extLst>
+              <a:ext uri="{FF2B5EF4-FFF2-40B4-BE49-F238E27FC236}">
+                <a16:creationId xmlns:a16="http://schemas.microsoft.com/office/drawing/2014/main" id="{9AF4DE53-90EF-7F47-861C-9C4C0AB55427}"/>
+              </a:ext>
+            </a:extLst>
+          </p:cNvPr>
+          <p:cNvSpPr/>
+          <p:nvPr/>
+        </p:nvSpPr>
+        <p:spPr>
+          <a:xfrm>
+            <a:off x="0" y="619676"/>
+            <a:ext cx="5933130" cy="778374"/>
+          </a:xfrm>
+          <a:prstGeom prst="rect">
+            <a:avLst/>
+          </a:prstGeom>
+          <a:solidFill>
+            <a:schemeClr val="accent5">
+              <a:lumMod val="75000"/>
+            </a:schemeClr>
+          </a:solidFill>
+          <a:ln>
+            <a:solidFill>
+              <a:schemeClr val="accent5">
+                <a:lumMod val="75000"/>
+              </a:schemeClr>
+            </a:solidFill>
+          </a:ln>
+        </p:spPr>
+        <p:style>
+          <a:lnRef idx="2">
+            <a:schemeClr val="accent1">
+              <a:shade val="50000"/>
+            </a:schemeClr>
+          </a:lnRef>
+          <a:fillRef idx="1">
+            <a:schemeClr val="accent1"/>
+          </a:fillRef>
+          <a:effectRef idx="0">
+            <a:schemeClr val="accent1"/>
+          </a:effectRef>
+          <a:fontRef idx="minor">
+            <a:schemeClr val="lt1"/>
+          </a:fontRef>
+        </p:style>
+        <p:txBody>
+          <a:bodyPr rtlCol="0" anchor="ctr"/>
+          <a:lstStyle/>
+          <a:p>
+            <a:pPr algn="ctr"/>
+            <a:endParaRPr lang="en-GB"/>
+          </a:p>
+        </p:txBody>
+      </p:sp>
+      <p:sp>
+        <p:nvSpPr>
+          <p:cNvPr id="2" name="Title 1">
+            <a:extLst>
+              <a:ext uri="{FF2B5EF4-FFF2-40B4-BE49-F238E27FC236}">
+                <a16:creationId xmlns:a16="http://schemas.microsoft.com/office/drawing/2014/main" id="{254FBC8B-1A4D-6345-B036-5F2A1C93A1B3}"/>
+              </a:ext>
+            </a:extLst>
+          </p:cNvPr>
+          <p:cNvSpPr>
+            <a:spLocks noGrp="1"/>
+          </p:cNvSpPr>
+          <p:nvPr>
+            <p:ph type="title"/>
+          </p:nvPr>
+        </p:nvSpPr>
+        <p:spPr/>
+        <p:txBody>
+          <a:bodyPr/>
+          <a:lstStyle/>
+          <a:p>
+            <a:r>
+              <a:rPr lang="en-GB" dirty="0">
+                <a:solidFill>
+                  <a:schemeClr val="bg1"/>
+                </a:solidFill>
+              </a:rPr>
+              <a:t>React: Updating State</a:t>
+            </a:r>
+          </a:p>
+        </p:txBody>
+      </p:sp>
+      <p:sp>
+        <p:nvSpPr>
+          <p:cNvPr id="3" name="Content Placeholder 2">
+            <a:extLst>
+              <a:ext uri="{FF2B5EF4-FFF2-40B4-BE49-F238E27FC236}">
+                <a16:creationId xmlns:a16="http://schemas.microsoft.com/office/drawing/2014/main" id="{677C7FCF-5D28-EE49-A660-749D297FD87D}"/>
+              </a:ext>
+            </a:extLst>
+          </p:cNvPr>
+          <p:cNvSpPr>
+            <a:spLocks noGrp="1"/>
+          </p:cNvSpPr>
+          <p:nvPr>
+            <p:ph idx="1"/>
+          </p:nvPr>
+        </p:nvSpPr>
+        <p:spPr>
+          <a:xfrm>
+            <a:off x="838200" y="1825625"/>
+            <a:ext cx="10515600" cy="3367743"/>
+          </a:xfrm>
+        </p:spPr>
+        <p:txBody>
+          <a:bodyPr>
+            <a:normAutofit fontScale="85000" lnSpcReduction="20000"/>
+          </a:bodyPr>
+          <a:lstStyle/>
+          <a:p>
+            <a:r>
+              <a:rPr lang="en-GB" dirty="0">
+                <a:solidFill>
+                  <a:srgbClr val="262626"/>
+                </a:solidFill>
+              </a:rPr>
+              <a:t>React Hooks</a:t>
+            </a:r>
+          </a:p>
+          <a:p>
+            <a:pPr lvl="1"/>
+            <a:r>
+              <a:rPr lang="en-GB" dirty="0">
+                <a:solidFill>
+                  <a:srgbClr val="262626"/>
+                </a:solidFill>
+              </a:rPr>
+              <a:t>Introduced in React 16.8</a:t>
+            </a:r>
+          </a:p>
+          <a:p>
+            <a:pPr lvl="1"/>
+            <a:r>
+              <a:rPr lang="en-GB" dirty="0">
+                <a:solidFill>
+                  <a:srgbClr val="262626"/>
+                </a:solidFill>
+              </a:rPr>
+              <a:t>Uses the naming convention “use….”</a:t>
+            </a:r>
+          </a:p>
+          <a:p>
+            <a:pPr lvl="1"/>
+            <a:r>
+              <a:rPr lang="en-GB" dirty="0">
+                <a:solidFill>
+                  <a:srgbClr val="262626"/>
+                </a:solidFill>
+              </a:rPr>
+              <a:t>Functional Components are now as powerful as Class Components </a:t>
+            </a:r>
+          </a:p>
+          <a:p>
+            <a:r>
+              <a:rPr lang="en-GB" dirty="0" err="1">
+                <a:solidFill>
+                  <a:srgbClr val="262626"/>
+                </a:solidFill>
+              </a:rPr>
+              <a:t>useState</a:t>
+            </a:r>
+            <a:endParaRPr lang="en-GB" dirty="0">
+              <a:solidFill>
+                <a:srgbClr val="262626"/>
+              </a:solidFill>
+            </a:endParaRPr>
+          </a:p>
+          <a:p>
+            <a:pPr lvl="1"/>
+            <a:r>
+              <a:rPr lang="en-GB" dirty="0">
+                <a:solidFill>
+                  <a:srgbClr val="262626"/>
+                </a:solidFill>
+              </a:rPr>
+              <a:t>Provide an initial state</a:t>
+            </a:r>
+          </a:p>
+          <a:p>
+            <a:pPr lvl="1"/>
+            <a:r>
+              <a:rPr lang="en-GB" dirty="0">
+                <a:solidFill>
+                  <a:srgbClr val="262626"/>
+                </a:solidFill>
+              </a:rPr>
+              <a:t>Returns instance of value and function to set new value (state)</a:t>
+            </a:r>
+          </a:p>
+          <a:p>
+            <a:r>
+              <a:rPr lang="en-GB" dirty="0" err="1">
+                <a:solidFill>
+                  <a:srgbClr val="262626"/>
+                </a:solidFill>
+              </a:rPr>
+              <a:t>useEffect</a:t>
+            </a:r>
+            <a:endParaRPr lang="en-GB" dirty="0">
+              <a:solidFill>
+                <a:srgbClr val="262626"/>
+              </a:solidFill>
+            </a:endParaRPr>
+          </a:p>
+          <a:p>
+            <a:pPr lvl="1"/>
+            <a:r>
+              <a:rPr lang="en-GB" dirty="0">
+                <a:solidFill>
+                  <a:srgbClr val="262626"/>
+                </a:solidFill>
+              </a:rPr>
+              <a:t>Use for ‘Side Effects’ (i.e. HTTP Calls, scheduling calls)</a:t>
+            </a:r>
+          </a:p>
+          <a:p>
+            <a:pPr lvl="1"/>
+            <a:r>
+              <a:rPr lang="en-GB" dirty="0">
+                <a:solidFill>
+                  <a:srgbClr val="262626"/>
+                </a:solidFill>
+              </a:rPr>
+              <a:t>Similar to class component life cycle events “</a:t>
+            </a:r>
+            <a:r>
+              <a:rPr lang="en-GB" dirty="0" err="1">
+                <a:solidFill>
+                  <a:srgbClr val="262626"/>
+                </a:solidFill>
+              </a:rPr>
+              <a:t>componentDidMount</a:t>
+            </a:r>
+            <a:r>
+              <a:rPr lang="en-GB" dirty="0">
+                <a:solidFill>
+                  <a:srgbClr val="262626"/>
+                </a:solidFill>
+              </a:rPr>
+              <a:t>”, “</a:t>
+            </a:r>
+            <a:r>
+              <a:rPr lang="en-GB" dirty="0" err="1">
+                <a:solidFill>
+                  <a:srgbClr val="262626"/>
+                </a:solidFill>
+              </a:rPr>
+              <a:t>componentDidUpdate</a:t>
+            </a:r>
+            <a:r>
+              <a:rPr lang="en-GB" dirty="0">
+                <a:solidFill>
+                  <a:srgbClr val="262626"/>
+                </a:solidFill>
+              </a:rPr>
+              <a:t>” and “</a:t>
+            </a:r>
+            <a:r>
+              <a:rPr lang="en-GB" dirty="0" err="1">
+                <a:solidFill>
+                  <a:srgbClr val="262626"/>
+                </a:solidFill>
+              </a:rPr>
+              <a:t>componentWillUnmount</a:t>
+            </a:r>
+            <a:r>
+              <a:rPr lang="en-GB" dirty="0">
+                <a:solidFill>
+                  <a:srgbClr val="262626"/>
+                </a:solidFill>
+              </a:rPr>
+              <a:t>” combined</a:t>
+            </a:r>
+          </a:p>
+        </p:txBody>
+      </p:sp>
+    </p:spTree>
+    <p:extLst>
+      <p:ext uri="{BB962C8B-B14F-4D97-AF65-F5344CB8AC3E}">
+        <p14:creationId xmlns:p14="http://schemas.microsoft.com/office/powerpoint/2010/main" val="271950995"/>
+      </p:ext>
+    </p:extLst>
+  </p:cSld>
+  <p:clrMapOvr>
+    <a:masterClrMapping/>
+  </p:clrMapOvr>
+</p:sld>
+</file>
+
+<file path=ppt/slides/slide23.xml><?xml version="1.0" encoding="utf-8"?>
+<p:sld xmlns:a="http://schemas.openxmlformats.org/drawingml/2006/main" xmlns:r="http://schemas.openxmlformats.org/officeDocument/2006/relationships" xmlns:p="http://schemas.openxmlformats.org/presentationml/2006/main">
+  <p:cSld>
+    <p:spTree>
+      <p:nvGrpSpPr>
+        <p:cNvPr id="1" name=""/>
+        <p:cNvGrpSpPr/>
+        <p:nvPr/>
+      </p:nvGrpSpPr>
+      <p:grpSpPr>
+        <a:xfrm>
+          <a:off x="0" y="0"/>
+          <a:ext cx="0" cy="0"/>
+          <a:chOff x="0" y="0"/>
+          <a:chExt cx="0" cy="0"/>
+        </a:xfrm>
+      </p:grpSpPr>
+      <p:sp>
+        <p:nvSpPr>
+          <p:cNvPr id="8" name="Rectangle 7">
+            <a:extLst>
+              <a:ext uri="{FF2B5EF4-FFF2-40B4-BE49-F238E27FC236}">
+                <a16:creationId xmlns:a16="http://schemas.microsoft.com/office/drawing/2014/main" id="{866B5D3B-26CD-B245-BCAD-9F19CF15B083}"/>
+              </a:ext>
+            </a:extLst>
+          </p:cNvPr>
+          <p:cNvSpPr/>
+          <p:nvPr/>
+        </p:nvSpPr>
+        <p:spPr>
+          <a:xfrm>
+            <a:off x="412745" y="1089603"/>
+            <a:ext cx="11259128" cy="5403272"/>
+          </a:xfrm>
+          <a:prstGeom prst="rect">
+            <a:avLst/>
+          </a:prstGeom>
+          <a:solidFill>
+            <a:schemeClr val="bg1"/>
+          </a:solidFill>
+          <a:ln w="38100">
+            <a:solidFill>
+              <a:schemeClr val="bg1">
+                <a:lumMod val="85000"/>
+              </a:schemeClr>
+            </a:solidFill>
+          </a:ln>
+          <a:effectLst/>
+        </p:spPr>
+        <p:style>
+          <a:lnRef idx="2">
+            <a:schemeClr val="accent1">
+              <a:shade val="50000"/>
+            </a:schemeClr>
+          </a:lnRef>
+          <a:fillRef idx="1">
+            <a:schemeClr val="accent1"/>
+          </a:fillRef>
+          <a:effectRef idx="0">
+            <a:schemeClr val="accent1"/>
+          </a:effectRef>
+          <a:fontRef idx="minor">
+            <a:schemeClr val="lt1"/>
+          </a:fontRef>
+        </p:style>
+        <p:txBody>
+          <a:bodyPr rtlCol="0" anchor="ctr"/>
+          <a:lstStyle/>
+          <a:p>
+            <a:pPr algn="ctr"/>
+            <a:endParaRPr lang="en-GB"/>
+          </a:p>
+        </p:txBody>
+      </p:sp>
+      <p:sp>
+        <p:nvSpPr>
+          <p:cNvPr id="7" name="Rectangle 6">
+            <a:extLst>
+              <a:ext uri="{FF2B5EF4-FFF2-40B4-BE49-F238E27FC236}">
+                <a16:creationId xmlns:a16="http://schemas.microsoft.com/office/drawing/2014/main" id="{9AF4DE53-90EF-7F47-861C-9C4C0AB55427}"/>
+              </a:ext>
+            </a:extLst>
+          </p:cNvPr>
+          <p:cNvSpPr/>
+          <p:nvPr/>
+        </p:nvSpPr>
+        <p:spPr>
+          <a:xfrm>
+            <a:off x="0" y="619676"/>
+            <a:ext cx="5933130" cy="778374"/>
+          </a:xfrm>
+          <a:prstGeom prst="rect">
+            <a:avLst/>
+          </a:prstGeom>
+          <a:solidFill>
+            <a:schemeClr val="accent5">
+              <a:lumMod val="75000"/>
+            </a:schemeClr>
+          </a:solidFill>
+          <a:ln>
+            <a:solidFill>
+              <a:schemeClr val="accent5">
+                <a:lumMod val="75000"/>
+              </a:schemeClr>
+            </a:solidFill>
+          </a:ln>
+        </p:spPr>
+        <p:style>
+          <a:lnRef idx="2">
+            <a:schemeClr val="accent1">
+              <a:shade val="50000"/>
+            </a:schemeClr>
+          </a:lnRef>
+          <a:fillRef idx="1">
+            <a:schemeClr val="accent1"/>
+          </a:fillRef>
+          <a:effectRef idx="0">
+            <a:schemeClr val="accent1"/>
+          </a:effectRef>
+          <a:fontRef idx="minor">
+            <a:schemeClr val="lt1"/>
+          </a:fontRef>
+        </p:style>
+        <p:txBody>
+          <a:bodyPr rtlCol="0" anchor="ctr"/>
+          <a:lstStyle/>
+          <a:p>
+            <a:pPr algn="ctr"/>
+            <a:endParaRPr lang="en-GB"/>
+          </a:p>
+        </p:txBody>
+      </p:sp>
+      <p:sp>
+        <p:nvSpPr>
+          <p:cNvPr id="2" name="Title 1">
+            <a:extLst>
+              <a:ext uri="{FF2B5EF4-FFF2-40B4-BE49-F238E27FC236}">
+                <a16:creationId xmlns:a16="http://schemas.microsoft.com/office/drawing/2014/main" id="{254FBC8B-1A4D-6345-B036-5F2A1C93A1B3}"/>
+              </a:ext>
+            </a:extLst>
+          </p:cNvPr>
+          <p:cNvSpPr>
+            <a:spLocks noGrp="1"/>
+          </p:cNvSpPr>
+          <p:nvPr>
+            <p:ph type="title"/>
+          </p:nvPr>
+        </p:nvSpPr>
+        <p:spPr/>
+        <p:txBody>
+          <a:bodyPr/>
+          <a:lstStyle/>
+          <a:p>
+            <a:r>
+              <a:rPr lang="en-GB" dirty="0">
+                <a:solidFill>
+                  <a:schemeClr val="bg1"/>
+                </a:solidFill>
+              </a:rPr>
+              <a:t>Vue: Updating State</a:t>
+            </a:r>
+          </a:p>
+        </p:txBody>
+      </p:sp>
+      <p:sp>
+        <p:nvSpPr>
+          <p:cNvPr id="3" name="Content Placeholder 2">
+            <a:extLst>
+              <a:ext uri="{FF2B5EF4-FFF2-40B4-BE49-F238E27FC236}">
+                <a16:creationId xmlns:a16="http://schemas.microsoft.com/office/drawing/2014/main" id="{677C7FCF-5D28-EE49-A660-749D297FD87D}"/>
+              </a:ext>
+            </a:extLst>
+          </p:cNvPr>
+          <p:cNvSpPr>
+            <a:spLocks noGrp="1"/>
+          </p:cNvSpPr>
+          <p:nvPr>
+            <p:ph idx="1"/>
+          </p:nvPr>
+        </p:nvSpPr>
+        <p:spPr>
+          <a:xfrm>
+            <a:off x="838200" y="1825625"/>
+            <a:ext cx="10515600" cy="3367743"/>
+          </a:xfrm>
+        </p:spPr>
+        <p:txBody>
+          <a:bodyPr>
+            <a:normAutofit/>
+          </a:bodyPr>
+          <a:lstStyle/>
+          <a:p>
+            <a:r>
+              <a:rPr lang="en-GB" dirty="0">
+                <a:solidFill>
+                  <a:srgbClr val="262626"/>
+                </a:solidFill>
+              </a:rPr>
+              <a:t>Uses life cycle events</a:t>
+            </a:r>
+          </a:p>
+          <a:p>
+            <a:endParaRPr lang="en-GB" sz="1000" dirty="0">
+              <a:solidFill>
+                <a:srgbClr val="262626"/>
+              </a:solidFill>
+            </a:endParaRPr>
+          </a:p>
+          <a:p>
+            <a:pPr lvl="1"/>
+            <a:r>
+              <a:rPr lang="en-GB" dirty="0">
+                <a:solidFill>
+                  <a:srgbClr val="262626"/>
+                </a:solidFill>
+              </a:rPr>
+              <a:t>Created</a:t>
+            </a:r>
+          </a:p>
+          <a:p>
+            <a:pPr lvl="1"/>
+            <a:endParaRPr lang="en-GB" sz="1000" dirty="0">
+              <a:solidFill>
+                <a:srgbClr val="262626"/>
+              </a:solidFill>
+            </a:endParaRPr>
+          </a:p>
+          <a:p>
+            <a:pPr lvl="1"/>
+            <a:r>
+              <a:rPr lang="en-GB" dirty="0" err="1">
+                <a:solidFill>
+                  <a:srgbClr val="262626"/>
+                </a:solidFill>
+              </a:rPr>
+              <a:t>beforeDestroy</a:t>
+            </a:r>
+            <a:endParaRPr lang="en-GB" dirty="0">
+              <a:solidFill>
+                <a:srgbClr val="262626"/>
+              </a:solidFill>
+            </a:endParaRPr>
+          </a:p>
+        </p:txBody>
+      </p:sp>
+    </p:spTree>
+    <p:extLst>
+      <p:ext uri="{BB962C8B-B14F-4D97-AF65-F5344CB8AC3E}">
+        <p14:creationId xmlns:p14="http://schemas.microsoft.com/office/powerpoint/2010/main" val="749172353"/>
+      </p:ext>
+    </p:extLst>
+  </p:cSld>
+  <p:clrMapOvr>
+    <a:masterClrMapping/>
+  </p:clrMapOvr>
+</p:sld>
+</file>
+
+<file path=ppt/slides/slide24.xml><?xml version="1.0" encoding="utf-8"?>
+<p:sld xmlns:a="http://schemas.openxmlformats.org/drawingml/2006/main" xmlns:r="http://schemas.openxmlformats.org/officeDocument/2006/relationships" xmlns:p="http://schemas.openxmlformats.org/presentationml/2006/main">
+  <p:cSld>
+    <p:spTree>
+      <p:nvGrpSpPr>
+        <p:cNvPr id="1" name=""/>
+        <p:cNvGrpSpPr/>
+        <p:nvPr/>
+      </p:nvGrpSpPr>
+      <p:grpSpPr>
+        <a:xfrm>
+          <a:off x="0" y="0"/>
+          <a:ext cx="0" cy="0"/>
+          <a:chOff x="0" y="0"/>
+          <a:chExt cx="0" cy="0"/>
+        </a:xfrm>
+      </p:grpSpPr>
+      <p:sp>
+        <p:nvSpPr>
+          <p:cNvPr id="8" name="Rectangle 7">
+            <a:extLst>
+              <a:ext uri="{FF2B5EF4-FFF2-40B4-BE49-F238E27FC236}">
+                <a16:creationId xmlns:a16="http://schemas.microsoft.com/office/drawing/2014/main" id="{866B5D3B-26CD-B245-BCAD-9F19CF15B083}"/>
+              </a:ext>
+            </a:extLst>
+          </p:cNvPr>
+          <p:cNvSpPr/>
+          <p:nvPr/>
+        </p:nvSpPr>
+        <p:spPr>
+          <a:xfrm>
+            <a:off x="466436" y="1022992"/>
+            <a:ext cx="11259128" cy="5403272"/>
+          </a:xfrm>
+          <a:prstGeom prst="rect">
+            <a:avLst/>
+          </a:prstGeom>
+          <a:solidFill>
+            <a:schemeClr val="bg1"/>
+          </a:solidFill>
+          <a:ln w="38100">
+            <a:solidFill>
+              <a:schemeClr val="bg1">
+                <a:lumMod val="85000"/>
+              </a:schemeClr>
+            </a:solidFill>
+          </a:ln>
+          <a:effectLst/>
+        </p:spPr>
+        <p:style>
+          <a:lnRef idx="2">
+            <a:schemeClr val="accent1">
+              <a:shade val="50000"/>
+            </a:schemeClr>
+          </a:lnRef>
+          <a:fillRef idx="1">
+            <a:schemeClr val="accent1"/>
+          </a:fillRef>
+          <a:effectRef idx="0">
+            <a:schemeClr val="accent1"/>
+          </a:effectRef>
+          <a:fontRef idx="minor">
+            <a:schemeClr val="lt1"/>
+          </a:fontRef>
+        </p:style>
+        <p:txBody>
+          <a:bodyPr rtlCol="0" anchor="ctr"/>
+          <a:lstStyle/>
+          <a:p>
+            <a:pPr algn="ctr"/>
+            <a:endParaRPr lang="en-GB"/>
+          </a:p>
+        </p:txBody>
+      </p:sp>
+      <p:sp>
+        <p:nvSpPr>
+          <p:cNvPr id="7" name="Rectangle 6">
+            <a:extLst>
+              <a:ext uri="{FF2B5EF4-FFF2-40B4-BE49-F238E27FC236}">
+                <a16:creationId xmlns:a16="http://schemas.microsoft.com/office/drawing/2014/main" id="{9AF4DE53-90EF-7F47-861C-9C4C0AB55427}"/>
+              </a:ext>
+            </a:extLst>
+          </p:cNvPr>
+          <p:cNvSpPr/>
+          <p:nvPr/>
+        </p:nvSpPr>
+        <p:spPr>
+          <a:xfrm>
+            <a:off x="0" y="619676"/>
+            <a:ext cx="6714908" cy="778374"/>
+          </a:xfrm>
+          <a:prstGeom prst="rect">
+            <a:avLst/>
+          </a:prstGeom>
+          <a:solidFill>
+            <a:schemeClr val="accent5">
+              <a:lumMod val="75000"/>
+            </a:schemeClr>
+          </a:solidFill>
+          <a:ln>
+            <a:solidFill>
+              <a:schemeClr val="accent5">
+                <a:lumMod val="75000"/>
+              </a:schemeClr>
+            </a:solidFill>
+          </a:ln>
+        </p:spPr>
+        <p:style>
+          <a:lnRef idx="2">
+            <a:schemeClr val="accent1">
+              <a:shade val="50000"/>
+            </a:schemeClr>
+          </a:lnRef>
+          <a:fillRef idx="1">
+            <a:schemeClr val="accent1"/>
+          </a:fillRef>
+          <a:effectRef idx="0">
+            <a:schemeClr val="accent1"/>
+          </a:effectRef>
+          <a:fontRef idx="minor">
+            <a:schemeClr val="lt1"/>
+          </a:fontRef>
+        </p:style>
+        <p:txBody>
+          <a:bodyPr rtlCol="0" anchor="ctr"/>
+          <a:lstStyle/>
+          <a:p>
+            <a:pPr algn="ctr"/>
+            <a:endParaRPr lang="en-GB"/>
+          </a:p>
+        </p:txBody>
+      </p:sp>
+      <p:sp>
+        <p:nvSpPr>
+          <p:cNvPr id="2" name="Title 1">
+            <a:extLst>
+              <a:ext uri="{FF2B5EF4-FFF2-40B4-BE49-F238E27FC236}">
+                <a16:creationId xmlns:a16="http://schemas.microsoft.com/office/drawing/2014/main" id="{254FBC8B-1A4D-6345-B036-5F2A1C93A1B3}"/>
+              </a:ext>
+            </a:extLst>
+          </p:cNvPr>
+          <p:cNvSpPr>
+            <a:spLocks noGrp="1"/>
+          </p:cNvSpPr>
+          <p:nvPr>
+            <p:ph type="title"/>
+          </p:nvPr>
+        </p:nvSpPr>
+        <p:spPr/>
+        <p:txBody>
+          <a:bodyPr/>
+          <a:lstStyle/>
+          <a:p>
+            <a:r>
+              <a:rPr lang="en-GB" dirty="0">
+                <a:solidFill>
+                  <a:schemeClr val="bg1"/>
+                </a:solidFill>
+              </a:rPr>
+              <a:t>Demo 4 – Updating State</a:t>
+            </a:r>
+          </a:p>
+        </p:txBody>
+      </p:sp>
+      <p:sp>
+        <p:nvSpPr>
+          <p:cNvPr id="3" name="Content Placeholder 2">
+            <a:extLst>
+              <a:ext uri="{FF2B5EF4-FFF2-40B4-BE49-F238E27FC236}">
+                <a16:creationId xmlns:a16="http://schemas.microsoft.com/office/drawing/2014/main" id="{677C7FCF-5D28-EE49-A660-749D297FD87D}"/>
+              </a:ext>
+            </a:extLst>
+          </p:cNvPr>
+          <p:cNvSpPr>
+            <a:spLocks noGrp="1"/>
+          </p:cNvSpPr>
+          <p:nvPr>
+            <p:ph idx="1"/>
+          </p:nvPr>
+        </p:nvSpPr>
+        <p:spPr>
+          <a:xfrm>
+            <a:off x="838200" y="1825625"/>
+            <a:ext cx="10515600" cy="4275252"/>
+          </a:xfrm>
+        </p:spPr>
+        <p:txBody>
+          <a:bodyPr anchor="ctr">
+            <a:normAutofit/>
+          </a:bodyPr>
+          <a:lstStyle/>
+          <a:p>
+            <a:endParaRPr lang="en-GB" dirty="0">
+              <a:solidFill>
+                <a:srgbClr val="262626"/>
+              </a:solidFill>
+            </a:endParaRPr>
+          </a:p>
+          <a:p>
+            <a:endParaRPr lang="en-GB" dirty="0">
+              <a:solidFill>
+                <a:srgbClr val="262626"/>
+              </a:solidFill>
+            </a:endParaRPr>
+          </a:p>
+          <a:p>
+            <a:pPr marL="0" indent="0" algn="ctr">
+              <a:buNone/>
+            </a:pPr>
+            <a:r>
+              <a:rPr lang="en-GB" sz="5400" dirty="0"/>
+              <a:t>Demo Time</a:t>
+            </a:r>
+            <a:endParaRPr lang="en-GB" sz="5400" dirty="0">
+              <a:solidFill>
+                <a:srgbClr val="262626"/>
+              </a:solidFill>
+            </a:endParaRPr>
+          </a:p>
+          <a:p>
+            <a:endParaRPr lang="en-GB" dirty="0">
+              <a:solidFill>
+                <a:srgbClr val="262626"/>
+              </a:solidFill>
+            </a:endParaRPr>
+          </a:p>
+          <a:p>
+            <a:endParaRPr lang="en-GB" dirty="0">
+              <a:solidFill>
+                <a:schemeClr val="tx1">
+                  <a:lumMod val="95000"/>
+                  <a:lumOff val="5000"/>
+                </a:schemeClr>
+              </a:solidFill>
+            </a:endParaRPr>
+          </a:p>
+        </p:txBody>
+      </p:sp>
+    </p:spTree>
+    <p:extLst>
+      <p:ext uri="{BB962C8B-B14F-4D97-AF65-F5344CB8AC3E}">
+        <p14:creationId xmlns:p14="http://schemas.microsoft.com/office/powerpoint/2010/main" val="1843148581"/>
+      </p:ext>
+    </p:extLst>
+  </p:cSld>
+  <p:clrMapOvr>
+    <a:masterClrMapping/>
+  </p:clrMapOvr>
+</p:sld>
+</file>
+
+<file path=ppt/slides/slide25.xml><?xml version="1.0" encoding="utf-8"?>
+<p:sld xmlns:a="http://schemas.openxmlformats.org/drawingml/2006/main" xmlns:r="http://schemas.openxmlformats.org/officeDocument/2006/relationships" xmlns:p="http://schemas.openxmlformats.org/presentationml/2006/main">
+  <p:cSld>
+    <p:spTree>
+      <p:nvGrpSpPr>
+        <p:cNvPr id="1" name=""/>
+        <p:cNvGrpSpPr/>
+        <p:nvPr/>
+      </p:nvGrpSpPr>
+      <p:grpSpPr>
+        <a:xfrm>
+          <a:off x="0" y="0"/>
+          <a:ext cx="0" cy="0"/>
+          <a:chOff x="0" y="0"/>
+          <a:chExt cx="0" cy="0"/>
+        </a:xfrm>
+      </p:grpSpPr>
+      <p:sp>
+        <p:nvSpPr>
+          <p:cNvPr id="8" name="Rectangle 7">
+            <a:extLst>
+              <a:ext uri="{FF2B5EF4-FFF2-40B4-BE49-F238E27FC236}">
+                <a16:creationId xmlns:a16="http://schemas.microsoft.com/office/drawing/2014/main" id="{866B5D3B-26CD-B245-BCAD-9F19CF15B083}"/>
+              </a:ext>
+            </a:extLst>
+          </p:cNvPr>
+          <p:cNvSpPr/>
+          <p:nvPr/>
+        </p:nvSpPr>
+        <p:spPr>
+          <a:xfrm>
+            <a:off x="489527" y="1006765"/>
+            <a:ext cx="11259128" cy="5403272"/>
+          </a:xfrm>
+          <a:prstGeom prst="rect">
+            <a:avLst/>
+          </a:prstGeom>
+          <a:solidFill>
+            <a:schemeClr val="bg1"/>
+          </a:solidFill>
+          <a:ln w="38100">
+            <a:solidFill>
+              <a:schemeClr val="bg1">
+                <a:lumMod val="85000"/>
+              </a:schemeClr>
+            </a:solidFill>
+          </a:ln>
+          <a:effectLst/>
+        </p:spPr>
+        <p:style>
+          <a:lnRef idx="2">
+            <a:schemeClr val="accent1">
+              <a:shade val="50000"/>
+            </a:schemeClr>
+          </a:lnRef>
+          <a:fillRef idx="1">
+            <a:schemeClr val="accent1"/>
+          </a:fillRef>
+          <a:effectRef idx="0">
+            <a:schemeClr val="accent1"/>
+          </a:effectRef>
+          <a:fontRef idx="minor">
+            <a:schemeClr val="lt1"/>
+          </a:fontRef>
+        </p:style>
+        <p:txBody>
+          <a:bodyPr rtlCol="0" anchor="ctr"/>
+          <a:lstStyle/>
+          <a:p>
+            <a:pPr algn="ctr"/>
+            <a:endParaRPr lang="en-GB"/>
+          </a:p>
+        </p:txBody>
+      </p:sp>
+      <p:sp>
+        <p:nvSpPr>
+          <p:cNvPr id="7" name="Rectangle 6">
+            <a:extLst>
+              <a:ext uri="{FF2B5EF4-FFF2-40B4-BE49-F238E27FC236}">
+                <a16:creationId xmlns:a16="http://schemas.microsoft.com/office/drawing/2014/main" id="{9AF4DE53-90EF-7F47-861C-9C4C0AB55427}"/>
+              </a:ext>
+            </a:extLst>
+          </p:cNvPr>
+          <p:cNvSpPr/>
+          <p:nvPr/>
+        </p:nvSpPr>
+        <p:spPr>
+          <a:xfrm>
+            <a:off x="0" y="619676"/>
+            <a:ext cx="7650247" cy="778374"/>
+          </a:xfrm>
+          <a:prstGeom prst="rect">
+            <a:avLst/>
+          </a:prstGeom>
+          <a:solidFill>
+            <a:schemeClr val="accent5">
+              <a:lumMod val="75000"/>
+            </a:schemeClr>
+          </a:solidFill>
+          <a:ln>
+            <a:solidFill>
+              <a:schemeClr val="accent5">
+                <a:lumMod val="75000"/>
+              </a:schemeClr>
+            </a:solidFill>
+          </a:ln>
+        </p:spPr>
+        <p:style>
+          <a:lnRef idx="2">
+            <a:schemeClr val="accent1">
+              <a:shade val="50000"/>
+            </a:schemeClr>
+          </a:lnRef>
+          <a:fillRef idx="1">
+            <a:schemeClr val="accent1"/>
+          </a:fillRef>
+          <a:effectRef idx="0">
+            <a:schemeClr val="accent1"/>
+          </a:effectRef>
+          <a:fontRef idx="minor">
+            <a:schemeClr val="lt1"/>
+          </a:fontRef>
+        </p:style>
+        <p:txBody>
+          <a:bodyPr rtlCol="0" anchor="ctr"/>
+          <a:lstStyle/>
+          <a:p>
+            <a:pPr algn="ctr"/>
+            <a:endParaRPr lang="en-GB"/>
+          </a:p>
+        </p:txBody>
+      </p:sp>
+      <p:sp>
+        <p:nvSpPr>
+          <p:cNvPr id="2" name="Title 1">
+            <a:extLst>
+              <a:ext uri="{FF2B5EF4-FFF2-40B4-BE49-F238E27FC236}">
+                <a16:creationId xmlns:a16="http://schemas.microsoft.com/office/drawing/2014/main" id="{254FBC8B-1A4D-6345-B036-5F2A1C93A1B3}"/>
+              </a:ext>
+            </a:extLst>
+          </p:cNvPr>
+          <p:cNvSpPr>
+            <a:spLocks noGrp="1"/>
+          </p:cNvSpPr>
+          <p:nvPr>
+            <p:ph type="title"/>
+          </p:nvPr>
+        </p:nvSpPr>
+        <p:spPr/>
+        <p:txBody>
+          <a:bodyPr/>
+          <a:lstStyle/>
+          <a:p>
+            <a:r>
+              <a:rPr lang="en-GB" dirty="0">
+                <a:solidFill>
+                  <a:schemeClr val="bg1"/>
+                </a:solidFill>
+              </a:rPr>
+              <a:t>FORM data / User Interaction</a:t>
+            </a:r>
+          </a:p>
+        </p:txBody>
+      </p:sp>
+      <p:sp>
+        <p:nvSpPr>
+          <p:cNvPr id="3" name="Content Placeholder 2">
+            <a:extLst>
+              <a:ext uri="{FF2B5EF4-FFF2-40B4-BE49-F238E27FC236}">
+                <a16:creationId xmlns:a16="http://schemas.microsoft.com/office/drawing/2014/main" id="{677C7FCF-5D28-EE49-A660-749D297FD87D}"/>
+              </a:ext>
+            </a:extLst>
+          </p:cNvPr>
+          <p:cNvSpPr>
+            <a:spLocks noGrp="1"/>
+          </p:cNvSpPr>
+          <p:nvPr>
+            <p:ph idx="1"/>
+          </p:nvPr>
+        </p:nvSpPr>
+        <p:spPr>
+          <a:xfrm>
+            <a:off x="838200" y="1825625"/>
+            <a:ext cx="10515600" cy="3367743"/>
+          </a:xfrm>
+        </p:spPr>
+        <p:txBody>
+          <a:bodyPr>
+            <a:normAutofit/>
+          </a:bodyPr>
+          <a:lstStyle/>
+          <a:p>
+            <a:r>
+              <a:rPr lang="en-GB" dirty="0">
+                <a:solidFill>
+                  <a:srgbClr val="262626"/>
+                </a:solidFill>
+              </a:rPr>
+              <a:t>New component: </a:t>
+            </a:r>
+          </a:p>
+          <a:p>
+            <a:pPr lvl="1"/>
+            <a:r>
+              <a:rPr lang="en-GB" dirty="0">
+                <a:solidFill>
+                  <a:srgbClr val="262626"/>
+                </a:solidFill>
+              </a:rPr>
+              <a:t>Options</a:t>
+            </a:r>
+          </a:p>
+          <a:p>
+            <a:r>
+              <a:rPr lang="en-GB" dirty="0">
+                <a:solidFill>
+                  <a:srgbClr val="262626"/>
+                </a:solidFill>
+              </a:rPr>
+              <a:t>React</a:t>
+            </a:r>
+          </a:p>
+          <a:p>
+            <a:pPr lvl="1"/>
+            <a:r>
+              <a:rPr lang="en-GB" dirty="0">
+                <a:solidFill>
+                  <a:srgbClr val="262626"/>
+                </a:solidFill>
+              </a:rPr>
+              <a:t>Functions passed in from parent as props, along with initial state</a:t>
+            </a:r>
+          </a:p>
+          <a:p>
+            <a:r>
+              <a:rPr lang="en-GB" dirty="0">
+                <a:solidFill>
+                  <a:srgbClr val="262626"/>
+                </a:solidFill>
+              </a:rPr>
+              <a:t>Vue:</a:t>
+            </a:r>
+          </a:p>
+          <a:p>
+            <a:pPr lvl="1"/>
+            <a:r>
+              <a:rPr lang="en-GB" dirty="0">
+                <a:solidFill>
+                  <a:srgbClr val="262626"/>
+                </a:solidFill>
+              </a:rPr>
+              <a:t>Initial state passed in as props</a:t>
+            </a:r>
+          </a:p>
+          <a:p>
+            <a:pPr lvl="1"/>
+            <a:r>
+              <a:rPr lang="en-GB" dirty="0">
+                <a:solidFill>
+                  <a:srgbClr val="262626"/>
+                </a:solidFill>
+              </a:rPr>
+              <a:t>Events emitted to parent</a:t>
+            </a:r>
+          </a:p>
+          <a:p>
+            <a:pPr marL="0" indent="0">
+              <a:buNone/>
+            </a:pPr>
+            <a:endParaRPr lang="en-GB" sz="1600" dirty="0">
+              <a:solidFill>
+                <a:srgbClr val="262626"/>
+              </a:solidFill>
+            </a:endParaRPr>
+          </a:p>
+          <a:p>
+            <a:endParaRPr lang="en-GB" dirty="0">
+              <a:solidFill>
+                <a:srgbClr val="262626"/>
+              </a:solidFill>
+            </a:endParaRPr>
+          </a:p>
+          <a:p>
+            <a:endParaRPr lang="en-GB" dirty="0">
+              <a:solidFill>
+                <a:srgbClr val="262626"/>
+              </a:solidFill>
+            </a:endParaRPr>
+          </a:p>
+          <a:p>
+            <a:endParaRPr lang="en-GB" dirty="0">
+              <a:solidFill>
+                <a:schemeClr val="tx1">
+                  <a:lumMod val="95000"/>
+                  <a:lumOff val="5000"/>
+                </a:schemeClr>
+              </a:solidFill>
+            </a:endParaRPr>
+          </a:p>
+        </p:txBody>
+      </p:sp>
+    </p:spTree>
+    <p:extLst>
+      <p:ext uri="{BB962C8B-B14F-4D97-AF65-F5344CB8AC3E}">
+        <p14:creationId xmlns:p14="http://schemas.microsoft.com/office/powerpoint/2010/main" val="3015182411"/>
+      </p:ext>
+    </p:extLst>
+  </p:cSld>
+  <p:clrMapOvr>
+    <a:masterClrMapping/>
+  </p:clrMapOvr>
+</p:sld>
+</file>
+
+<file path=ppt/slides/slide26.xml><?xml version="1.0" encoding="utf-8"?>
+<p:sld xmlns:a="http://schemas.openxmlformats.org/drawingml/2006/main" xmlns:r="http://schemas.openxmlformats.org/officeDocument/2006/relationships" xmlns:p="http://schemas.openxmlformats.org/presentationml/2006/main">
+  <p:cSld>
+    <p:spTree>
+      <p:nvGrpSpPr>
+        <p:cNvPr id="1" name=""/>
+        <p:cNvGrpSpPr/>
+        <p:nvPr/>
+      </p:nvGrpSpPr>
+      <p:grpSpPr>
+        <a:xfrm>
+          <a:off x="0" y="0"/>
+          <a:ext cx="0" cy="0"/>
+          <a:chOff x="0" y="0"/>
+          <a:chExt cx="0" cy="0"/>
+        </a:xfrm>
+      </p:grpSpPr>
+      <p:sp>
+        <p:nvSpPr>
+          <p:cNvPr id="8" name="Rectangle 7">
+            <a:extLst>
+              <a:ext uri="{FF2B5EF4-FFF2-40B4-BE49-F238E27FC236}">
+                <a16:creationId xmlns:a16="http://schemas.microsoft.com/office/drawing/2014/main" id="{866B5D3B-26CD-B245-BCAD-9F19CF15B083}"/>
+              </a:ext>
+            </a:extLst>
+          </p:cNvPr>
+          <p:cNvSpPr/>
+          <p:nvPr/>
+        </p:nvSpPr>
+        <p:spPr>
+          <a:xfrm>
+            <a:off x="466436" y="1022992"/>
+            <a:ext cx="11259128" cy="5403272"/>
+          </a:xfrm>
+          <a:prstGeom prst="rect">
+            <a:avLst/>
+          </a:prstGeom>
+          <a:solidFill>
+            <a:schemeClr val="bg1"/>
+          </a:solidFill>
+          <a:ln w="38100">
+            <a:solidFill>
+              <a:schemeClr val="bg1">
+                <a:lumMod val="85000"/>
+              </a:schemeClr>
+            </a:solidFill>
+          </a:ln>
+          <a:effectLst/>
+        </p:spPr>
+        <p:style>
+          <a:lnRef idx="2">
+            <a:schemeClr val="accent1">
+              <a:shade val="50000"/>
+            </a:schemeClr>
+          </a:lnRef>
+          <a:fillRef idx="1">
+            <a:schemeClr val="accent1"/>
+          </a:fillRef>
+          <a:effectRef idx="0">
+            <a:schemeClr val="accent1"/>
+          </a:effectRef>
+          <a:fontRef idx="minor">
+            <a:schemeClr val="lt1"/>
+          </a:fontRef>
+        </p:style>
+        <p:txBody>
+          <a:bodyPr rtlCol="0" anchor="ctr"/>
+          <a:lstStyle/>
+          <a:p>
+            <a:pPr algn="ctr"/>
+            <a:endParaRPr lang="en-GB"/>
+          </a:p>
+        </p:txBody>
+      </p:sp>
+      <p:sp>
+        <p:nvSpPr>
+          <p:cNvPr id="7" name="Rectangle 6">
+            <a:extLst>
+              <a:ext uri="{FF2B5EF4-FFF2-40B4-BE49-F238E27FC236}">
+                <a16:creationId xmlns:a16="http://schemas.microsoft.com/office/drawing/2014/main" id="{9AF4DE53-90EF-7F47-861C-9C4C0AB55427}"/>
+              </a:ext>
+            </a:extLst>
+          </p:cNvPr>
+          <p:cNvSpPr/>
+          <p:nvPr/>
+        </p:nvSpPr>
+        <p:spPr>
+          <a:xfrm>
+            <a:off x="-2" y="619676"/>
+            <a:ext cx="8418065" cy="778374"/>
+          </a:xfrm>
+          <a:prstGeom prst="rect">
+            <a:avLst/>
+          </a:prstGeom>
+          <a:solidFill>
+            <a:schemeClr val="accent5">
+              <a:lumMod val="75000"/>
+            </a:schemeClr>
+          </a:solidFill>
+          <a:ln>
+            <a:solidFill>
+              <a:schemeClr val="accent5">
+                <a:lumMod val="75000"/>
+              </a:schemeClr>
+            </a:solidFill>
+          </a:ln>
+        </p:spPr>
+        <p:style>
+          <a:lnRef idx="2">
+            <a:schemeClr val="accent1">
+              <a:shade val="50000"/>
+            </a:schemeClr>
+          </a:lnRef>
+          <a:fillRef idx="1">
+            <a:schemeClr val="accent1"/>
+          </a:fillRef>
+          <a:effectRef idx="0">
+            <a:schemeClr val="accent1"/>
+          </a:effectRef>
+          <a:fontRef idx="minor">
+            <a:schemeClr val="lt1"/>
+          </a:fontRef>
+        </p:style>
+        <p:txBody>
+          <a:bodyPr rtlCol="0" anchor="ctr"/>
+          <a:lstStyle/>
+          <a:p>
+            <a:pPr algn="ctr"/>
+            <a:endParaRPr lang="en-GB"/>
+          </a:p>
+        </p:txBody>
+      </p:sp>
+      <p:sp>
+        <p:nvSpPr>
+          <p:cNvPr id="2" name="Title 1">
+            <a:extLst>
+              <a:ext uri="{FF2B5EF4-FFF2-40B4-BE49-F238E27FC236}">
+                <a16:creationId xmlns:a16="http://schemas.microsoft.com/office/drawing/2014/main" id="{254FBC8B-1A4D-6345-B036-5F2A1C93A1B3}"/>
+              </a:ext>
+            </a:extLst>
+          </p:cNvPr>
+          <p:cNvSpPr>
+            <a:spLocks noGrp="1"/>
+          </p:cNvSpPr>
+          <p:nvPr>
+            <p:ph type="title"/>
+          </p:nvPr>
+        </p:nvSpPr>
+        <p:spPr/>
+        <p:txBody>
+          <a:bodyPr/>
+          <a:lstStyle/>
+          <a:p>
+            <a:r>
+              <a:rPr lang="en-GB" dirty="0">
+                <a:solidFill>
+                  <a:schemeClr val="bg1"/>
+                </a:solidFill>
+              </a:rPr>
+              <a:t>Demo 5 – Select “Initial State” UI</a:t>
+            </a:r>
+          </a:p>
+        </p:txBody>
+      </p:sp>
+      <p:sp>
+        <p:nvSpPr>
+          <p:cNvPr id="3" name="Content Placeholder 2">
+            <a:extLst>
+              <a:ext uri="{FF2B5EF4-FFF2-40B4-BE49-F238E27FC236}">
+                <a16:creationId xmlns:a16="http://schemas.microsoft.com/office/drawing/2014/main" id="{677C7FCF-5D28-EE49-A660-749D297FD87D}"/>
+              </a:ext>
+            </a:extLst>
+          </p:cNvPr>
+          <p:cNvSpPr>
+            <a:spLocks noGrp="1"/>
+          </p:cNvSpPr>
+          <p:nvPr>
+            <p:ph idx="1"/>
+          </p:nvPr>
+        </p:nvSpPr>
+        <p:spPr>
+          <a:xfrm>
+            <a:off x="838200" y="1825625"/>
+            <a:ext cx="10515600" cy="4275252"/>
+          </a:xfrm>
+        </p:spPr>
+        <p:txBody>
+          <a:bodyPr anchor="ctr">
+            <a:normAutofit/>
+          </a:bodyPr>
+          <a:lstStyle/>
+          <a:p>
+            <a:endParaRPr lang="en-GB" dirty="0">
+              <a:solidFill>
+                <a:srgbClr val="262626"/>
+              </a:solidFill>
+            </a:endParaRPr>
+          </a:p>
+          <a:p>
+            <a:endParaRPr lang="en-GB" dirty="0">
+              <a:solidFill>
+                <a:srgbClr val="262626"/>
+              </a:solidFill>
+            </a:endParaRPr>
+          </a:p>
+          <a:p>
+            <a:pPr marL="0" indent="0" algn="ctr">
+              <a:buNone/>
+            </a:pPr>
+            <a:r>
+              <a:rPr lang="en-GB" sz="5400" dirty="0"/>
+              <a:t>Demo Time</a:t>
+            </a:r>
+            <a:endParaRPr lang="en-GB" sz="5400" dirty="0">
+              <a:solidFill>
+                <a:srgbClr val="262626"/>
+              </a:solidFill>
+            </a:endParaRPr>
+          </a:p>
+          <a:p>
+            <a:endParaRPr lang="en-GB" dirty="0">
+              <a:solidFill>
+                <a:srgbClr val="262626"/>
+              </a:solidFill>
+            </a:endParaRPr>
+          </a:p>
+          <a:p>
+            <a:endParaRPr lang="en-GB" dirty="0">
+              <a:solidFill>
+                <a:schemeClr val="tx1">
+                  <a:lumMod val="95000"/>
+                  <a:lumOff val="5000"/>
+                </a:schemeClr>
+              </a:solidFill>
+            </a:endParaRPr>
+          </a:p>
+        </p:txBody>
+      </p:sp>
+    </p:spTree>
+    <p:extLst>
+      <p:ext uri="{BB962C8B-B14F-4D97-AF65-F5344CB8AC3E}">
+        <p14:creationId xmlns:p14="http://schemas.microsoft.com/office/powerpoint/2010/main" val="2544686190"/>
+      </p:ext>
+    </p:extLst>
+  </p:cSld>
+  <p:clrMapOvr>
+    <a:masterClrMapping/>
+  </p:clrMapOvr>
+</p:sld>
+</file>
+
+<file path=ppt/slides/slide27.xml><?xml version="1.0" encoding="utf-8"?>
 <p:sld xmlns:a="http://schemas.openxmlformats.org/drawingml/2006/main" xmlns:r="http://schemas.openxmlformats.org/officeDocument/2006/relationships" xmlns:p="http://schemas.openxmlformats.org/presentationml/2006/main">
   <p:cSld>
     <p:spTree>
@@ -6835,7 +10663,7 @@
 </p:sld>
 </file>
 
-<file path=ppt/slides/slide16.xml><?xml version="1.0" encoding="utf-8"?>
+<file path=ppt/slides/slide28.xml><?xml version="1.0" encoding="utf-8"?>
 <p:sld xmlns:a="http://schemas.openxmlformats.org/drawingml/2006/main" xmlns:r="http://schemas.openxmlformats.org/officeDocument/2006/relationships" xmlns:p="http://schemas.openxmlformats.org/presentationml/2006/main">
   <p:cSld>
     <p:spTree>
@@ -7031,36 +10859,22 @@
               <a:rPr lang="en-GB" dirty="0">
                 <a:hlinkClick r:id="rId2"/>
               </a:rPr>
-              <a:t>https://github.com/Paul-Hadfield/vue-game-of-life</a:t>
+              <a:t>https://github.com/Paul-Hadfield/GameOfLife-Talk</a:t>
             </a:r>
             <a:endParaRPr lang="en-GB" dirty="0"/>
           </a:p>
           <a:p>
             <a:pPr lvl="1"/>
+            <a:endParaRPr lang="en-GB" dirty="0"/>
+          </a:p>
+          <a:p>
+            <a:r>
+              <a:rPr lang="en-GB" dirty="0"/>
+              <a:t>Contact me on Twitter: </a:t>
+            </a:r>
             <a:r>
               <a:rPr lang="en-GB" dirty="0">
                 <a:hlinkClick r:id="rId3"/>
-              </a:rPr>
-              <a:t>https://github.com/Paul-Hadfield/react-game-of-life</a:t>
-            </a:r>
-            <a:endParaRPr lang="en-GB" dirty="0"/>
-          </a:p>
-          <a:p>
-            <a:pPr lvl="1"/>
-            <a:endParaRPr lang="en-GB" dirty="0"/>
-          </a:p>
-          <a:p>
-            <a:pPr lvl="1"/>
-            <a:endParaRPr lang="en-GB" dirty="0"/>
-          </a:p>
-          <a:p>
-            <a:r>
-              <a:rPr lang="en-GB" dirty="0"/>
-              <a:t>Contact me on Twitter: </a:t>
-            </a:r>
-            <a:r>
-              <a:rPr lang="en-GB" dirty="0">
-                <a:hlinkClick r:id="rId4"/>
               </a:rPr>
               <a:t>@Paul_Hadfield</a:t>
             </a:r>
@@ -7081,7 +10895,7 @@
 </p:sld>
 </file>
 
-<file path=ppt/slides/slide17.xml><?xml version="1.0" encoding="utf-8"?>
+<file path=ppt/slides/slide29.xml><?xml version="1.0" encoding="utf-8"?>
 <p:sld xmlns:a="http://schemas.openxmlformats.org/drawingml/2006/main" xmlns:r="http://schemas.openxmlformats.org/officeDocument/2006/relationships" xmlns:p="http://schemas.openxmlformats.org/presentationml/2006/main">
   <p:cSld>
     <p:spTree>
@@ -7139,283 +10953,6 @@
     <p:extLst>
       <p:ext uri="{BB962C8B-B14F-4D97-AF65-F5344CB8AC3E}">
         <p14:creationId xmlns:p14="http://schemas.microsoft.com/office/powerpoint/2010/main" val="1861908142"/>
-      </p:ext>
-    </p:extLst>
-  </p:cSld>
-  <p:clrMapOvr>
-    <a:masterClrMapping/>
-  </p:clrMapOvr>
-</p:sld>
-</file>
-
-<file path=ppt/slides/slide2.xml><?xml version="1.0" encoding="utf-8"?>
-<p:sld xmlns:a="http://schemas.openxmlformats.org/drawingml/2006/main" xmlns:r="http://schemas.openxmlformats.org/officeDocument/2006/relationships" xmlns:p="http://schemas.openxmlformats.org/presentationml/2006/main">
-  <p:cSld>
-    <p:spTree>
-      <p:nvGrpSpPr>
-        <p:cNvPr id="1" name=""/>
-        <p:cNvGrpSpPr/>
-        <p:nvPr/>
-      </p:nvGrpSpPr>
-      <p:grpSpPr>
-        <a:xfrm>
-          <a:off x="0" y="0"/>
-          <a:ext cx="0" cy="0"/>
-          <a:chOff x="0" y="0"/>
-          <a:chExt cx="0" cy="0"/>
-        </a:xfrm>
-      </p:grpSpPr>
-      <p:sp>
-        <p:nvSpPr>
-          <p:cNvPr id="5" name="Rectangle 4">
-            <a:extLst>
-              <a:ext uri="{FF2B5EF4-FFF2-40B4-BE49-F238E27FC236}">
-                <a16:creationId xmlns:a16="http://schemas.microsoft.com/office/drawing/2014/main" id="{D5ACF570-E79E-2640-9BAC-6883BF39F0F5}"/>
-              </a:ext>
-            </a:extLst>
-          </p:cNvPr>
-          <p:cNvSpPr/>
-          <p:nvPr/>
-        </p:nvSpPr>
-        <p:spPr>
-          <a:xfrm>
-            <a:off x="489527" y="1006765"/>
-            <a:ext cx="11259128" cy="5403272"/>
-          </a:xfrm>
-          <a:prstGeom prst="rect">
-            <a:avLst/>
-          </a:prstGeom>
-          <a:solidFill>
-            <a:schemeClr val="bg1"/>
-          </a:solidFill>
-          <a:ln w="38100">
-            <a:solidFill>
-              <a:schemeClr val="bg1">
-                <a:lumMod val="85000"/>
-              </a:schemeClr>
-            </a:solidFill>
-          </a:ln>
-          <a:effectLst/>
-        </p:spPr>
-        <p:style>
-          <a:lnRef idx="2">
-            <a:schemeClr val="accent1">
-              <a:shade val="50000"/>
-            </a:schemeClr>
-          </a:lnRef>
-          <a:fillRef idx="1">
-            <a:schemeClr val="accent1"/>
-          </a:fillRef>
-          <a:effectRef idx="0">
-            <a:schemeClr val="accent1"/>
-          </a:effectRef>
-          <a:fontRef idx="minor">
-            <a:schemeClr val="lt1"/>
-          </a:fontRef>
-        </p:style>
-        <p:txBody>
-          <a:bodyPr rtlCol="0" anchor="ctr"/>
-          <a:lstStyle/>
-          <a:p>
-            <a:pPr algn="ctr"/>
-            <a:endParaRPr lang="en-GB"/>
-          </a:p>
-        </p:txBody>
-      </p:sp>
-      <p:sp>
-        <p:nvSpPr>
-          <p:cNvPr id="4" name="Rectangle 3">
-            <a:extLst>
-              <a:ext uri="{FF2B5EF4-FFF2-40B4-BE49-F238E27FC236}">
-                <a16:creationId xmlns:a16="http://schemas.microsoft.com/office/drawing/2014/main" id="{5E8A8879-91B0-2D40-87A4-35E4DBD7C319}"/>
-              </a:ext>
-            </a:extLst>
-          </p:cNvPr>
-          <p:cNvSpPr/>
-          <p:nvPr/>
-        </p:nvSpPr>
-        <p:spPr>
-          <a:xfrm>
-            <a:off x="0" y="619676"/>
-            <a:ext cx="6038063" cy="778374"/>
-          </a:xfrm>
-          <a:prstGeom prst="rect">
-            <a:avLst/>
-          </a:prstGeom>
-          <a:solidFill>
-            <a:schemeClr val="accent5">
-              <a:lumMod val="75000"/>
-            </a:schemeClr>
-          </a:solidFill>
-          <a:ln>
-            <a:solidFill>
-              <a:schemeClr val="accent5">
-                <a:lumMod val="75000"/>
-              </a:schemeClr>
-            </a:solidFill>
-          </a:ln>
-        </p:spPr>
-        <p:style>
-          <a:lnRef idx="2">
-            <a:schemeClr val="accent1">
-              <a:shade val="50000"/>
-            </a:schemeClr>
-          </a:lnRef>
-          <a:fillRef idx="1">
-            <a:schemeClr val="accent1"/>
-          </a:fillRef>
-          <a:effectRef idx="0">
-            <a:schemeClr val="accent1"/>
-          </a:effectRef>
-          <a:fontRef idx="minor">
-            <a:schemeClr val="lt1"/>
-          </a:fontRef>
-        </p:style>
-        <p:txBody>
-          <a:bodyPr rtlCol="0" anchor="ctr"/>
-          <a:lstStyle/>
-          <a:p>
-            <a:pPr algn="ctr"/>
-            <a:endParaRPr lang="en-GB"/>
-          </a:p>
-        </p:txBody>
-      </p:sp>
-      <p:sp>
-        <p:nvSpPr>
-          <p:cNvPr id="2" name="Title 1">
-            <a:extLst>
-              <a:ext uri="{FF2B5EF4-FFF2-40B4-BE49-F238E27FC236}">
-                <a16:creationId xmlns:a16="http://schemas.microsoft.com/office/drawing/2014/main" id="{15E2D054-0EA1-F147-94DF-B76E1146849D}"/>
-              </a:ext>
-            </a:extLst>
-          </p:cNvPr>
-          <p:cNvSpPr>
-            <a:spLocks noGrp="1"/>
-          </p:cNvSpPr>
-          <p:nvPr>
-            <p:ph type="title"/>
-          </p:nvPr>
-        </p:nvSpPr>
-        <p:spPr/>
-        <p:txBody>
-          <a:bodyPr/>
-          <a:lstStyle/>
-          <a:p>
-            <a:r>
-              <a:rPr lang="en-GB" dirty="0">
-                <a:solidFill>
-                  <a:schemeClr val="bg1"/>
-                </a:solidFill>
-              </a:rPr>
-              <a:t>Tonight’s Presentation</a:t>
-            </a:r>
-          </a:p>
-        </p:txBody>
-      </p:sp>
-      <p:sp>
-        <p:nvSpPr>
-          <p:cNvPr id="3" name="Content Placeholder 2">
-            <a:extLst>
-              <a:ext uri="{FF2B5EF4-FFF2-40B4-BE49-F238E27FC236}">
-                <a16:creationId xmlns:a16="http://schemas.microsoft.com/office/drawing/2014/main" id="{DB728CB9-00F4-F049-BBFE-F2677B71A91F}"/>
-              </a:ext>
-            </a:extLst>
-          </p:cNvPr>
-          <p:cNvSpPr>
-            <a:spLocks noGrp="1"/>
-          </p:cNvSpPr>
-          <p:nvPr>
-            <p:ph idx="1"/>
-          </p:nvPr>
-        </p:nvSpPr>
-        <p:spPr/>
-        <p:txBody>
-          <a:bodyPr>
-            <a:normAutofit/>
-          </a:bodyPr>
-          <a:lstStyle/>
-          <a:p>
-            <a:r>
-              <a:rPr lang="en-GB" dirty="0"/>
-              <a:t>About me:</a:t>
-            </a:r>
-          </a:p>
-          <a:p>
-            <a:pPr lvl="1"/>
-            <a:r>
-              <a:rPr lang="en-GB" dirty="0"/>
-              <a:t>Senior Innovation Developer at </a:t>
-            </a:r>
-            <a:r>
-              <a:rPr lang="en-GB" dirty="0" err="1"/>
-              <a:t>AutomationSquared</a:t>
-            </a:r>
-            <a:endParaRPr lang="en-GB" dirty="0"/>
-          </a:p>
-          <a:p>
-            <a:pPr lvl="2"/>
-            <a:r>
-              <a:rPr lang="en-GB" dirty="0"/>
-              <a:t>A digital prototype laboratory, based out of Horsham</a:t>
-            </a:r>
-          </a:p>
-          <a:p>
-            <a:pPr lvl="1"/>
-            <a:r>
-              <a:rPr lang="en-GB" dirty="0"/>
-              <a:t>Has had a love/hate relationship with </a:t>
-            </a:r>
-            <a:r>
-              <a:rPr lang="en-GB" dirty="0" err="1"/>
-              <a:t>Javascript</a:t>
-            </a:r>
-            <a:r>
-              <a:rPr lang="en-GB" dirty="0"/>
-              <a:t> since its inception</a:t>
-            </a:r>
-          </a:p>
-          <a:p>
-            <a:pPr lvl="1"/>
-            <a:endParaRPr lang="en-GB" dirty="0"/>
-          </a:p>
-          <a:p>
-            <a:r>
-              <a:rPr lang="en-GB" dirty="0"/>
-              <a:t>I’ll introduce: </a:t>
-            </a:r>
-          </a:p>
-          <a:p>
-            <a:pPr lvl="1"/>
-            <a:r>
-              <a:rPr lang="en-GB" dirty="0"/>
-              <a:t>Conway’s “Game Of Life”</a:t>
-            </a:r>
-          </a:p>
-          <a:p>
-            <a:pPr lvl="1"/>
-            <a:r>
-              <a:rPr lang="en-GB" dirty="0"/>
-              <a:t>Some basic concepts of React and </a:t>
-            </a:r>
-            <a:r>
-              <a:rPr lang="en-GB" dirty="0" err="1"/>
-              <a:t>Vue</a:t>
-            </a:r>
-            <a:endParaRPr lang="en-GB" dirty="0"/>
-          </a:p>
-          <a:p>
-            <a:pPr lvl="1"/>
-            <a:r>
-              <a:rPr lang="en-GB" dirty="0"/>
-              <a:t>A step by step approach to building a working website</a:t>
-            </a:r>
-          </a:p>
-        </p:txBody>
-      </p:sp>
-    </p:spTree>
-    <p:extLst>
-      <p:ext uri="{BB962C8B-B14F-4D97-AF65-F5344CB8AC3E}">
-        <p14:creationId xmlns:p14="http://schemas.microsoft.com/office/powerpoint/2010/main" val="437062472"/>
       </p:ext>
     </p:extLst>
   </p:cSld>

--- a/Game Of Life Presentation.pptx
+++ b/Game Of Life Presentation.pptx
@@ -17,23 +17,24 @@
     <p:sldId id="302" r:id="rId11"/>
     <p:sldId id="303" r:id="rId12"/>
     <p:sldId id="304" r:id="rId13"/>
-    <p:sldId id="297" r:id="rId14"/>
-    <p:sldId id="305" r:id="rId15"/>
-    <p:sldId id="315" r:id="rId16"/>
-    <p:sldId id="316" r:id="rId17"/>
-    <p:sldId id="310" r:id="rId18"/>
-    <p:sldId id="314" r:id="rId19"/>
-    <p:sldId id="306" r:id="rId20"/>
-    <p:sldId id="311" r:id="rId21"/>
-    <p:sldId id="307" r:id="rId22"/>
-    <p:sldId id="312" r:id="rId23"/>
+    <p:sldId id="318" r:id="rId14"/>
+    <p:sldId id="315" r:id="rId15"/>
+    <p:sldId id="316" r:id="rId16"/>
+    <p:sldId id="310" r:id="rId17"/>
+    <p:sldId id="314" r:id="rId18"/>
+    <p:sldId id="306" r:id="rId19"/>
+    <p:sldId id="311" r:id="rId20"/>
+    <p:sldId id="307" r:id="rId21"/>
+    <p:sldId id="312" r:id="rId22"/>
+    <p:sldId id="308" r:id="rId23"/>
     <p:sldId id="317" r:id="rId24"/>
-    <p:sldId id="308" r:id="rId25"/>
+    <p:sldId id="319" r:id="rId25"/>
     <p:sldId id="313" r:id="rId26"/>
     <p:sldId id="309" r:id="rId27"/>
     <p:sldId id="294" r:id="rId28"/>
-    <p:sldId id="279" r:id="rId29"/>
-    <p:sldId id="292" r:id="rId30"/>
+    <p:sldId id="320" r:id="rId29"/>
+    <p:sldId id="279" r:id="rId30"/>
+    <p:sldId id="292" r:id="rId31"/>
   </p:sldIdLst>
   <p:sldSz cx="12192000" cy="6858000"/>
   <p:notesSz cx="6858000" cy="9144000"/>
@@ -1568,7 +1569,7 @@
           <a:p>
             <a:fld id="{67087861-6164-914A-9955-529BA7FEFB22}" type="datetimeFigureOut">
               <a:rPr lang="en-GB" smtClean="0"/>
-              <a:t>19/05/2019</a:t>
+              <a:t>20/05/2019</a:t>
             </a:fld>
             <a:endParaRPr lang="en-GB"/>
           </a:p>
@@ -1768,7 +1769,7 @@
           <a:p>
             <a:fld id="{67087861-6164-914A-9955-529BA7FEFB22}" type="datetimeFigureOut">
               <a:rPr lang="en-GB" smtClean="0"/>
-              <a:t>19/05/2019</a:t>
+              <a:t>20/05/2019</a:t>
             </a:fld>
             <a:endParaRPr lang="en-GB"/>
           </a:p>
@@ -1978,7 +1979,7 @@
           <a:p>
             <a:fld id="{67087861-6164-914A-9955-529BA7FEFB22}" type="datetimeFigureOut">
               <a:rPr lang="en-GB" smtClean="0"/>
-              <a:t>19/05/2019</a:t>
+              <a:t>20/05/2019</a:t>
             </a:fld>
             <a:endParaRPr lang="en-GB"/>
           </a:p>
@@ -2178,7 +2179,7 @@
           <a:p>
             <a:fld id="{67087861-6164-914A-9955-529BA7FEFB22}" type="datetimeFigureOut">
               <a:rPr lang="en-GB" smtClean="0"/>
-              <a:t>19/05/2019</a:t>
+              <a:t>20/05/2019</a:t>
             </a:fld>
             <a:endParaRPr lang="en-GB"/>
           </a:p>
@@ -2454,7 +2455,7 @@
           <a:p>
             <a:fld id="{67087861-6164-914A-9955-529BA7FEFB22}" type="datetimeFigureOut">
               <a:rPr lang="en-GB" smtClean="0"/>
-              <a:t>19/05/2019</a:t>
+              <a:t>20/05/2019</a:t>
             </a:fld>
             <a:endParaRPr lang="en-GB"/>
           </a:p>
@@ -2722,7 +2723,7 @@
           <a:p>
             <a:fld id="{67087861-6164-914A-9955-529BA7FEFB22}" type="datetimeFigureOut">
               <a:rPr lang="en-GB" smtClean="0"/>
-              <a:t>19/05/2019</a:t>
+              <a:t>20/05/2019</a:t>
             </a:fld>
             <a:endParaRPr lang="en-GB"/>
           </a:p>
@@ -3137,7 +3138,7 @@
           <a:p>
             <a:fld id="{67087861-6164-914A-9955-529BA7FEFB22}" type="datetimeFigureOut">
               <a:rPr lang="en-GB" smtClean="0"/>
-              <a:t>19/05/2019</a:t>
+              <a:t>20/05/2019</a:t>
             </a:fld>
             <a:endParaRPr lang="en-GB"/>
           </a:p>
@@ -3279,7 +3280,7 @@
           <a:p>
             <a:fld id="{67087861-6164-914A-9955-529BA7FEFB22}" type="datetimeFigureOut">
               <a:rPr lang="en-GB" smtClean="0"/>
-              <a:t>19/05/2019</a:t>
+              <a:t>20/05/2019</a:t>
             </a:fld>
             <a:endParaRPr lang="en-GB"/>
           </a:p>
@@ -3392,7 +3393,7 @@
           <a:p>
             <a:fld id="{67087861-6164-914A-9955-529BA7FEFB22}" type="datetimeFigureOut">
               <a:rPr lang="en-GB" smtClean="0"/>
-              <a:t>19/05/2019</a:t>
+              <a:t>20/05/2019</a:t>
             </a:fld>
             <a:endParaRPr lang="en-GB"/>
           </a:p>
@@ -3705,7 +3706,7 @@
           <a:p>
             <a:fld id="{67087861-6164-914A-9955-529BA7FEFB22}" type="datetimeFigureOut">
               <a:rPr lang="en-GB" smtClean="0"/>
-              <a:t>19/05/2019</a:t>
+              <a:t>20/05/2019</a:t>
             </a:fld>
             <a:endParaRPr lang="en-GB"/>
           </a:p>
@@ -3994,7 +3995,7 @@
           <a:p>
             <a:fld id="{67087861-6164-914A-9955-529BA7FEFB22}" type="datetimeFigureOut">
               <a:rPr lang="en-GB" smtClean="0"/>
-              <a:t>19/05/2019</a:t>
+              <a:t>20/05/2019</a:t>
             </a:fld>
             <a:endParaRPr lang="en-GB"/>
           </a:p>
@@ -4258,7 +4259,7 @@
           <a:p>
             <a:fld id="{67087861-6164-914A-9955-529BA7FEFB22}" type="datetimeFigureOut">
               <a:rPr lang="en-GB" smtClean="0"/>
-              <a:t>19/05/2019</a:t>
+              <a:t>20/05/2019</a:t>
             </a:fld>
             <a:endParaRPr lang="en-GB"/>
           </a:p>
@@ -5935,257 +5936,6 @@
         </p:nvSpPr>
         <p:spPr>
           <a:xfrm>
-            <a:off x="466436" y="1022992"/>
-            <a:ext cx="11259128" cy="5403272"/>
-          </a:xfrm>
-          <a:prstGeom prst="rect">
-            <a:avLst/>
-          </a:prstGeom>
-          <a:solidFill>
-            <a:schemeClr val="bg1"/>
-          </a:solidFill>
-          <a:ln w="38100">
-            <a:solidFill>
-              <a:schemeClr val="bg1">
-                <a:lumMod val="85000"/>
-              </a:schemeClr>
-            </a:solidFill>
-          </a:ln>
-          <a:effectLst/>
-        </p:spPr>
-        <p:style>
-          <a:lnRef idx="2">
-            <a:schemeClr val="accent1">
-              <a:shade val="50000"/>
-            </a:schemeClr>
-          </a:lnRef>
-          <a:fillRef idx="1">
-            <a:schemeClr val="accent1"/>
-          </a:fillRef>
-          <a:effectRef idx="0">
-            <a:schemeClr val="accent1"/>
-          </a:effectRef>
-          <a:fontRef idx="minor">
-            <a:schemeClr val="lt1"/>
-          </a:fontRef>
-        </p:style>
-        <p:txBody>
-          <a:bodyPr rtlCol="0" anchor="ctr"/>
-          <a:lstStyle/>
-          <a:p>
-            <a:pPr algn="ctr"/>
-            <a:endParaRPr lang="en-GB"/>
-          </a:p>
-        </p:txBody>
-      </p:sp>
-      <p:sp>
-        <p:nvSpPr>
-          <p:cNvPr id="7" name="Rectangle 6">
-            <a:extLst>
-              <a:ext uri="{FF2B5EF4-FFF2-40B4-BE49-F238E27FC236}">
-                <a16:creationId xmlns:a16="http://schemas.microsoft.com/office/drawing/2014/main" id="{9AF4DE53-90EF-7F47-861C-9C4C0AB55427}"/>
-              </a:ext>
-            </a:extLst>
-          </p:cNvPr>
-          <p:cNvSpPr/>
-          <p:nvPr/>
-        </p:nvSpPr>
-        <p:spPr>
-          <a:xfrm>
-            <a:off x="-1" y="619676"/>
-            <a:ext cx="8334303" cy="778374"/>
-          </a:xfrm>
-          <a:prstGeom prst="rect">
-            <a:avLst/>
-          </a:prstGeom>
-          <a:solidFill>
-            <a:schemeClr val="accent5">
-              <a:lumMod val="75000"/>
-            </a:schemeClr>
-          </a:solidFill>
-          <a:ln>
-            <a:solidFill>
-              <a:schemeClr val="accent5">
-                <a:lumMod val="75000"/>
-              </a:schemeClr>
-            </a:solidFill>
-          </a:ln>
-        </p:spPr>
-        <p:style>
-          <a:lnRef idx="2">
-            <a:schemeClr val="accent1">
-              <a:shade val="50000"/>
-            </a:schemeClr>
-          </a:lnRef>
-          <a:fillRef idx="1">
-            <a:schemeClr val="accent1"/>
-          </a:fillRef>
-          <a:effectRef idx="0">
-            <a:schemeClr val="accent1"/>
-          </a:effectRef>
-          <a:fontRef idx="minor">
-            <a:schemeClr val="lt1"/>
-          </a:fontRef>
-        </p:style>
-        <p:txBody>
-          <a:bodyPr rtlCol="0" anchor="ctr"/>
-          <a:lstStyle/>
-          <a:p>
-            <a:pPr algn="ctr"/>
-            <a:endParaRPr lang="en-GB"/>
-          </a:p>
-        </p:txBody>
-      </p:sp>
-      <p:sp>
-        <p:nvSpPr>
-          <p:cNvPr id="2" name="Title 1">
-            <a:extLst>
-              <a:ext uri="{FF2B5EF4-FFF2-40B4-BE49-F238E27FC236}">
-                <a16:creationId xmlns:a16="http://schemas.microsoft.com/office/drawing/2014/main" id="{254FBC8B-1A4D-6345-B036-5F2A1C93A1B3}"/>
-              </a:ext>
-            </a:extLst>
-          </p:cNvPr>
-          <p:cNvSpPr>
-            <a:spLocks noGrp="1"/>
-          </p:cNvSpPr>
-          <p:nvPr>
-            <p:ph type="title"/>
-          </p:nvPr>
-        </p:nvSpPr>
-        <p:spPr/>
-        <p:txBody>
-          <a:bodyPr/>
-          <a:lstStyle/>
-          <a:p>
-            <a:r>
-              <a:rPr lang="en-GB" dirty="0">
-                <a:solidFill>
-                  <a:schemeClr val="bg1"/>
-                </a:solidFill>
-              </a:rPr>
-              <a:t>Demo 1 – “Game Of Life” engine</a:t>
-            </a:r>
-          </a:p>
-        </p:txBody>
-      </p:sp>
-      <p:sp>
-        <p:nvSpPr>
-          <p:cNvPr id="3" name="Content Placeholder 2">
-            <a:extLst>
-              <a:ext uri="{FF2B5EF4-FFF2-40B4-BE49-F238E27FC236}">
-                <a16:creationId xmlns:a16="http://schemas.microsoft.com/office/drawing/2014/main" id="{677C7FCF-5D28-EE49-A660-749D297FD87D}"/>
-              </a:ext>
-            </a:extLst>
-          </p:cNvPr>
-          <p:cNvSpPr>
-            <a:spLocks noGrp="1"/>
-          </p:cNvSpPr>
-          <p:nvPr>
-            <p:ph idx="1"/>
-          </p:nvPr>
-        </p:nvSpPr>
-        <p:spPr>
-          <a:xfrm>
-            <a:off x="838200" y="1825625"/>
-            <a:ext cx="10515600" cy="4275252"/>
-          </a:xfrm>
-        </p:spPr>
-        <p:txBody>
-          <a:bodyPr anchor="ctr">
-            <a:normAutofit/>
-          </a:bodyPr>
-          <a:lstStyle/>
-          <a:p>
-            <a:endParaRPr lang="en-GB" dirty="0">
-              <a:solidFill>
-                <a:srgbClr val="262626"/>
-              </a:solidFill>
-            </a:endParaRPr>
-          </a:p>
-          <a:p>
-            <a:endParaRPr lang="en-GB" dirty="0">
-              <a:solidFill>
-                <a:srgbClr val="262626"/>
-              </a:solidFill>
-            </a:endParaRPr>
-          </a:p>
-          <a:p>
-            <a:pPr marL="0" indent="0" algn="ctr">
-              <a:buNone/>
-            </a:pPr>
-            <a:r>
-              <a:rPr lang="en-GB" sz="5400" dirty="0"/>
-              <a:t>Demo Time</a:t>
-            </a:r>
-            <a:endParaRPr lang="en-GB" sz="5400" dirty="0">
-              <a:solidFill>
-                <a:srgbClr val="262626"/>
-              </a:solidFill>
-            </a:endParaRPr>
-          </a:p>
-          <a:p>
-            <a:endParaRPr lang="en-GB" dirty="0">
-              <a:solidFill>
-                <a:srgbClr val="262626"/>
-              </a:solidFill>
-            </a:endParaRPr>
-          </a:p>
-          <a:p>
-            <a:endParaRPr lang="en-GB" dirty="0">
-              <a:solidFill>
-                <a:schemeClr val="tx1">
-                  <a:lumMod val="95000"/>
-                  <a:lumOff val="5000"/>
-                </a:schemeClr>
-              </a:solidFill>
-            </a:endParaRPr>
-          </a:p>
-        </p:txBody>
-      </p:sp>
-    </p:spTree>
-    <p:extLst>
-      <p:ext uri="{BB962C8B-B14F-4D97-AF65-F5344CB8AC3E}">
-        <p14:creationId xmlns:p14="http://schemas.microsoft.com/office/powerpoint/2010/main" val="4174621216"/>
-      </p:ext>
-    </p:extLst>
-  </p:cSld>
-  <p:clrMapOvr>
-    <a:masterClrMapping/>
-  </p:clrMapOvr>
-</p:sld>
-</file>
-
-<file path=ppt/slides/slide14.xml><?xml version="1.0" encoding="utf-8"?>
-<p:sld xmlns:a="http://schemas.openxmlformats.org/drawingml/2006/main" xmlns:r="http://schemas.openxmlformats.org/officeDocument/2006/relationships" xmlns:p="http://schemas.openxmlformats.org/presentationml/2006/main">
-  <p:cSld>
-    <p:spTree>
-      <p:nvGrpSpPr>
-        <p:cNvPr id="1" name=""/>
-        <p:cNvGrpSpPr/>
-        <p:nvPr/>
-      </p:nvGrpSpPr>
-      <p:grpSpPr>
-        <a:xfrm>
-          <a:off x="0" y="0"/>
-          <a:ext cx="0" cy="0"/>
-          <a:chOff x="0" y="0"/>
-          <a:chExt cx="0" cy="0"/>
-        </a:xfrm>
-      </p:grpSpPr>
-      <p:sp>
-        <p:nvSpPr>
-          <p:cNvPr id="8" name="Rectangle 7">
-            <a:extLst>
-              <a:ext uri="{FF2B5EF4-FFF2-40B4-BE49-F238E27FC236}">
-                <a16:creationId xmlns:a16="http://schemas.microsoft.com/office/drawing/2014/main" id="{866B5D3B-26CD-B245-BCAD-9F19CF15B083}"/>
-              </a:ext>
-            </a:extLst>
-          </p:cNvPr>
-          <p:cNvSpPr/>
-          <p:nvPr/>
-        </p:nvSpPr>
-        <p:spPr>
-          <a:xfrm>
             <a:off x="489527" y="1006765"/>
             <a:ext cx="11259128" cy="5403272"/>
           </a:xfrm>
@@ -6577,7 +6327,7 @@
     </p:spTree>
     <p:extLst>
       <p:ext uri="{BB962C8B-B14F-4D97-AF65-F5344CB8AC3E}">
-        <p14:creationId xmlns:p14="http://schemas.microsoft.com/office/powerpoint/2010/main" val="32790303"/>
+        <p14:creationId xmlns:p14="http://schemas.microsoft.com/office/powerpoint/2010/main" val="3396665017"/>
       </p:ext>
     </p:extLst>
   </p:cSld>
@@ -6587,7 +6337,7 @@
 </p:sld>
 </file>
 
-<file path=ppt/slides/slide15.xml><?xml version="1.0" encoding="utf-8"?>
+<file path=ppt/slides/slide14.xml><?xml version="1.0" encoding="utf-8"?>
 <p:sld xmlns:a="http://schemas.openxmlformats.org/drawingml/2006/main" xmlns:r="http://schemas.openxmlformats.org/officeDocument/2006/relationships" xmlns:p="http://schemas.openxmlformats.org/presentationml/2006/main">
   <p:cSld>
     <p:spTree>
@@ -6933,7 +6683,7 @@
 </p:sld>
 </file>
 
-<file path=ppt/slides/slide16.xml><?xml version="1.0" encoding="utf-8"?>
+<file path=ppt/slides/slide15.xml><?xml version="1.0" encoding="utf-8"?>
 <p:sld xmlns:a="http://schemas.openxmlformats.org/drawingml/2006/main" xmlns:r="http://schemas.openxmlformats.org/officeDocument/2006/relationships" xmlns:p="http://schemas.openxmlformats.org/presentationml/2006/main">
   <p:cSld>
     <p:spTree>
@@ -7150,6 +6900,25 @@
                   <a:srgbClr val="262626"/>
                 </a:solidFill>
               </a:rPr>
+              <a:t>Use ES6 features (arrow functions)</a:t>
+            </a:r>
+          </a:p>
+          <a:p>
+            <a:pPr lvl="1"/>
+            <a:endParaRPr lang="en-GB" dirty="0">
+              <a:solidFill>
+                <a:srgbClr val="262626"/>
+              </a:solidFill>
+            </a:endParaRPr>
+          </a:p>
+          <a:p>
+            <a:pPr lvl="1"/>
+            <a:r>
+              <a:rPr lang="en-GB" dirty="0">
+                <a:solidFill>
+                  <a:srgbClr val="262626"/>
+                </a:solidFill>
+              </a:rPr>
               <a:t>Keep things as simple as possible</a:t>
             </a:r>
           </a:p>
@@ -7217,7 +6986,7 @@
 </p:sld>
 </file>
 
-<file path=ppt/slides/slide17.xml><?xml version="1.0" encoding="utf-8"?>
+<file path=ppt/slides/slide16.xml><?xml version="1.0" encoding="utf-8"?>
 <p:sld xmlns:a="http://schemas.openxmlformats.org/drawingml/2006/main" xmlns:r="http://schemas.openxmlformats.org/officeDocument/2006/relationships" xmlns:p="http://schemas.openxmlformats.org/presentationml/2006/main">
   <p:cSld>
     <p:spTree>
@@ -7570,7 +7339,7 @@
 </p:sld>
 </file>
 
-<file path=ppt/slides/slide18.xml><?xml version="1.0" encoding="utf-8"?>
+<file path=ppt/slides/slide17.xml><?xml version="1.0" encoding="utf-8"?>
 <p:sld xmlns:a="http://schemas.openxmlformats.org/drawingml/2006/main" xmlns:r="http://schemas.openxmlformats.org/officeDocument/2006/relationships" xmlns:p="http://schemas.openxmlformats.org/presentationml/2006/main">
   <p:cSld>
     <p:spTree>
@@ -7889,7 +7658,7 @@
 </p:sld>
 </file>
 
-<file path=ppt/slides/slide19.xml><?xml version="1.0" encoding="utf-8"?>
+<file path=ppt/slides/slide18.xml><?xml version="1.0" encoding="utf-8"?>
 <p:sld xmlns:a="http://schemas.openxmlformats.org/drawingml/2006/main" xmlns:r="http://schemas.openxmlformats.org/officeDocument/2006/relationships" xmlns:p="http://schemas.openxmlformats.org/presentationml/2006/main">
   <p:cSld>
     <p:spTree>
@@ -8048,7 +7817,7 @@
                   <a:schemeClr val="bg1"/>
                 </a:solidFill>
               </a:rPr>
-              <a:t>Demo 2 – Display Initial State</a:t>
+              <a:t>Demo 1 – Display Initial State</a:t>
             </a:r>
           </a:p>
         </p:txBody>
@@ -8131,6 +7900,304 @@
     <p:extLst>
       <p:ext uri="{BB962C8B-B14F-4D97-AF65-F5344CB8AC3E}">
         <p14:creationId xmlns:p14="http://schemas.microsoft.com/office/powerpoint/2010/main" val="789877708"/>
+      </p:ext>
+    </p:extLst>
+  </p:cSld>
+  <p:clrMapOvr>
+    <a:masterClrMapping/>
+  </p:clrMapOvr>
+</p:sld>
+</file>
+
+<file path=ppt/slides/slide19.xml><?xml version="1.0" encoding="utf-8"?>
+<p:sld xmlns:a="http://schemas.openxmlformats.org/drawingml/2006/main" xmlns:r="http://schemas.openxmlformats.org/officeDocument/2006/relationships" xmlns:p="http://schemas.openxmlformats.org/presentationml/2006/main">
+  <p:cSld>
+    <p:spTree>
+      <p:nvGrpSpPr>
+        <p:cNvPr id="1" name=""/>
+        <p:cNvGrpSpPr/>
+        <p:nvPr/>
+      </p:nvGrpSpPr>
+      <p:grpSpPr>
+        <a:xfrm>
+          <a:off x="0" y="0"/>
+          <a:ext cx="0" cy="0"/>
+          <a:chOff x="0" y="0"/>
+          <a:chExt cx="0" cy="0"/>
+        </a:xfrm>
+      </p:grpSpPr>
+      <p:sp>
+        <p:nvSpPr>
+          <p:cNvPr id="8" name="Rectangle 7">
+            <a:extLst>
+              <a:ext uri="{FF2B5EF4-FFF2-40B4-BE49-F238E27FC236}">
+                <a16:creationId xmlns:a16="http://schemas.microsoft.com/office/drawing/2014/main" id="{866B5D3B-26CD-B245-BCAD-9F19CF15B083}"/>
+              </a:ext>
+            </a:extLst>
+          </p:cNvPr>
+          <p:cNvSpPr/>
+          <p:nvPr/>
+        </p:nvSpPr>
+        <p:spPr>
+          <a:xfrm>
+            <a:off x="489527" y="1006765"/>
+            <a:ext cx="11259128" cy="5403272"/>
+          </a:xfrm>
+          <a:prstGeom prst="rect">
+            <a:avLst/>
+          </a:prstGeom>
+          <a:solidFill>
+            <a:schemeClr val="bg1"/>
+          </a:solidFill>
+          <a:ln w="38100">
+            <a:solidFill>
+              <a:schemeClr val="bg1">
+                <a:lumMod val="85000"/>
+              </a:schemeClr>
+            </a:solidFill>
+          </a:ln>
+          <a:effectLst/>
+        </p:spPr>
+        <p:style>
+          <a:lnRef idx="2">
+            <a:schemeClr val="accent1">
+              <a:shade val="50000"/>
+            </a:schemeClr>
+          </a:lnRef>
+          <a:fillRef idx="1">
+            <a:schemeClr val="accent1"/>
+          </a:fillRef>
+          <a:effectRef idx="0">
+            <a:schemeClr val="accent1"/>
+          </a:effectRef>
+          <a:fontRef idx="minor">
+            <a:schemeClr val="lt1"/>
+          </a:fontRef>
+        </p:style>
+        <p:txBody>
+          <a:bodyPr rtlCol="0" anchor="ctr"/>
+          <a:lstStyle/>
+          <a:p>
+            <a:pPr algn="ctr"/>
+            <a:endParaRPr lang="en-GB"/>
+          </a:p>
+        </p:txBody>
+      </p:sp>
+      <p:sp>
+        <p:nvSpPr>
+          <p:cNvPr id="7" name="Rectangle 6">
+            <a:extLst>
+              <a:ext uri="{FF2B5EF4-FFF2-40B4-BE49-F238E27FC236}">
+                <a16:creationId xmlns:a16="http://schemas.microsoft.com/office/drawing/2014/main" id="{9AF4DE53-90EF-7F47-861C-9C4C0AB55427}"/>
+              </a:ext>
+            </a:extLst>
+          </p:cNvPr>
+          <p:cNvSpPr/>
+          <p:nvPr/>
+        </p:nvSpPr>
+        <p:spPr>
+          <a:xfrm>
+            <a:off x="0" y="619676"/>
+            <a:ext cx="5528281" cy="778374"/>
+          </a:xfrm>
+          <a:prstGeom prst="rect">
+            <a:avLst/>
+          </a:prstGeom>
+          <a:solidFill>
+            <a:schemeClr val="accent5">
+              <a:lumMod val="75000"/>
+            </a:schemeClr>
+          </a:solidFill>
+          <a:ln>
+            <a:solidFill>
+              <a:schemeClr val="accent5">
+                <a:lumMod val="75000"/>
+              </a:schemeClr>
+            </a:solidFill>
+          </a:ln>
+        </p:spPr>
+        <p:style>
+          <a:lnRef idx="2">
+            <a:schemeClr val="accent1">
+              <a:shade val="50000"/>
+            </a:schemeClr>
+          </a:lnRef>
+          <a:fillRef idx="1">
+            <a:schemeClr val="accent1"/>
+          </a:fillRef>
+          <a:effectRef idx="0">
+            <a:schemeClr val="accent1"/>
+          </a:effectRef>
+          <a:fontRef idx="minor">
+            <a:schemeClr val="lt1"/>
+          </a:fontRef>
+        </p:style>
+        <p:txBody>
+          <a:bodyPr rtlCol="0" anchor="ctr"/>
+          <a:lstStyle/>
+          <a:p>
+            <a:pPr algn="ctr"/>
+            <a:endParaRPr lang="en-GB"/>
+          </a:p>
+        </p:txBody>
+      </p:sp>
+      <p:sp>
+        <p:nvSpPr>
+          <p:cNvPr id="2" name="Title 1">
+            <a:extLst>
+              <a:ext uri="{FF2B5EF4-FFF2-40B4-BE49-F238E27FC236}">
+                <a16:creationId xmlns:a16="http://schemas.microsoft.com/office/drawing/2014/main" id="{254FBC8B-1A4D-6345-B036-5F2A1C93A1B3}"/>
+              </a:ext>
+            </a:extLst>
+          </p:cNvPr>
+          <p:cNvSpPr>
+            <a:spLocks noGrp="1"/>
+          </p:cNvSpPr>
+          <p:nvPr>
+            <p:ph type="title"/>
+          </p:nvPr>
+        </p:nvSpPr>
+        <p:spPr/>
+        <p:txBody>
+          <a:bodyPr/>
+          <a:lstStyle/>
+          <a:p>
+            <a:r>
+              <a:rPr lang="en-GB" dirty="0">
+                <a:solidFill>
+                  <a:schemeClr val="bg1"/>
+                </a:solidFill>
+              </a:rPr>
+              <a:t>Styling Components</a:t>
+            </a:r>
+          </a:p>
+        </p:txBody>
+      </p:sp>
+      <p:sp>
+        <p:nvSpPr>
+          <p:cNvPr id="3" name="Content Placeholder 2">
+            <a:extLst>
+              <a:ext uri="{FF2B5EF4-FFF2-40B4-BE49-F238E27FC236}">
+                <a16:creationId xmlns:a16="http://schemas.microsoft.com/office/drawing/2014/main" id="{677C7FCF-5D28-EE49-A660-749D297FD87D}"/>
+              </a:ext>
+            </a:extLst>
+          </p:cNvPr>
+          <p:cNvSpPr>
+            <a:spLocks noGrp="1"/>
+          </p:cNvSpPr>
+          <p:nvPr>
+            <p:ph idx="1"/>
+          </p:nvPr>
+        </p:nvSpPr>
+        <p:spPr>
+          <a:xfrm>
+            <a:off x="838200" y="1825625"/>
+            <a:ext cx="10515600" cy="3367743"/>
+          </a:xfrm>
+        </p:spPr>
+        <p:txBody>
+          <a:bodyPr>
+            <a:normAutofit/>
+          </a:bodyPr>
+          <a:lstStyle/>
+          <a:p>
+            <a:r>
+              <a:rPr lang="en-GB" dirty="0">
+                <a:solidFill>
+                  <a:srgbClr val="262626"/>
+                </a:solidFill>
+              </a:rPr>
+              <a:t>Apply ‘CSS Grid’ exiting Grid/Cell HTML </a:t>
+            </a:r>
+            <a:r>
+              <a:rPr lang="en-GB" dirty="0" err="1">
+                <a:solidFill>
+                  <a:srgbClr val="262626"/>
+                </a:solidFill>
+              </a:rPr>
+              <a:t>Div’s</a:t>
+            </a:r>
+            <a:endParaRPr lang="en-GB" dirty="0">
+              <a:solidFill>
+                <a:srgbClr val="262626"/>
+              </a:solidFill>
+            </a:endParaRPr>
+          </a:p>
+          <a:p>
+            <a:endParaRPr lang="en-GB" sz="1000" dirty="0">
+              <a:solidFill>
+                <a:srgbClr val="262626"/>
+              </a:solidFill>
+            </a:endParaRPr>
+          </a:p>
+          <a:p>
+            <a:r>
+              <a:rPr lang="en-GB" dirty="0">
+                <a:solidFill>
+                  <a:srgbClr val="262626"/>
+                </a:solidFill>
+              </a:rPr>
+              <a:t>Dynamically calculate grid dimensions</a:t>
+            </a:r>
+            <a:endParaRPr lang="en-GB" sz="1000" dirty="0">
+              <a:solidFill>
+                <a:srgbClr val="262626"/>
+              </a:solidFill>
+            </a:endParaRPr>
+          </a:p>
+          <a:p>
+            <a:pPr lvl="1"/>
+            <a:r>
+              <a:rPr lang="en-GB" dirty="0">
+                <a:solidFill>
+                  <a:srgbClr val="262626"/>
+                </a:solidFill>
+              </a:rPr>
+              <a:t>“Game Of Life” examples have different number of rows / columns</a:t>
+            </a:r>
+          </a:p>
+          <a:p>
+            <a:endParaRPr lang="en-GB" sz="1000" dirty="0">
+              <a:solidFill>
+                <a:srgbClr val="262626"/>
+              </a:solidFill>
+            </a:endParaRPr>
+          </a:p>
+          <a:p>
+            <a:r>
+              <a:rPr lang="en-GB" dirty="0">
+                <a:solidFill>
+                  <a:srgbClr val="262626"/>
+                </a:solidFill>
+              </a:rPr>
+              <a:t>Great Resource:</a:t>
+            </a:r>
+            <a:endParaRPr lang="en-GB" sz="1000" dirty="0">
+              <a:solidFill>
+                <a:srgbClr val="262626"/>
+              </a:solidFill>
+            </a:endParaRPr>
+          </a:p>
+          <a:p>
+            <a:pPr lvl="1"/>
+            <a:r>
+              <a:rPr lang="en-GB" dirty="0">
+                <a:hlinkClick r:id="rId2"/>
+              </a:rPr>
+              <a:t>https://gridbyexample.com/examples/</a:t>
+            </a:r>
+            <a:endParaRPr lang="en-GB" dirty="0">
+              <a:solidFill>
+                <a:srgbClr val="262626"/>
+              </a:solidFill>
+            </a:endParaRPr>
+          </a:p>
+        </p:txBody>
+      </p:sp>
+    </p:spTree>
+    <p:extLst>
+      <p:ext uri="{BB962C8B-B14F-4D97-AF65-F5344CB8AC3E}">
+        <p14:creationId xmlns:p14="http://schemas.microsoft.com/office/powerpoint/2010/main" val="2673352115"/>
       </p:ext>
     </p:extLst>
   </p:cSld>
@@ -8448,304 +8515,6 @@
         </p:nvSpPr>
         <p:spPr>
           <a:xfrm>
-            <a:off x="489527" y="1006765"/>
-            <a:ext cx="11259128" cy="5403272"/>
-          </a:xfrm>
-          <a:prstGeom prst="rect">
-            <a:avLst/>
-          </a:prstGeom>
-          <a:solidFill>
-            <a:schemeClr val="bg1"/>
-          </a:solidFill>
-          <a:ln w="38100">
-            <a:solidFill>
-              <a:schemeClr val="bg1">
-                <a:lumMod val="85000"/>
-              </a:schemeClr>
-            </a:solidFill>
-          </a:ln>
-          <a:effectLst/>
-        </p:spPr>
-        <p:style>
-          <a:lnRef idx="2">
-            <a:schemeClr val="accent1">
-              <a:shade val="50000"/>
-            </a:schemeClr>
-          </a:lnRef>
-          <a:fillRef idx="1">
-            <a:schemeClr val="accent1"/>
-          </a:fillRef>
-          <a:effectRef idx="0">
-            <a:schemeClr val="accent1"/>
-          </a:effectRef>
-          <a:fontRef idx="minor">
-            <a:schemeClr val="lt1"/>
-          </a:fontRef>
-        </p:style>
-        <p:txBody>
-          <a:bodyPr rtlCol="0" anchor="ctr"/>
-          <a:lstStyle/>
-          <a:p>
-            <a:pPr algn="ctr"/>
-            <a:endParaRPr lang="en-GB"/>
-          </a:p>
-        </p:txBody>
-      </p:sp>
-      <p:sp>
-        <p:nvSpPr>
-          <p:cNvPr id="7" name="Rectangle 6">
-            <a:extLst>
-              <a:ext uri="{FF2B5EF4-FFF2-40B4-BE49-F238E27FC236}">
-                <a16:creationId xmlns:a16="http://schemas.microsoft.com/office/drawing/2014/main" id="{9AF4DE53-90EF-7F47-861C-9C4C0AB55427}"/>
-              </a:ext>
-            </a:extLst>
-          </p:cNvPr>
-          <p:cNvSpPr/>
-          <p:nvPr/>
-        </p:nvSpPr>
-        <p:spPr>
-          <a:xfrm>
-            <a:off x="0" y="619676"/>
-            <a:ext cx="5528281" cy="778374"/>
-          </a:xfrm>
-          <a:prstGeom prst="rect">
-            <a:avLst/>
-          </a:prstGeom>
-          <a:solidFill>
-            <a:schemeClr val="accent5">
-              <a:lumMod val="75000"/>
-            </a:schemeClr>
-          </a:solidFill>
-          <a:ln>
-            <a:solidFill>
-              <a:schemeClr val="accent5">
-                <a:lumMod val="75000"/>
-              </a:schemeClr>
-            </a:solidFill>
-          </a:ln>
-        </p:spPr>
-        <p:style>
-          <a:lnRef idx="2">
-            <a:schemeClr val="accent1">
-              <a:shade val="50000"/>
-            </a:schemeClr>
-          </a:lnRef>
-          <a:fillRef idx="1">
-            <a:schemeClr val="accent1"/>
-          </a:fillRef>
-          <a:effectRef idx="0">
-            <a:schemeClr val="accent1"/>
-          </a:effectRef>
-          <a:fontRef idx="minor">
-            <a:schemeClr val="lt1"/>
-          </a:fontRef>
-        </p:style>
-        <p:txBody>
-          <a:bodyPr rtlCol="0" anchor="ctr"/>
-          <a:lstStyle/>
-          <a:p>
-            <a:pPr algn="ctr"/>
-            <a:endParaRPr lang="en-GB"/>
-          </a:p>
-        </p:txBody>
-      </p:sp>
-      <p:sp>
-        <p:nvSpPr>
-          <p:cNvPr id="2" name="Title 1">
-            <a:extLst>
-              <a:ext uri="{FF2B5EF4-FFF2-40B4-BE49-F238E27FC236}">
-                <a16:creationId xmlns:a16="http://schemas.microsoft.com/office/drawing/2014/main" id="{254FBC8B-1A4D-6345-B036-5F2A1C93A1B3}"/>
-              </a:ext>
-            </a:extLst>
-          </p:cNvPr>
-          <p:cNvSpPr>
-            <a:spLocks noGrp="1"/>
-          </p:cNvSpPr>
-          <p:nvPr>
-            <p:ph type="title"/>
-          </p:nvPr>
-        </p:nvSpPr>
-        <p:spPr/>
-        <p:txBody>
-          <a:bodyPr/>
-          <a:lstStyle/>
-          <a:p>
-            <a:r>
-              <a:rPr lang="en-GB" dirty="0">
-                <a:solidFill>
-                  <a:schemeClr val="bg1"/>
-                </a:solidFill>
-              </a:rPr>
-              <a:t>Styling Components</a:t>
-            </a:r>
-          </a:p>
-        </p:txBody>
-      </p:sp>
-      <p:sp>
-        <p:nvSpPr>
-          <p:cNvPr id="3" name="Content Placeholder 2">
-            <a:extLst>
-              <a:ext uri="{FF2B5EF4-FFF2-40B4-BE49-F238E27FC236}">
-                <a16:creationId xmlns:a16="http://schemas.microsoft.com/office/drawing/2014/main" id="{677C7FCF-5D28-EE49-A660-749D297FD87D}"/>
-              </a:ext>
-            </a:extLst>
-          </p:cNvPr>
-          <p:cNvSpPr>
-            <a:spLocks noGrp="1"/>
-          </p:cNvSpPr>
-          <p:nvPr>
-            <p:ph idx="1"/>
-          </p:nvPr>
-        </p:nvSpPr>
-        <p:spPr>
-          <a:xfrm>
-            <a:off x="838200" y="1825625"/>
-            <a:ext cx="10515600" cy="3367743"/>
-          </a:xfrm>
-        </p:spPr>
-        <p:txBody>
-          <a:bodyPr>
-            <a:normAutofit/>
-          </a:bodyPr>
-          <a:lstStyle/>
-          <a:p>
-            <a:r>
-              <a:rPr lang="en-GB" dirty="0">
-                <a:solidFill>
-                  <a:srgbClr val="262626"/>
-                </a:solidFill>
-              </a:rPr>
-              <a:t>Apply ‘CSS Grid’ exiting Grid/Cell HTML </a:t>
-            </a:r>
-            <a:r>
-              <a:rPr lang="en-GB" dirty="0" err="1">
-                <a:solidFill>
-                  <a:srgbClr val="262626"/>
-                </a:solidFill>
-              </a:rPr>
-              <a:t>Div’s</a:t>
-            </a:r>
-            <a:endParaRPr lang="en-GB" dirty="0">
-              <a:solidFill>
-                <a:srgbClr val="262626"/>
-              </a:solidFill>
-            </a:endParaRPr>
-          </a:p>
-          <a:p>
-            <a:endParaRPr lang="en-GB" sz="1000" dirty="0">
-              <a:solidFill>
-                <a:srgbClr val="262626"/>
-              </a:solidFill>
-            </a:endParaRPr>
-          </a:p>
-          <a:p>
-            <a:r>
-              <a:rPr lang="en-GB" dirty="0">
-                <a:solidFill>
-                  <a:srgbClr val="262626"/>
-                </a:solidFill>
-              </a:rPr>
-              <a:t>Dynamically calculate grid dimensions</a:t>
-            </a:r>
-            <a:endParaRPr lang="en-GB" sz="1000" dirty="0">
-              <a:solidFill>
-                <a:srgbClr val="262626"/>
-              </a:solidFill>
-            </a:endParaRPr>
-          </a:p>
-          <a:p>
-            <a:pPr lvl="1"/>
-            <a:r>
-              <a:rPr lang="en-GB" dirty="0">
-                <a:solidFill>
-                  <a:srgbClr val="262626"/>
-                </a:solidFill>
-              </a:rPr>
-              <a:t>“Game Of Life” examples have different number of rows / columns</a:t>
-            </a:r>
-          </a:p>
-          <a:p>
-            <a:endParaRPr lang="en-GB" sz="1000" dirty="0">
-              <a:solidFill>
-                <a:srgbClr val="262626"/>
-              </a:solidFill>
-            </a:endParaRPr>
-          </a:p>
-          <a:p>
-            <a:r>
-              <a:rPr lang="en-GB" dirty="0">
-                <a:solidFill>
-                  <a:srgbClr val="262626"/>
-                </a:solidFill>
-              </a:rPr>
-              <a:t>Great Resource:</a:t>
-            </a:r>
-            <a:endParaRPr lang="en-GB" sz="1000" dirty="0">
-              <a:solidFill>
-                <a:srgbClr val="262626"/>
-              </a:solidFill>
-            </a:endParaRPr>
-          </a:p>
-          <a:p>
-            <a:pPr lvl="1"/>
-            <a:r>
-              <a:rPr lang="en-GB" dirty="0">
-                <a:hlinkClick r:id="rId2"/>
-              </a:rPr>
-              <a:t>https://gridbyexample.com/examples/</a:t>
-            </a:r>
-            <a:endParaRPr lang="en-GB" dirty="0">
-              <a:solidFill>
-                <a:srgbClr val="262626"/>
-              </a:solidFill>
-            </a:endParaRPr>
-          </a:p>
-        </p:txBody>
-      </p:sp>
-    </p:spTree>
-    <p:extLst>
-      <p:ext uri="{BB962C8B-B14F-4D97-AF65-F5344CB8AC3E}">
-        <p14:creationId xmlns:p14="http://schemas.microsoft.com/office/powerpoint/2010/main" val="2673352115"/>
-      </p:ext>
-    </p:extLst>
-  </p:cSld>
-  <p:clrMapOvr>
-    <a:masterClrMapping/>
-  </p:clrMapOvr>
-</p:sld>
-</file>
-
-<file path=ppt/slides/slide21.xml><?xml version="1.0" encoding="utf-8"?>
-<p:sld xmlns:a="http://schemas.openxmlformats.org/drawingml/2006/main" xmlns:r="http://schemas.openxmlformats.org/officeDocument/2006/relationships" xmlns:p="http://schemas.openxmlformats.org/presentationml/2006/main">
-  <p:cSld>
-    <p:spTree>
-      <p:nvGrpSpPr>
-        <p:cNvPr id="1" name=""/>
-        <p:cNvGrpSpPr/>
-        <p:nvPr/>
-      </p:nvGrpSpPr>
-      <p:grpSpPr>
-        <a:xfrm>
-          <a:off x="0" y="0"/>
-          <a:ext cx="0" cy="0"/>
-          <a:chOff x="0" y="0"/>
-          <a:chExt cx="0" cy="0"/>
-        </a:xfrm>
-      </p:grpSpPr>
-      <p:sp>
-        <p:nvSpPr>
-          <p:cNvPr id="8" name="Rectangle 7">
-            <a:extLst>
-              <a:ext uri="{FF2B5EF4-FFF2-40B4-BE49-F238E27FC236}">
-                <a16:creationId xmlns:a16="http://schemas.microsoft.com/office/drawing/2014/main" id="{866B5D3B-26CD-B245-BCAD-9F19CF15B083}"/>
-              </a:ext>
-            </a:extLst>
-          </p:cNvPr>
-          <p:cNvSpPr/>
-          <p:nvPr/>
-        </p:nvSpPr>
-        <p:spPr>
-          <a:xfrm>
             <a:off x="466436" y="1022992"/>
             <a:ext cx="11259128" cy="5403272"/>
           </a:xfrm>
@@ -8874,7 +8643,7 @@
                   <a:schemeClr val="bg1"/>
                 </a:solidFill>
               </a:rPr>
-              <a:t>Demo 3 – CSS Grid</a:t>
+              <a:t>Demo 2 – CSS Grid</a:t>
             </a:r>
           </a:p>
         </p:txBody>
@@ -8966,7 +8735,7 @@
 </p:sld>
 </file>
 
-<file path=ppt/slides/slide22.xml><?xml version="1.0" encoding="utf-8"?>
+<file path=ppt/slides/slide21.xml><?xml version="1.0" encoding="utf-8"?>
 <p:sld xmlns:a="http://schemas.openxmlformats.org/drawingml/2006/main" xmlns:r="http://schemas.openxmlformats.org/officeDocument/2006/relationships" xmlns:p="http://schemas.openxmlformats.org/presentationml/2006/main">
   <p:cSld>
     <p:spTree>
@@ -9337,6 +9106,257 @@
 </p:sld>
 </file>
 
+<file path=ppt/slides/slide22.xml><?xml version="1.0" encoding="utf-8"?>
+<p:sld xmlns:a="http://schemas.openxmlformats.org/drawingml/2006/main" xmlns:r="http://schemas.openxmlformats.org/officeDocument/2006/relationships" xmlns:p="http://schemas.openxmlformats.org/presentationml/2006/main">
+  <p:cSld>
+    <p:spTree>
+      <p:nvGrpSpPr>
+        <p:cNvPr id="1" name=""/>
+        <p:cNvGrpSpPr/>
+        <p:nvPr/>
+      </p:nvGrpSpPr>
+      <p:grpSpPr>
+        <a:xfrm>
+          <a:off x="0" y="0"/>
+          <a:ext cx="0" cy="0"/>
+          <a:chOff x="0" y="0"/>
+          <a:chExt cx="0" cy="0"/>
+        </a:xfrm>
+      </p:grpSpPr>
+      <p:sp>
+        <p:nvSpPr>
+          <p:cNvPr id="8" name="Rectangle 7">
+            <a:extLst>
+              <a:ext uri="{FF2B5EF4-FFF2-40B4-BE49-F238E27FC236}">
+                <a16:creationId xmlns:a16="http://schemas.microsoft.com/office/drawing/2014/main" id="{866B5D3B-26CD-B245-BCAD-9F19CF15B083}"/>
+              </a:ext>
+            </a:extLst>
+          </p:cNvPr>
+          <p:cNvSpPr/>
+          <p:nvPr/>
+        </p:nvSpPr>
+        <p:spPr>
+          <a:xfrm>
+            <a:off x="466436" y="1022992"/>
+            <a:ext cx="11259128" cy="5403272"/>
+          </a:xfrm>
+          <a:prstGeom prst="rect">
+            <a:avLst/>
+          </a:prstGeom>
+          <a:solidFill>
+            <a:schemeClr val="bg1"/>
+          </a:solidFill>
+          <a:ln w="38100">
+            <a:solidFill>
+              <a:schemeClr val="bg1">
+                <a:lumMod val="85000"/>
+              </a:schemeClr>
+            </a:solidFill>
+          </a:ln>
+          <a:effectLst/>
+        </p:spPr>
+        <p:style>
+          <a:lnRef idx="2">
+            <a:schemeClr val="accent1">
+              <a:shade val="50000"/>
+            </a:schemeClr>
+          </a:lnRef>
+          <a:fillRef idx="1">
+            <a:schemeClr val="accent1"/>
+          </a:fillRef>
+          <a:effectRef idx="0">
+            <a:schemeClr val="accent1"/>
+          </a:effectRef>
+          <a:fontRef idx="minor">
+            <a:schemeClr val="lt1"/>
+          </a:fontRef>
+        </p:style>
+        <p:txBody>
+          <a:bodyPr rtlCol="0" anchor="ctr"/>
+          <a:lstStyle/>
+          <a:p>
+            <a:pPr algn="ctr"/>
+            <a:endParaRPr lang="en-GB"/>
+          </a:p>
+        </p:txBody>
+      </p:sp>
+      <p:sp>
+        <p:nvSpPr>
+          <p:cNvPr id="7" name="Rectangle 6">
+            <a:extLst>
+              <a:ext uri="{FF2B5EF4-FFF2-40B4-BE49-F238E27FC236}">
+                <a16:creationId xmlns:a16="http://schemas.microsoft.com/office/drawing/2014/main" id="{9AF4DE53-90EF-7F47-861C-9C4C0AB55427}"/>
+              </a:ext>
+            </a:extLst>
+          </p:cNvPr>
+          <p:cNvSpPr/>
+          <p:nvPr/>
+        </p:nvSpPr>
+        <p:spPr>
+          <a:xfrm>
+            <a:off x="0" y="619676"/>
+            <a:ext cx="8159798" cy="778374"/>
+          </a:xfrm>
+          <a:prstGeom prst="rect">
+            <a:avLst/>
+          </a:prstGeom>
+          <a:solidFill>
+            <a:schemeClr val="accent5">
+              <a:lumMod val="75000"/>
+            </a:schemeClr>
+          </a:solidFill>
+          <a:ln>
+            <a:solidFill>
+              <a:schemeClr val="accent5">
+                <a:lumMod val="75000"/>
+              </a:schemeClr>
+            </a:solidFill>
+          </a:ln>
+        </p:spPr>
+        <p:style>
+          <a:lnRef idx="2">
+            <a:schemeClr val="accent1">
+              <a:shade val="50000"/>
+            </a:schemeClr>
+          </a:lnRef>
+          <a:fillRef idx="1">
+            <a:schemeClr val="accent1"/>
+          </a:fillRef>
+          <a:effectRef idx="0">
+            <a:schemeClr val="accent1"/>
+          </a:effectRef>
+          <a:fontRef idx="minor">
+            <a:schemeClr val="lt1"/>
+          </a:fontRef>
+        </p:style>
+        <p:txBody>
+          <a:bodyPr rtlCol="0" anchor="ctr"/>
+          <a:lstStyle/>
+          <a:p>
+            <a:pPr algn="ctr"/>
+            <a:endParaRPr lang="en-GB"/>
+          </a:p>
+        </p:txBody>
+      </p:sp>
+      <p:sp>
+        <p:nvSpPr>
+          <p:cNvPr id="2" name="Title 1">
+            <a:extLst>
+              <a:ext uri="{FF2B5EF4-FFF2-40B4-BE49-F238E27FC236}">
+                <a16:creationId xmlns:a16="http://schemas.microsoft.com/office/drawing/2014/main" id="{254FBC8B-1A4D-6345-B036-5F2A1C93A1B3}"/>
+              </a:ext>
+            </a:extLst>
+          </p:cNvPr>
+          <p:cNvSpPr>
+            <a:spLocks noGrp="1"/>
+          </p:cNvSpPr>
+          <p:nvPr>
+            <p:ph type="title"/>
+          </p:nvPr>
+        </p:nvSpPr>
+        <p:spPr/>
+        <p:txBody>
+          <a:bodyPr/>
+          <a:lstStyle/>
+          <a:p>
+            <a:r>
+              <a:rPr lang="en-GB" dirty="0">
+                <a:solidFill>
+                  <a:schemeClr val="bg1"/>
+                </a:solidFill>
+              </a:rPr>
+              <a:t>Demo 3 – React: Updating State</a:t>
+            </a:r>
+          </a:p>
+        </p:txBody>
+      </p:sp>
+      <p:sp>
+        <p:nvSpPr>
+          <p:cNvPr id="3" name="Content Placeholder 2">
+            <a:extLst>
+              <a:ext uri="{FF2B5EF4-FFF2-40B4-BE49-F238E27FC236}">
+                <a16:creationId xmlns:a16="http://schemas.microsoft.com/office/drawing/2014/main" id="{677C7FCF-5D28-EE49-A660-749D297FD87D}"/>
+              </a:ext>
+            </a:extLst>
+          </p:cNvPr>
+          <p:cNvSpPr>
+            <a:spLocks noGrp="1"/>
+          </p:cNvSpPr>
+          <p:nvPr>
+            <p:ph idx="1"/>
+          </p:nvPr>
+        </p:nvSpPr>
+        <p:spPr>
+          <a:xfrm>
+            <a:off x="838200" y="1825625"/>
+            <a:ext cx="10515600" cy="4275252"/>
+          </a:xfrm>
+        </p:spPr>
+        <p:txBody>
+          <a:bodyPr anchor="ctr">
+            <a:normAutofit/>
+          </a:bodyPr>
+          <a:lstStyle/>
+          <a:p>
+            <a:endParaRPr lang="en-GB" dirty="0">
+              <a:solidFill>
+                <a:srgbClr val="262626"/>
+              </a:solidFill>
+            </a:endParaRPr>
+          </a:p>
+          <a:p>
+            <a:endParaRPr lang="en-GB" dirty="0">
+              <a:solidFill>
+                <a:srgbClr val="262626"/>
+              </a:solidFill>
+            </a:endParaRPr>
+          </a:p>
+          <a:p>
+            <a:pPr marL="0" indent="0" algn="ctr">
+              <a:buNone/>
+            </a:pPr>
+            <a:r>
+              <a:rPr lang="en-GB" sz="5400" dirty="0"/>
+              <a:t>Demo Time</a:t>
+            </a:r>
+            <a:endParaRPr lang="en-GB" sz="5400" dirty="0">
+              <a:solidFill>
+                <a:srgbClr val="262626"/>
+              </a:solidFill>
+            </a:endParaRPr>
+          </a:p>
+          <a:p>
+            <a:endParaRPr lang="en-GB" dirty="0">
+              <a:solidFill>
+                <a:srgbClr val="262626"/>
+              </a:solidFill>
+            </a:endParaRPr>
+          </a:p>
+          <a:p>
+            <a:endParaRPr lang="en-GB" dirty="0">
+              <a:solidFill>
+                <a:schemeClr val="tx1">
+                  <a:lumMod val="95000"/>
+                  <a:lumOff val="5000"/>
+                </a:schemeClr>
+              </a:solidFill>
+            </a:endParaRPr>
+          </a:p>
+        </p:txBody>
+      </p:sp>
+    </p:spTree>
+    <p:extLst>
+      <p:ext uri="{BB962C8B-B14F-4D97-AF65-F5344CB8AC3E}">
+        <p14:creationId xmlns:p14="http://schemas.microsoft.com/office/powerpoint/2010/main" val="1843148581"/>
+      </p:ext>
+    </p:extLst>
+  </p:cSld>
+  <p:clrMapOvr>
+    <a:masterClrMapping/>
+  </p:clrMapOvr>
+</p:sld>
+</file>
+
 <file path=ppt/slides/slide23.xml><?xml version="1.0" encoding="utf-8"?>
 <p:sld xmlns:a="http://schemas.openxmlformats.org/drawingml/2006/main" xmlns:r="http://schemas.openxmlformats.org/officeDocument/2006/relationships" xmlns:p="http://schemas.openxmlformats.org/presentationml/2006/main">
   <p:cSld>
@@ -9683,8 +9703,8 @@
         </p:nvSpPr>
         <p:spPr>
           <a:xfrm>
-            <a:off x="0" y="619676"/>
-            <a:ext cx="6714908" cy="778374"/>
+            <a:off x="-1" y="619676"/>
+            <a:ext cx="7796831" cy="778374"/>
           </a:xfrm>
           <a:prstGeom prst="rect">
             <a:avLst/>
@@ -9754,7 +9774,7 @@
                   <a:schemeClr val="bg1"/>
                 </a:solidFill>
               </a:rPr>
-              <a:t>Demo 4 – Updating State</a:t>
+              <a:t>Demo 4 – Vue: Updating State</a:t>
             </a:r>
           </a:p>
         </p:txBody>
@@ -9836,7 +9856,7 @@
     </p:spTree>
     <p:extLst>
       <p:ext uri="{BB962C8B-B14F-4D97-AF65-F5344CB8AC3E}">
-        <p14:creationId xmlns:p14="http://schemas.microsoft.com/office/powerpoint/2010/main" val="1843148581"/>
+        <p14:creationId xmlns:p14="http://schemas.microsoft.com/office/powerpoint/2010/main" val="1729217234"/>
       </p:ext>
     </p:extLst>
   </p:cSld>
@@ -10500,6 +10520,250 @@
         <p:spPr>
           <a:xfrm>
             <a:off x="1" y="619676"/>
+            <a:ext cx="3511016" cy="778374"/>
+          </a:xfrm>
+          <a:prstGeom prst="rect">
+            <a:avLst/>
+          </a:prstGeom>
+          <a:solidFill>
+            <a:schemeClr val="accent5">
+              <a:lumMod val="75000"/>
+            </a:schemeClr>
+          </a:solidFill>
+          <a:ln>
+            <a:solidFill>
+              <a:schemeClr val="accent5">
+                <a:lumMod val="75000"/>
+              </a:schemeClr>
+            </a:solidFill>
+          </a:ln>
+        </p:spPr>
+        <p:style>
+          <a:lnRef idx="2">
+            <a:schemeClr val="accent1">
+              <a:shade val="50000"/>
+            </a:schemeClr>
+          </a:lnRef>
+          <a:fillRef idx="1">
+            <a:schemeClr val="accent1"/>
+          </a:fillRef>
+          <a:effectRef idx="0">
+            <a:schemeClr val="accent1"/>
+          </a:effectRef>
+          <a:fontRef idx="minor">
+            <a:schemeClr val="lt1"/>
+          </a:fontRef>
+        </p:style>
+        <p:txBody>
+          <a:bodyPr rtlCol="0" anchor="ctr"/>
+          <a:lstStyle/>
+          <a:p>
+            <a:pPr algn="ctr"/>
+            <a:endParaRPr lang="en-GB"/>
+          </a:p>
+        </p:txBody>
+      </p:sp>
+      <p:sp>
+        <p:nvSpPr>
+          <p:cNvPr id="2" name="Title 1">
+            <a:extLst>
+              <a:ext uri="{FF2B5EF4-FFF2-40B4-BE49-F238E27FC236}">
+                <a16:creationId xmlns:a16="http://schemas.microsoft.com/office/drawing/2014/main" id="{15E2D054-0EA1-F147-94DF-B76E1146849D}"/>
+              </a:ext>
+            </a:extLst>
+          </p:cNvPr>
+          <p:cNvSpPr>
+            <a:spLocks noGrp="1"/>
+          </p:cNvSpPr>
+          <p:nvPr>
+            <p:ph type="title"/>
+          </p:nvPr>
+        </p:nvSpPr>
+        <p:spPr/>
+        <p:txBody>
+          <a:bodyPr/>
+          <a:lstStyle/>
+          <a:p>
+            <a:r>
+              <a:rPr lang="en-GB" dirty="0">
+                <a:solidFill>
+                  <a:schemeClr val="bg1"/>
+                </a:solidFill>
+              </a:rPr>
+              <a:t>Conclusion</a:t>
+            </a:r>
+          </a:p>
+        </p:txBody>
+      </p:sp>
+      <p:sp>
+        <p:nvSpPr>
+          <p:cNvPr id="3" name="Content Placeholder 2">
+            <a:extLst>
+              <a:ext uri="{FF2B5EF4-FFF2-40B4-BE49-F238E27FC236}">
+                <a16:creationId xmlns:a16="http://schemas.microsoft.com/office/drawing/2014/main" id="{DB728CB9-00F4-F049-BBFE-F2677B71A91F}"/>
+              </a:ext>
+            </a:extLst>
+          </p:cNvPr>
+          <p:cNvSpPr>
+            <a:spLocks noGrp="1"/>
+          </p:cNvSpPr>
+          <p:nvPr>
+            <p:ph idx="1"/>
+          </p:nvPr>
+        </p:nvSpPr>
+        <p:spPr/>
+        <p:txBody>
+          <a:bodyPr>
+            <a:normAutofit/>
+          </a:bodyPr>
+          <a:lstStyle/>
+          <a:p>
+            <a:r>
+              <a:rPr lang="en-GB" dirty="0"/>
+              <a:t>Vue and React are very similar</a:t>
+            </a:r>
+          </a:p>
+          <a:p>
+            <a:pPr lvl="1"/>
+            <a:r>
+              <a:rPr lang="en-GB" dirty="0"/>
+              <a:t>Both </a:t>
+            </a:r>
+            <a:r>
+              <a:rPr lang="en-GB"/>
+              <a:t>were easy to pick up</a:t>
+            </a:r>
+            <a:endParaRPr lang="en-GB" dirty="0"/>
+          </a:p>
+          <a:p>
+            <a:r>
+              <a:rPr lang="en-GB" dirty="0"/>
+              <a:t>React Event hooks work really well</a:t>
+            </a:r>
+          </a:p>
+          <a:p>
+            <a:r>
+              <a:rPr lang="en-GB" dirty="0"/>
+              <a:t>Feels easier passing functions into react</a:t>
+            </a:r>
+          </a:p>
+          <a:p>
+            <a:pPr lvl="1"/>
+            <a:r>
+              <a:rPr lang="en-GB" dirty="0"/>
+              <a:t>Compared to Vue emitting events</a:t>
+            </a:r>
+          </a:p>
+          <a:p>
+            <a:endParaRPr lang="en-GB" dirty="0"/>
+          </a:p>
+          <a:p>
+            <a:endParaRPr lang="en-GB" dirty="0"/>
+          </a:p>
+        </p:txBody>
+      </p:sp>
+    </p:spTree>
+    <p:extLst>
+      <p:ext uri="{BB962C8B-B14F-4D97-AF65-F5344CB8AC3E}">
+        <p14:creationId xmlns:p14="http://schemas.microsoft.com/office/powerpoint/2010/main" val="3611699609"/>
+      </p:ext>
+    </p:extLst>
+  </p:cSld>
+  <p:clrMapOvr>
+    <a:masterClrMapping/>
+  </p:clrMapOvr>
+</p:sld>
+</file>
+
+<file path=ppt/slides/slide28.xml><?xml version="1.0" encoding="utf-8"?>
+<p:sld xmlns:a="http://schemas.openxmlformats.org/drawingml/2006/main" xmlns:r="http://schemas.openxmlformats.org/officeDocument/2006/relationships" xmlns:p="http://schemas.openxmlformats.org/presentationml/2006/main">
+  <p:cSld>
+    <p:spTree>
+      <p:nvGrpSpPr>
+        <p:cNvPr id="1" name=""/>
+        <p:cNvGrpSpPr/>
+        <p:nvPr/>
+      </p:nvGrpSpPr>
+      <p:grpSpPr>
+        <a:xfrm>
+          <a:off x="0" y="0"/>
+          <a:ext cx="0" cy="0"/>
+          <a:chOff x="0" y="0"/>
+          <a:chExt cx="0" cy="0"/>
+        </a:xfrm>
+      </p:grpSpPr>
+      <p:sp>
+        <p:nvSpPr>
+          <p:cNvPr id="5" name="Rectangle 4">
+            <a:extLst>
+              <a:ext uri="{FF2B5EF4-FFF2-40B4-BE49-F238E27FC236}">
+                <a16:creationId xmlns:a16="http://schemas.microsoft.com/office/drawing/2014/main" id="{D5ACF570-E79E-2640-9BAC-6883BF39F0F5}"/>
+              </a:ext>
+            </a:extLst>
+          </p:cNvPr>
+          <p:cNvSpPr/>
+          <p:nvPr/>
+        </p:nvSpPr>
+        <p:spPr>
+          <a:xfrm>
+            <a:off x="489527" y="1006765"/>
+            <a:ext cx="11259128" cy="5403272"/>
+          </a:xfrm>
+          <a:prstGeom prst="rect">
+            <a:avLst/>
+          </a:prstGeom>
+          <a:solidFill>
+            <a:schemeClr val="bg1"/>
+          </a:solidFill>
+          <a:ln w="38100">
+            <a:solidFill>
+              <a:schemeClr val="bg1">
+                <a:lumMod val="85000"/>
+              </a:schemeClr>
+            </a:solidFill>
+          </a:ln>
+          <a:effectLst/>
+        </p:spPr>
+        <p:style>
+          <a:lnRef idx="2">
+            <a:schemeClr val="accent1">
+              <a:shade val="50000"/>
+            </a:schemeClr>
+          </a:lnRef>
+          <a:fillRef idx="1">
+            <a:schemeClr val="accent1"/>
+          </a:fillRef>
+          <a:effectRef idx="0">
+            <a:schemeClr val="accent1"/>
+          </a:effectRef>
+          <a:fontRef idx="minor">
+            <a:schemeClr val="lt1"/>
+          </a:fontRef>
+        </p:style>
+        <p:txBody>
+          <a:bodyPr rtlCol="0" anchor="ctr"/>
+          <a:lstStyle/>
+          <a:p>
+            <a:pPr algn="ctr"/>
+            <a:endParaRPr lang="en-GB"/>
+          </a:p>
+        </p:txBody>
+      </p:sp>
+      <p:sp>
+        <p:nvSpPr>
+          <p:cNvPr id="4" name="Rectangle 3">
+            <a:extLst>
+              <a:ext uri="{FF2B5EF4-FFF2-40B4-BE49-F238E27FC236}">
+                <a16:creationId xmlns:a16="http://schemas.microsoft.com/office/drawing/2014/main" id="{5E8A8879-91B0-2D40-87A4-35E4DBD7C319}"/>
+              </a:ext>
+            </a:extLst>
+          </p:cNvPr>
+          <p:cNvSpPr/>
+          <p:nvPr/>
+        </p:nvSpPr>
+        <p:spPr>
+          <a:xfrm>
+            <a:off x="1" y="619676"/>
             <a:ext cx="2455606" cy="778374"/>
           </a:xfrm>
           <a:prstGeom prst="rect">
@@ -10614,18 +10878,14 @@
             <a:pPr lvl="1"/>
             <a:r>
               <a:rPr lang="en-GB" dirty="0"/>
-              <a:t>React Framework</a:t>
+              <a:t>React Library</a:t>
             </a:r>
           </a:p>
           <a:p>
             <a:pPr lvl="1"/>
             <a:r>
-              <a:rPr lang="en-GB" dirty="0" err="1"/>
-              <a:t>Vue</a:t>
-            </a:r>
-            <a:r>
               <a:rPr lang="en-GB" dirty="0"/>
-              <a:t> Library</a:t>
+              <a:t>Vue Framework</a:t>
             </a:r>
           </a:p>
           <a:p>
@@ -10653,7 +10913,7 @@
     </p:spTree>
     <p:extLst>
       <p:ext uri="{BB962C8B-B14F-4D97-AF65-F5344CB8AC3E}">
-        <p14:creationId xmlns:p14="http://schemas.microsoft.com/office/powerpoint/2010/main" val="3611699609"/>
+        <p14:creationId xmlns:p14="http://schemas.microsoft.com/office/powerpoint/2010/main" val="137569582"/>
       </p:ext>
     </p:extLst>
   </p:cSld>
@@ -10663,7 +10923,7 @@
 </p:sld>
 </file>
 
-<file path=ppt/slides/slide28.xml><?xml version="1.0" encoding="utf-8"?>
+<file path=ppt/slides/slide29.xml><?xml version="1.0" encoding="utf-8"?>
 <p:sld xmlns:a="http://schemas.openxmlformats.org/drawingml/2006/main" xmlns:r="http://schemas.openxmlformats.org/officeDocument/2006/relationships" xmlns:p="http://schemas.openxmlformats.org/presentationml/2006/main">
   <p:cSld>
     <p:spTree>
@@ -10895,7 +11155,339 @@
 </p:sld>
 </file>
 
-<file path=ppt/slides/slide29.xml><?xml version="1.0" encoding="utf-8"?>
+<file path=ppt/slides/slide3.xml><?xml version="1.0" encoding="utf-8"?>
+<p:sld xmlns:a="http://schemas.openxmlformats.org/drawingml/2006/main" xmlns:r="http://schemas.openxmlformats.org/officeDocument/2006/relationships" xmlns:p="http://schemas.openxmlformats.org/presentationml/2006/main">
+  <p:cSld>
+    <p:spTree>
+      <p:nvGrpSpPr>
+        <p:cNvPr id="1" name=""/>
+        <p:cNvGrpSpPr/>
+        <p:nvPr/>
+      </p:nvGrpSpPr>
+      <p:grpSpPr>
+        <a:xfrm>
+          <a:off x="0" y="0"/>
+          <a:ext cx="0" cy="0"/>
+          <a:chOff x="0" y="0"/>
+          <a:chExt cx="0" cy="0"/>
+        </a:xfrm>
+      </p:grpSpPr>
+      <p:sp>
+        <p:nvSpPr>
+          <p:cNvPr id="8" name="Rectangle 7">
+            <a:extLst>
+              <a:ext uri="{FF2B5EF4-FFF2-40B4-BE49-F238E27FC236}">
+                <a16:creationId xmlns:a16="http://schemas.microsoft.com/office/drawing/2014/main" id="{866B5D3B-26CD-B245-BCAD-9F19CF15B083}"/>
+              </a:ext>
+            </a:extLst>
+          </p:cNvPr>
+          <p:cNvSpPr/>
+          <p:nvPr/>
+        </p:nvSpPr>
+        <p:spPr>
+          <a:xfrm>
+            <a:off x="489527" y="1006765"/>
+            <a:ext cx="11259128" cy="5403272"/>
+          </a:xfrm>
+          <a:prstGeom prst="rect">
+            <a:avLst/>
+          </a:prstGeom>
+          <a:solidFill>
+            <a:schemeClr val="bg1"/>
+          </a:solidFill>
+          <a:ln w="38100">
+            <a:solidFill>
+              <a:schemeClr val="bg1">
+                <a:lumMod val="85000"/>
+              </a:schemeClr>
+            </a:solidFill>
+          </a:ln>
+          <a:effectLst/>
+        </p:spPr>
+        <p:style>
+          <a:lnRef idx="2">
+            <a:schemeClr val="accent1">
+              <a:shade val="50000"/>
+            </a:schemeClr>
+          </a:lnRef>
+          <a:fillRef idx="1">
+            <a:schemeClr val="accent1"/>
+          </a:fillRef>
+          <a:effectRef idx="0">
+            <a:schemeClr val="accent1"/>
+          </a:effectRef>
+          <a:fontRef idx="minor">
+            <a:schemeClr val="lt1"/>
+          </a:fontRef>
+        </p:style>
+        <p:txBody>
+          <a:bodyPr rtlCol="0" anchor="ctr"/>
+          <a:lstStyle/>
+          <a:p>
+            <a:pPr algn="ctr"/>
+            <a:endParaRPr lang="en-GB"/>
+          </a:p>
+        </p:txBody>
+      </p:sp>
+      <p:sp>
+        <p:nvSpPr>
+          <p:cNvPr id="7" name="Rectangle 6">
+            <a:extLst>
+              <a:ext uri="{FF2B5EF4-FFF2-40B4-BE49-F238E27FC236}">
+                <a16:creationId xmlns:a16="http://schemas.microsoft.com/office/drawing/2014/main" id="{9AF4DE53-90EF-7F47-861C-9C4C0AB55427}"/>
+              </a:ext>
+            </a:extLst>
+          </p:cNvPr>
+          <p:cNvSpPr/>
+          <p:nvPr/>
+        </p:nvSpPr>
+        <p:spPr>
+          <a:xfrm>
+            <a:off x="0" y="619676"/>
+            <a:ext cx="8709748" cy="778374"/>
+          </a:xfrm>
+          <a:prstGeom prst="rect">
+            <a:avLst/>
+          </a:prstGeom>
+          <a:solidFill>
+            <a:schemeClr val="accent5">
+              <a:lumMod val="75000"/>
+            </a:schemeClr>
+          </a:solidFill>
+          <a:ln>
+            <a:solidFill>
+              <a:schemeClr val="accent5">
+                <a:lumMod val="75000"/>
+              </a:schemeClr>
+            </a:solidFill>
+          </a:ln>
+        </p:spPr>
+        <p:style>
+          <a:lnRef idx="2">
+            <a:schemeClr val="accent1">
+              <a:shade val="50000"/>
+            </a:schemeClr>
+          </a:lnRef>
+          <a:fillRef idx="1">
+            <a:schemeClr val="accent1"/>
+          </a:fillRef>
+          <a:effectRef idx="0">
+            <a:schemeClr val="accent1"/>
+          </a:effectRef>
+          <a:fontRef idx="minor">
+            <a:schemeClr val="lt1"/>
+          </a:fontRef>
+        </p:style>
+        <p:txBody>
+          <a:bodyPr rtlCol="0" anchor="ctr"/>
+          <a:lstStyle/>
+          <a:p>
+            <a:pPr algn="ctr"/>
+            <a:endParaRPr lang="en-GB"/>
+          </a:p>
+        </p:txBody>
+      </p:sp>
+      <p:sp>
+        <p:nvSpPr>
+          <p:cNvPr id="2" name="Title 1">
+            <a:extLst>
+              <a:ext uri="{FF2B5EF4-FFF2-40B4-BE49-F238E27FC236}">
+                <a16:creationId xmlns:a16="http://schemas.microsoft.com/office/drawing/2014/main" id="{254FBC8B-1A4D-6345-B036-5F2A1C93A1B3}"/>
+              </a:ext>
+            </a:extLst>
+          </p:cNvPr>
+          <p:cNvSpPr>
+            <a:spLocks noGrp="1"/>
+          </p:cNvSpPr>
+          <p:nvPr>
+            <p:ph type="title"/>
+          </p:nvPr>
+        </p:nvSpPr>
+        <p:spPr/>
+        <p:txBody>
+          <a:bodyPr/>
+          <a:lstStyle/>
+          <a:p>
+            <a:r>
+              <a:rPr lang="en-GB" dirty="0">
+                <a:solidFill>
+                  <a:schemeClr val="bg1"/>
+                </a:solidFill>
+              </a:rPr>
+              <a:t>What is Conway’s “Game Of Life”?</a:t>
+            </a:r>
+          </a:p>
+        </p:txBody>
+      </p:sp>
+      <p:sp>
+        <p:nvSpPr>
+          <p:cNvPr id="3" name="Content Placeholder 2">
+            <a:extLst>
+              <a:ext uri="{FF2B5EF4-FFF2-40B4-BE49-F238E27FC236}">
+                <a16:creationId xmlns:a16="http://schemas.microsoft.com/office/drawing/2014/main" id="{677C7FCF-5D28-EE49-A660-749D297FD87D}"/>
+              </a:ext>
+            </a:extLst>
+          </p:cNvPr>
+          <p:cNvSpPr>
+            <a:spLocks noGrp="1"/>
+          </p:cNvSpPr>
+          <p:nvPr>
+            <p:ph idx="1"/>
+          </p:nvPr>
+        </p:nvSpPr>
+        <p:spPr>
+          <a:xfrm>
+            <a:off x="838200" y="1825625"/>
+            <a:ext cx="10515600" cy="3367743"/>
+          </a:xfrm>
+        </p:spPr>
+        <p:txBody>
+          <a:bodyPr>
+            <a:normAutofit fontScale="85000" lnSpcReduction="10000"/>
+          </a:bodyPr>
+          <a:lstStyle/>
+          <a:p>
+            <a:r>
+              <a:rPr lang="en-GB" dirty="0"/>
+              <a:t>The </a:t>
+            </a:r>
+            <a:r>
+              <a:rPr lang="en-GB" b="1" i="1" dirty="0"/>
+              <a:t>Game of Life</a:t>
+            </a:r>
+            <a:r>
+              <a:rPr lang="en-GB" dirty="0"/>
+              <a:t>, also known simply as </a:t>
+            </a:r>
+            <a:r>
+              <a:rPr lang="en-GB" b="1" i="1" dirty="0"/>
+              <a:t>Life</a:t>
+            </a:r>
+            <a:r>
+              <a:rPr lang="en-GB" dirty="0"/>
+              <a:t>, is a cellular automaton devised by the British mathematician John Horton Conway in 1970</a:t>
+            </a:r>
+          </a:p>
+          <a:p>
+            <a:endParaRPr lang="en-GB" dirty="0"/>
+          </a:p>
+          <a:p>
+            <a:r>
+              <a:rPr lang="en-GB" dirty="0"/>
+              <a:t>The game is a zero-player game, meaning that its evolution is determined by its initial state, requiring no further input</a:t>
+            </a:r>
+          </a:p>
+          <a:p>
+            <a:pPr lvl="1"/>
+            <a:r>
+              <a:rPr lang="en-GB" dirty="0"/>
+              <a:t>One interacts with the Game of Life by creating an initial configuration and observing how it evolves, or, for advanced players, by creating patterns with particular properties</a:t>
+            </a:r>
+          </a:p>
+          <a:p>
+            <a:pPr lvl="1"/>
+            <a:endParaRPr lang="en-GB" dirty="0"/>
+          </a:p>
+          <a:p>
+            <a:r>
+              <a:rPr lang="en-GB" dirty="0">
+                <a:solidFill>
+                  <a:srgbClr val="262626"/>
+                </a:solidFill>
+              </a:rPr>
+              <a:t>Four basic rules govern all game play</a:t>
+            </a:r>
+          </a:p>
+          <a:p>
+            <a:endParaRPr lang="en-GB" dirty="0">
+              <a:solidFill>
+                <a:srgbClr val="262626"/>
+              </a:solidFill>
+            </a:endParaRPr>
+          </a:p>
+          <a:p>
+            <a:endParaRPr lang="en-GB" dirty="0">
+              <a:solidFill>
+                <a:srgbClr val="262626"/>
+              </a:solidFill>
+            </a:endParaRPr>
+          </a:p>
+          <a:p>
+            <a:endParaRPr lang="en-GB" dirty="0">
+              <a:solidFill>
+                <a:srgbClr val="262626"/>
+              </a:solidFill>
+            </a:endParaRPr>
+          </a:p>
+          <a:p>
+            <a:endParaRPr lang="en-GB" dirty="0">
+              <a:solidFill>
+                <a:schemeClr val="tx1">
+                  <a:lumMod val="95000"/>
+                  <a:lumOff val="5000"/>
+                </a:schemeClr>
+              </a:solidFill>
+            </a:endParaRPr>
+          </a:p>
+        </p:txBody>
+      </p:sp>
+      <p:sp>
+        <p:nvSpPr>
+          <p:cNvPr id="5" name="TextBox 4">
+            <a:extLst>
+              <a:ext uri="{FF2B5EF4-FFF2-40B4-BE49-F238E27FC236}">
+                <a16:creationId xmlns:a16="http://schemas.microsoft.com/office/drawing/2014/main" id="{93181564-E045-3D43-B8BA-5DD73C389134}"/>
+              </a:ext>
+            </a:extLst>
+          </p:cNvPr>
+          <p:cNvSpPr txBox="1"/>
+          <p:nvPr/>
+        </p:nvSpPr>
+        <p:spPr>
+          <a:xfrm>
+            <a:off x="8826254" y="5775902"/>
+            <a:ext cx="2234808" cy="369332"/>
+          </a:xfrm>
+          <a:prstGeom prst="rect">
+            <a:avLst/>
+          </a:prstGeom>
+          <a:noFill/>
+        </p:spPr>
+        <p:txBody>
+          <a:bodyPr wrap="square" rtlCol="0">
+            <a:spAutoFit/>
+          </a:bodyPr>
+          <a:lstStyle/>
+          <a:p>
+            <a:pPr algn="r"/>
+            <a:r>
+              <a:rPr lang="en-GB" dirty="0"/>
+              <a:t>Source: </a:t>
+            </a:r>
+            <a:r>
+              <a:rPr lang="en-GB" sz="1400" dirty="0">
+                <a:hlinkClick r:id="rId2"/>
+              </a:rPr>
+              <a:t>Wikipedia</a:t>
+            </a:r>
+            <a:endParaRPr lang="en-GB" sz="1400" dirty="0"/>
+          </a:p>
+        </p:txBody>
+      </p:sp>
+    </p:spTree>
+    <p:extLst>
+      <p:ext uri="{BB962C8B-B14F-4D97-AF65-F5344CB8AC3E}">
+        <p14:creationId xmlns:p14="http://schemas.microsoft.com/office/powerpoint/2010/main" val="3712330750"/>
+      </p:ext>
+    </p:extLst>
+  </p:cSld>
+  <p:clrMapOvr>
+    <a:masterClrMapping/>
+  </p:clrMapOvr>
+</p:sld>
+</file>
+
+<file path=ppt/slides/slide30.xml><?xml version="1.0" encoding="utf-8"?>
 <p:sld xmlns:a="http://schemas.openxmlformats.org/drawingml/2006/main" xmlns:r="http://schemas.openxmlformats.org/officeDocument/2006/relationships" xmlns:p="http://schemas.openxmlformats.org/presentationml/2006/main">
   <p:cSld>
     <p:spTree>
@@ -10962,338 +11554,6 @@
 </p:sld>
 </file>
 
-<file path=ppt/slides/slide3.xml><?xml version="1.0" encoding="utf-8"?>
-<p:sld xmlns:a="http://schemas.openxmlformats.org/drawingml/2006/main" xmlns:r="http://schemas.openxmlformats.org/officeDocument/2006/relationships" xmlns:p="http://schemas.openxmlformats.org/presentationml/2006/main">
-  <p:cSld>
-    <p:spTree>
-      <p:nvGrpSpPr>
-        <p:cNvPr id="1" name=""/>
-        <p:cNvGrpSpPr/>
-        <p:nvPr/>
-      </p:nvGrpSpPr>
-      <p:grpSpPr>
-        <a:xfrm>
-          <a:off x="0" y="0"/>
-          <a:ext cx="0" cy="0"/>
-          <a:chOff x="0" y="0"/>
-          <a:chExt cx="0" cy="0"/>
-        </a:xfrm>
-      </p:grpSpPr>
-      <p:sp>
-        <p:nvSpPr>
-          <p:cNvPr id="8" name="Rectangle 7">
-            <a:extLst>
-              <a:ext uri="{FF2B5EF4-FFF2-40B4-BE49-F238E27FC236}">
-                <a16:creationId xmlns:a16="http://schemas.microsoft.com/office/drawing/2014/main" id="{866B5D3B-26CD-B245-BCAD-9F19CF15B083}"/>
-              </a:ext>
-            </a:extLst>
-          </p:cNvPr>
-          <p:cNvSpPr/>
-          <p:nvPr/>
-        </p:nvSpPr>
-        <p:spPr>
-          <a:xfrm>
-            <a:off x="489527" y="1006765"/>
-            <a:ext cx="11259128" cy="5403272"/>
-          </a:xfrm>
-          <a:prstGeom prst="rect">
-            <a:avLst/>
-          </a:prstGeom>
-          <a:solidFill>
-            <a:schemeClr val="bg1"/>
-          </a:solidFill>
-          <a:ln w="38100">
-            <a:solidFill>
-              <a:schemeClr val="bg1">
-                <a:lumMod val="85000"/>
-              </a:schemeClr>
-            </a:solidFill>
-          </a:ln>
-          <a:effectLst/>
-        </p:spPr>
-        <p:style>
-          <a:lnRef idx="2">
-            <a:schemeClr val="accent1">
-              <a:shade val="50000"/>
-            </a:schemeClr>
-          </a:lnRef>
-          <a:fillRef idx="1">
-            <a:schemeClr val="accent1"/>
-          </a:fillRef>
-          <a:effectRef idx="0">
-            <a:schemeClr val="accent1"/>
-          </a:effectRef>
-          <a:fontRef idx="minor">
-            <a:schemeClr val="lt1"/>
-          </a:fontRef>
-        </p:style>
-        <p:txBody>
-          <a:bodyPr rtlCol="0" anchor="ctr"/>
-          <a:lstStyle/>
-          <a:p>
-            <a:pPr algn="ctr"/>
-            <a:endParaRPr lang="en-GB"/>
-          </a:p>
-        </p:txBody>
-      </p:sp>
-      <p:sp>
-        <p:nvSpPr>
-          <p:cNvPr id="7" name="Rectangle 6">
-            <a:extLst>
-              <a:ext uri="{FF2B5EF4-FFF2-40B4-BE49-F238E27FC236}">
-                <a16:creationId xmlns:a16="http://schemas.microsoft.com/office/drawing/2014/main" id="{9AF4DE53-90EF-7F47-861C-9C4C0AB55427}"/>
-              </a:ext>
-            </a:extLst>
-          </p:cNvPr>
-          <p:cNvSpPr/>
-          <p:nvPr/>
-        </p:nvSpPr>
-        <p:spPr>
-          <a:xfrm>
-            <a:off x="0" y="619676"/>
-            <a:ext cx="8709748" cy="778374"/>
-          </a:xfrm>
-          <a:prstGeom prst="rect">
-            <a:avLst/>
-          </a:prstGeom>
-          <a:solidFill>
-            <a:schemeClr val="accent5">
-              <a:lumMod val="75000"/>
-            </a:schemeClr>
-          </a:solidFill>
-          <a:ln>
-            <a:solidFill>
-              <a:schemeClr val="accent5">
-                <a:lumMod val="75000"/>
-              </a:schemeClr>
-            </a:solidFill>
-          </a:ln>
-        </p:spPr>
-        <p:style>
-          <a:lnRef idx="2">
-            <a:schemeClr val="accent1">
-              <a:shade val="50000"/>
-            </a:schemeClr>
-          </a:lnRef>
-          <a:fillRef idx="1">
-            <a:schemeClr val="accent1"/>
-          </a:fillRef>
-          <a:effectRef idx="0">
-            <a:schemeClr val="accent1"/>
-          </a:effectRef>
-          <a:fontRef idx="minor">
-            <a:schemeClr val="lt1"/>
-          </a:fontRef>
-        </p:style>
-        <p:txBody>
-          <a:bodyPr rtlCol="0" anchor="ctr"/>
-          <a:lstStyle/>
-          <a:p>
-            <a:pPr algn="ctr"/>
-            <a:endParaRPr lang="en-GB"/>
-          </a:p>
-        </p:txBody>
-      </p:sp>
-      <p:sp>
-        <p:nvSpPr>
-          <p:cNvPr id="2" name="Title 1">
-            <a:extLst>
-              <a:ext uri="{FF2B5EF4-FFF2-40B4-BE49-F238E27FC236}">
-                <a16:creationId xmlns:a16="http://schemas.microsoft.com/office/drawing/2014/main" id="{254FBC8B-1A4D-6345-B036-5F2A1C93A1B3}"/>
-              </a:ext>
-            </a:extLst>
-          </p:cNvPr>
-          <p:cNvSpPr>
-            <a:spLocks noGrp="1"/>
-          </p:cNvSpPr>
-          <p:nvPr>
-            <p:ph type="title"/>
-          </p:nvPr>
-        </p:nvSpPr>
-        <p:spPr/>
-        <p:txBody>
-          <a:bodyPr/>
-          <a:lstStyle/>
-          <a:p>
-            <a:r>
-              <a:rPr lang="en-GB" dirty="0">
-                <a:solidFill>
-                  <a:schemeClr val="bg1"/>
-                </a:solidFill>
-              </a:rPr>
-              <a:t>What is Conway’s “Game Of Life”?</a:t>
-            </a:r>
-          </a:p>
-        </p:txBody>
-      </p:sp>
-      <p:sp>
-        <p:nvSpPr>
-          <p:cNvPr id="3" name="Content Placeholder 2">
-            <a:extLst>
-              <a:ext uri="{FF2B5EF4-FFF2-40B4-BE49-F238E27FC236}">
-                <a16:creationId xmlns:a16="http://schemas.microsoft.com/office/drawing/2014/main" id="{677C7FCF-5D28-EE49-A660-749D297FD87D}"/>
-              </a:ext>
-            </a:extLst>
-          </p:cNvPr>
-          <p:cNvSpPr>
-            <a:spLocks noGrp="1"/>
-          </p:cNvSpPr>
-          <p:nvPr>
-            <p:ph idx="1"/>
-          </p:nvPr>
-        </p:nvSpPr>
-        <p:spPr>
-          <a:xfrm>
-            <a:off x="838200" y="1825625"/>
-            <a:ext cx="10515600" cy="3367743"/>
-          </a:xfrm>
-        </p:spPr>
-        <p:txBody>
-          <a:bodyPr>
-            <a:normAutofit fontScale="85000" lnSpcReduction="10000"/>
-          </a:bodyPr>
-          <a:lstStyle/>
-          <a:p>
-            <a:r>
-              <a:rPr lang="en-GB" dirty="0"/>
-              <a:t>The </a:t>
-            </a:r>
-            <a:r>
-              <a:rPr lang="en-GB" b="1" i="1" dirty="0"/>
-              <a:t>Game of Life</a:t>
-            </a:r>
-            <a:r>
-              <a:rPr lang="en-GB" dirty="0"/>
-              <a:t>, also known simply as </a:t>
-            </a:r>
-            <a:r>
-              <a:rPr lang="en-GB" b="1" i="1" dirty="0"/>
-              <a:t>Life</a:t>
-            </a:r>
-            <a:r>
-              <a:rPr lang="en-GB" dirty="0"/>
-              <a:t>, is a cellular automaton devised by the British mathematician John Horton Conway in 1970</a:t>
-            </a:r>
-          </a:p>
-          <a:p>
-            <a:endParaRPr lang="en-GB" dirty="0"/>
-          </a:p>
-          <a:p>
-            <a:r>
-              <a:rPr lang="en-GB" dirty="0"/>
-              <a:t>The game is a zero-player game, meaning that its evolution is determined by its initial state, requiring no further input</a:t>
-            </a:r>
-          </a:p>
-          <a:p>
-            <a:pPr lvl="1"/>
-            <a:r>
-              <a:rPr lang="en-GB" dirty="0"/>
-              <a:t>One interacts with the Game of Life by creating an initial configuration and observing how it evolves, or, for advanced players, by creating patterns with particular properties</a:t>
-            </a:r>
-          </a:p>
-          <a:p>
-            <a:pPr lvl="1"/>
-            <a:endParaRPr lang="en-GB" dirty="0"/>
-          </a:p>
-          <a:p>
-            <a:r>
-              <a:rPr lang="en-GB" dirty="0">
-                <a:solidFill>
-                  <a:srgbClr val="262626"/>
-                </a:solidFill>
-              </a:rPr>
-              <a:t>Four basic rules govern all game play</a:t>
-            </a:r>
-          </a:p>
-          <a:p>
-            <a:endParaRPr lang="en-GB" dirty="0">
-              <a:solidFill>
-                <a:srgbClr val="262626"/>
-              </a:solidFill>
-            </a:endParaRPr>
-          </a:p>
-          <a:p>
-            <a:endParaRPr lang="en-GB" dirty="0">
-              <a:solidFill>
-                <a:srgbClr val="262626"/>
-              </a:solidFill>
-            </a:endParaRPr>
-          </a:p>
-          <a:p>
-            <a:endParaRPr lang="en-GB" dirty="0">
-              <a:solidFill>
-                <a:srgbClr val="262626"/>
-              </a:solidFill>
-            </a:endParaRPr>
-          </a:p>
-          <a:p>
-            <a:endParaRPr lang="en-GB" dirty="0">
-              <a:solidFill>
-                <a:schemeClr val="tx1">
-                  <a:lumMod val="95000"/>
-                  <a:lumOff val="5000"/>
-                </a:schemeClr>
-              </a:solidFill>
-            </a:endParaRPr>
-          </a:p>
-        </p:txBody>
-      </p:sp>
-      <p:sp>
-        <p:nvSpPr>
-          <p:cNvPr id="5" name="TextBox 4">
-            <a:extLst>
-              <a:ext uri="{FF2B5EF4-FFF2-40B4-BE49-F238E27FC236}">
-                <a16:creationId xmlns:a16="http://schemas.microsoft.com/office/drawing/2014/main" id="{93181564-E045-3D43-B8BA-5DD73C389134}"/>
-              </a:ext>
-            </a:extLst>
-          </p:cNvPr>
-          <p:cNvSpPr txBox="1"/>
-          <p:nvPr/>
-        </p:nvSpPr>
-        <p:spPr>
-          <a:xfrm>
-            <a:off x="8826254" y="5775902"/>
-            <a:ext cx="2234808" cy="369332"/>
-          </a:xfrm>
-          <a:prstGeom prst="rect">
-            <a:avLst/>
-          </a:prstGeom>
-          <a:noFill/>
-        </p:spPr>
-        <p:txBody>
-          <a:bodyPr wrap="square" rtlCol="0">
-            <a:spAutoFit/>
-          </a:bodyPr>
-          <a:lstStyle/>
-          <a:p>
-            <a:pPr algn="r"/>
-            <a:r>
-              <a:rPr lang="en-GB" dirty="0"/>
-              <a:t>Source: </a:t>
-            </a:r>
-            <a:r>
-              <a:rPr lang="en-GB" sz="1400" dirty="0">
-                <a:hlinkClick r:id="rId2"/>
-              </a:rPr>
-              <a:t>Wikipedia</a:t>
-            </a:r>
-            <a:endParaRPr lang="en-GB" sz="1400" dirty="0"/>
-          </a:p>
-        </p:txBody>
-      </p:sp>
-    </p:spTree>
-    <p:extLst>
-      <p:ext uri="{BB962C8B-B14F-4D97-AF65-F5344CB8AC3E}">
-        <p14:creationId xmlns:p14="http://schemas.microsoft.com/office/powerpoint/2010/main" val="3712330750"/>
-      </p:ext>
-    </p:extLst>
-  </p:cSld>
-  <p:clrMapOvr>
-    <a:masterClrMapping/>
-  </p:clrMapOvr>
-</p:sld>
-</file>
-
 <file path=ppt/slides/slide4.xml><?xml version="1.0" encoding="utf-8"?>
 <p:sld xmlns:a="http://schemas.openxmlformats.org/drawingml/2006/main" xmlns:r="http://schemas.openxmlformats.org/officeDocument/2006/relationships" xmlns:p="http://schemas.openxmlformats.org/presentationml/2006/main">
   <p:cSld>
@@ -11605,36 +11865,6 @@
           </a:p>
         </p:txBody>
       </p:sp>
-      <p:pic>
-        <p:nvPicPr>
-          <p:cNvPr id="6" name="Picture 5" descr="A screen shot of a building&#10;&#10;Description automatically generated">
-            <a:extLst>
-              <a:ext uri="{FF2B5EF4-FFF2-40B4-BE49-F238E27FC236}">
-                <a16:creationId xmlns:a16="http://schemas.microsoft.com/office/drawing/2014/main" id="{AF675C78-52F8-6B49-A323-D12CA691ADB1}"/>
-              </a:ext>
-            </a:extLst>
-          </p:cNvPr>
-          <p:cNvPicPr>
-            <a:picLocks noChangeAspect="1"/>
-          </p:cNvPicPr>
-          <p:nvPr/>
-        </p:nvPicPr>
-        <p:blipFill>
-          <a:blip r:embed="rId3"/>
-          <a:stretch>
-            <a:fillRect/>
-          </a:stretch>
-        </p:blipFill>
-        <p:spPr>
-          <a:xfrm>
-            <a:off x="5598391" y="5068999"/>
-            <a:ext cx="1041400" cy="1041400"/>
-          </a:xfrm>
-          <a:prstGeom prst="rect">
-            <a:avLst/>
-          </a:prstGeom>
-        </p:spPr>
-      </p:pic>
     </p:spTree>
     <p:extLst>
       <p:ext uri="{BB962C8B-B14F-4D97-AF65-F5344CB8AC3E}">

--- a/Game Of Life Presentation.pptx
+++ b/Game Of Life Presentation.pptx
@@ -10627,12 +10627,11 @@
             <a:pPr lvl="1"/>
             <a:r>
               <a:rPr lang="en-GB" dirty="0"/>
-              <a:t>Both </a:t>
-            </a:r>
-            <a:r>
-              <a:rPr lang="en-GB"/>
-              <a:t>were easy to pick up</a:t>
-            </a:r>
+              <a:t>Both were easy to pick up</a:t>
+            </a:r>
+          </a:p>
+          <a:p>
+            <a:pPr lvl="1"/>
             <a:endParaRPr lang="en-GB" dirty="0"/>
           </a:p>
           <a:p>
@@ -10642,6 +10641,9 @@
             </a:r>
           </a:p>
           <a:p>
+            <a:endParaRPr lang="en-GB" dirty="0"/>
+          </a:p>
+          <a:p>
             <a:r>
               <a:rPr lang="en-GB" dirty="0"/>
               <a:t>Feels easier passing functions into react</a:t>
@@ -10653,6 +10655,21 @@
               <a:rPr lang="en-GB" dirty="0"/>
               <a:t>Compared to Vue emitting events</a:t>
             </a:r>
+          </a:p>
+          <a:p>
+            <a:pPr lvl="1"/>
+            <a:endParaRPr lang="en-GB" dirty="0"/>
+          </a:p>
+          <a:p>
+            <a:r>
+              <a:rPr lang="en-GB" dirty="0"/>
+              <a:t>I still have a love/hate relationship with </a:t>
+            </a:r>
+            <a:r>
+              <a:rPr lang="en-GB" dirty="0" err="1"/>
+              <a:t>Javascript</a:t>
+            </a:r>
+            <a:endParaRPr lang="en-GB" dirty="0"/>
           </a:p>
           <a:p>
             <a:endParaRPr lang="en-GB" dirty="0"/>

--- a/Game Of Life Presentation.pptx
+++ b/Game Of Life Presentation.pptx
@@ -48,11 +48,14 @@
     <p:sldId id="326" r:id="rId42"/>
     <p:sldId id="328" r:id="rId43"/>
     <p:sldId id="313" r:id="rId44"/>
-    <p:sldId id="309" r:id="rId45"/>
-    <p:sldId id="327" r:id="rId46"/>
-    <p:sldId id="294" r:id="rId47"/>
-    <p:sldId id="279" r:id="rId48"/>
-    <p:sldId id="292" r:id="rId49"/>
+    <p:sldId id="340" r:id="rId45"/>
+    <p:sldId id="309" r:id="rId46"/>
+    <p:sldId id="341" r:id="rId47"/>
+    <p:sldId id="342" r:id="rId48"/>
+    <p:sldId id="327" r:id="rId49"/>
+    <p:sldId id="294" r:id="rId50"/>
+    <p:sldId id="279" r:id="rId51"/>
+    <p:sldId id="292" r:id="rId52"/>
   </p:sldIdLst>
   <p:sldSz cx="12192000" cy="6858000"/>
   <p:notesSz cx="6858000" cy="9144000"/>
@@ -18914,13 +18917,21 @@
             </a:r>
           </a:p>
           <a:p>
+            <a:pPr lvl="1"/>
+            <a:endParaRPr lang="en-GB" sz="1600" dirty="0">
+              <a:solidFill>
+                <a:srgbClr val="262626"/>
+              </a:solidFill>
+            </a:endParaRPr>
+          </a:p>
+          <a:p>
             <a:r>
               <a:rPr lang="en-GB" dirty="0">
                 <a:solidFill>
                   <a:srgbClr val="262626"/>
                 </a:solidFill>
               </a:rPr>
-              <a:t>React</a:t>
+              <a:t>Inter-component Communication</a:t>
             </a:r>
           </a:p>
           <a:p>
@@ -18931,17 +18942,18 @@
                   <a:srgbClr val="262626"/>
                 </a:solidFill>
               </a:rPr>
-              <a:t>Functions passed in from parent as props</a:t>
-            </a:r>
-          </a:p>
-          <a:p>
+              <a:t>Parent to sibling or Sibling to parent</a:t>
+            </a:r>
+          </a:p>
+          <a:p>
+            <a:pPr lvl="2"/>
             <a:r>
               <a:rPr lang="en-GB" dirty="0">
                 <a:solidFill>
                   <a:srgbClr val="262626"/>
                 </a:solidFill>
               </a:rPr>
-              <a:t>Vue:</a:t>
+              <a:t>Local state</a:t>
             </a:r>
           </a:p>
           <a:p>
@@ -18952,25 +18964,28 @@
                   <a:srgbClr val="262626"/>
                 </a:solidFill>
               </a:rPr>
-              <a:t>Initial state passed in as props</a:t>
-            </a:r>
-          </a:p>
-          <a:p>
-            <a:pPr lvl="1"/>
+              <a:t>Sibling to sibling</a:t>
+            </a:r>
+          </a:p>
+          <a:p>
+            <a:pPr lvl="2"/>
             <a:r>
               <a:rPr lang="en-GB" dirty="0">
                 <a:solidFill>
                   <a:srgbClr val="262626"/>
                 </a:solidFill>
               </a:rPr>
-              <a:t>Events emitted to parent</a:t>
-            </a:r>
-          </a:p>
-          <a:p>
-            <a:pPr marL="0" indent="0">
-              <a:buNone/>
-            </a:pPr>
-            <a:endParaRPr lang="en-GB" sz="1600" dirty="0">
+              <a:t>Redux to </a:t>
+            </a:r>
+            <a:r>
+              <a:rPr lang="en-GB" dirty="0" err="1">
+                <a:solidFill>
+                  <a:srgbClr val="262626"/>
+                </a:solidFill>
+              </a:rPr>
+              <a:t>Vuex</a:t>
+            </a:r>
+            <a:endParaRPr lang="en-GB" dirty="0">
               <a:solidFill>
                 <a:srgbClr val="262626"/>
               </a:solidFill>
@@ -19118,7 +19133,7 @@
         </p:nvSpPr>
         <p:spPr>
           <a:xfrm>
-            <a:off x="466436" y="1022992"/>
+            <a:off x="489527" y="1006765"/>
             <a:ext cx="11259128" cy="5403272"/>
           </a:xfrm>
           <a:prstGeom prst="rect">
@@ -19175,8 +19190,8 @@
         </p:nvSpPr>
         <p:spPr>
           <a:xfrm>
-            <a:off x="-2" y="619676"/>
-            <a:ext cx="8418065" cy="778374"/>
+            <a:off x="0" y="619676"/>
+            <a:ext cx="7650247" cy="778374"/>
           </a:xfrm>
           <a:prstGeom prst="rect">
             <a:avLst/>
@@ -19246,7 +19261,7 @@
                   <a:schemeClr val="bg1"/>
                 </a:solidFill>
               </a:rPr>
-              <a:t>Demo 5 – Select “Initial State” UI</a:t>
+              <a:t>FORM data / User Interaction</a:t>
             </a:r>
           </a:p>
         </p:txBody>
@@ -19270,16 +19285,40 @@
         <p:spPr>
           <a:xfrm>
             <a:off x="838200" y="1825625"/>
-            <a:ext cx="10515600" cy="4275252"/>
-          </a:xfrm>
-        </p:spPr>
-        <p:txBody>
-          <a:bodyPr anchor="ctr">
+            <a:ext cx="10515600" cy="3367743"/>
+          </a:xfrm>
+        </p:spPr>
+        <p:txBody>
+          <a:bodyPr>
             <a:normAutofit/>
           </a:bodyPr>
           <a:lstStyle/>
           <a:p>
-            <a:endParaRPr lang="en-GB" dirty="0">
+            <a:r>
+              <a:rPr lang="en-GB" dirty="0">
+                <a:solidFill>
+                  <a:srgbClr val="262626"/>
+                </a:solidFill>
+              </a:rPr>
+              <a:t>React</a:t>
+            </a:r>
+          </a:p>
+          <a:p>
+            <a:pPr lvl="1"/>
+            <a:r>
+              <a:rPr lang="en-GB" dirty="0">
+                <a:solidFill>
+                  <a:srgbClr val="262626"/>
+                </a:solidFill>
+              </a:rPr>
+              <a:t>Functions passed in from parent as props</a:t>
+            </a:r>
+          </a:p>
+          <a:p>
+            <a:pPr marL="0" indent="0">
+              <a:buNone/>
+            </a:pPr>
+            <a:endParaRPr lang="en-GB" sz="1600" dirty="0">
               <a:solidFill>
                 <a:srgbClr val="262626"/>
               </a:solidFill>
@@ -19287,20 +19326,6 @@
           </a:p>
           <a:p>
             <a:endParaRPr lang="en-GB" dirty="0">
-              <a:solidFill>
-                <a:srgbClr val="262626"/>
-              </a:solidFill>
-            </a:endParaRPr>
-          </a:p>
-          <a:p>
-            <a:pPr marL="0" indent="0" algn="ctr">
-              <a:buNone/>
-            </a:pPr>
-            <a:r>
-              <a:rPr lang="en-GB" sz="5400" dirty="0"/>
-              <a:t>Demo Time</a:t>
-            </a:r>
-            <a:endParaRPr lang="en-GB" sz="5400" dirty="0">
               <a:solidFill>
                 <a:srgbClr val="262626"/>
               </a:solidFill>
@@ -19325,10 +19350,113 @@
           </a:p>
         </p:txBody>
       </p:sp>
+      <p:pic>
+        <p:nvPicPr>
+          <p:cNvPr id="9" name="Picture 8">
+            <a:extLst>
+              <a:ext uri="{FF2B5EF4-FFF2-40B4-BE49-F238E27FC236}">
+                <a16:creationId xmlns:a16="http://schemas.microsoft.com/office/drawing/2014/main" id="{BD014724-F853-BA4F-9093-20CA78FB81A8}"/>
+              </a:ext>
+            </a:extLst>
+          </p:cNvPr>
+          <p:cNvPicPr>
+            <a:picLocks noChangeAspect="1"/>
+          </p:cNvPicPr>
+          <p:nvPr/>
+        </p:nvPicPr>
+        <p:blipFill>
+          <a:blip r:embed="rId2"/>
+          <a:stretch>
+            <a:fillRect/>
+          </a:stretch>
+        </p:blipFill>
+        <p:spPr>
+          <a:xfrm>
+            <a:off x="873760" y="2849432"/>
+            <a:ext cx="3860800" cy="1905000"/>
+          </a:xfrm>
+          <a:prstGeom prst="rect">
+            <a:avLst/>
+          </a:prstGeom>
+        </p:spPr>
+      </p:pic>
+      <p:pic>
+        <p:nvPicPr>
+          <p:cNvPr id="10" name="Picture 9">
+            <a:extLst>
+              <a:ext uri="{FF2B5EF4-FFF2-40B4-BE49-F238E27FC236}">
+                <a16:creationId xmlns:a16="http://schemas.microsoft.com/office/drawing/2014/main" id="{6317AD50-BEB0-BD47-881C-612DE5383375}"/>
+              </a:ext>
+            </a:extLst>
+          </p:cNvPr>
+          <p:cNvPicPr>
+            <a:picLocks noChangeAspect="1"/>
+          </p:cNvPicPr>
+          <p:nvPr/>
+        </p:nvPicPr>
+        <p:blipFill>
+          <a:blip r:embed="rId3"/>
+          <a:stretch>
+            <a:fillRect/>
+          </a:stretch>
+        </p:blipFill>
+        <p:spPr>
+          <a:xfrm>
+            <a:off x="6682440" y="2849432"/>
+            <a:ext cx="3489861" cy="1955053"/>
+          </a:xfrm>
+          <a:prstGeom prst="rect">
+            <a:avLst/>
+          </a:prstGeom>
+        </p:spPr>
+      </p:pic>
+      <p:sp>
+        <p:nvSpPr>
+          <p:cNvPr id="11" name="TextBox 10">
+            <a:extLst>
+              <a:ext uri="{FF2B5EF4-FFF2-40B4-BE49-F238E27FC236}">
+                <a16:creationId xmlns:a16="http://schemas.microsoft.com/office/drawing/2014/main" id="{15953C13-1D96-044F-AD6B-188BA6DAD08B}"/>
+              </a:ext>
+            </a:extLst>
+          </p:cNvPr>
+          <p:cNvSpPr txBox="1"/>
+          <p:nvPr/>
+        </p:nvSpPr>
+        <p:spPr>
+          <a:xfrm>
+            <a:off x="8530814" y="5775902"/>
+            <a:ext cx="2530248" cy="369332"/>
+          </a:xfrm>
+          <a:prstGeom prst="rect">
+            <a:avLst/>
+          </a:prstGeom>
+          <a:noFill/>
+        </p:spPr>
+        <p:txBody>
+          <a:bodyPr wrap="square" rtlCol="0">
+            <a:spAutoFit/>
+          </a:bodyPr>
+          <a:lstStyle/>
+          <a:p>
+            <a:pPr algn="r"/>
+            <a:r>
+              <a:rPr lang="en-GB" dirty="0"/>
+              <a:t>Source: </a:t>
+            </a:r>
+            <a:r>
+              <a:rPr lang="en-GB" sz="1400" dirty="0">
+                <a:hlinkClick r:id="rId4"/>
+              </a:rPr>
+              <a:t>React Documentation</a:t>
+            </a:r>
+            <a:endParaRPr lang="en-GB" sz="1400" dirty="0"/>
+          </a:p>
+        </p:txBody>
+      </p:sp>
     </p:spTree>
     <p:extLst>
       <p:ext uri="{BB962C8B-B14F-4D97-AF65-F5344CB8AC3E}">
-        <p14:creationId xmlns:p14="http://schemas.microsoft.com/office/powerpoint/2010/main" val="2544686190"/>
+        <p14:creationId xmlns:p14="http://schemas.microsoft.com/office/powerpoint/2010/main" val="1349999683"/>
       </p:ext>
     </p:extLst>
   </p:cSld>
@@ -19369,7 +19497,7 @@
         </p:nvSpPr>
         <p:spPr>
           <a:xfrm>
-            <a:off x="489527" y="1006765"/>
+            <a:off x="466436" y="1022992"/>
             <a:ext cx="11259128" cy="5403272"/>
           </a:xfrm>
           <a:prstGeom prst="rect">
@@ -19427,7 +19555,7 @@
         <p:spPr>
           <a:xfrm>
             <a:off x="-1" y="619676"/>
-            <a:ext cx="5970079" cy="778374"/>
+            <a:ext cx="9900622" cy="778374"/>
           </a:xfrm>
           <a:prstGeom prst="rect">
             <a:avLst/>
@@ -19497,7 +19625,7 @@
                   <a:schemeClr val="bg1"/>
                 </a:solidFill>
               </a:rPr>
-              <a:t>Implementation Steps</a:t>
+              <a:t>Demo 5 – React: Select “Initial State” UI</a:t>
             </a:r>
           </a:p>
         </p:txBody>
@@ -19521,78 +19649,48 @@
         <p:spPr>
           <a:xfrm>
             <a:off x="838200" y="1825625"/>
-            <a:ext cx="10515600" cy="3367743"/>
-          </a:xfrm>
-        </p:spPr>
-        <p:txBody>
-          <a:bodyPr>
+            <a:ext cx="10515600" cy="4275252"/>
+          </a:xfrm>
+        </p:spPr>
+        <p:txBody>
+          <a:bodyPr anchor="ctr">
             <a:normAutofit/>
           </a:bodyPr>
           <a:lstStyle/>
           <a:p>
-            <a:r>
-              <a:rPr lang="en-GB" dirty="0">
-                <a:solidFill>
-                  <a:schemeClr val="bg1">
-                    <a:lumMod val="65000"/>
-                  </a:schemeClr>
-                </a:solidFill>
-              </a:rPr>
-              <a:t>Display “Game Engine” initial state</a:t>
-            </a:r>
-          </a:p>
-          <a:p>
-            <a:endParaRPr lang="en-GB" sz="2000" dirty="0">
+            <a:endParaRPr lang="en-GB" dirty="0">
               <a:solidFill>
                 <a:srgbClr val="262626"/>
               </a:solidFill>
             </a:endParaRPr>
           </a:p>
           <a:p>
-            <a:r>
-              <a:rPr lang="en-GB" dirty="0">
-                <a:solidFill>
-                  <a:schemeClr val="bg1">
-                    <a:lumMod val="65000"/>
-                  </a:schemeClr>
-                </a:solidFill>
-              </a:rPr>
-              <a:t>Display initial state in a grid</a:t>
-            </a:r>
-          </a:p>
-          <a:p>
-            <a:endParaRPr lang="en-GB" sz="2000" dirty="0">
+            <a:endParaRPr lang="en-GB" dirty="0">
               <a:solidFill>
                 <a:srgbClr val="262626"/>
               </a:solidFill>
             </a:endParaRPr>
           </a:p>
           <a:p>
-            <a:r>
-              <a:rPr lang="en-GB" dirty="0">
-                <a:solidFill>
-                  <a:schemeClr val="bg1">
-                    <a:lumMod val="65000"/>
-                  </a:schemeClr>
-                </a:solidFill>
-              </a:rPr>
-              <a:t>Apply “Game Engine” rules, displaying evolving game state</a:t>
-            </a:r>
-          </a:p>
-          <a:p>
-            <a:endParaRPr lang="en-GB" sz="2000" dirty="0">
+            <a:pPr marL="0" indent="0" algn="ctr">
+              <a:buNone/>
+            </a:pPr>
+            <a:r>
+              <a:rPr lang="en-GB" sz="5400" dirty="0"/>
+              <a:t>Demo Time</a:t>
+            </a:r>
+            <a:endParaRPr lang="en-GB" sz="5400" dirty="0">
               <a:solidFill>
-                <a:schemeClr val="bg1">
-                  <a:lumMod val="65000"/>
-                </a:schemeClr>
+                <a:srgbClr val="262626"/>
               </a:solidFill>
             </a:endParaRPr>
           </a:p>
           <a:p>
-            <a:r>
-              <a:rPr lang="en-GB" dirty="0"/>
-              <a:t>Add UX to change initial state</a:t>
-            </a:r>
+            <a:endParaRPr lang="en-GB" dirty="0">
+              <a:solidFill>
+                <a:srgbClr val="262626"/>
+              </a:solidFill>
+            </a:endParaRPr>
           </a:p>
           <a:p>
             <a:endParaRPr lang="en-GB" dirty="0">
@@ -19609,7 +19707,7 @@
     </p:spTree>
     <p:extLst>
       <p:ext uri="{BB962C8B-B14F-4D97-AF65-F5344CB8AC3E}">
-        <p14:creationId xmlns:p14="http://schemas.microsoft.com/office/powerpoint/2010/main" val="3645704875"/>
+        <p14:creationId xmlns:p14="http://schemas.microsoft.com/office/powerpoint/2010/main" val="2544686190"/>
       </p:ext>
     </p:extLst>
   </p:cSld>
@@ -19638,10 +19736,10 @@
       </p:grpSpPr>
       <p:sp>
         <p:nvSpPr>
-          <p:cNvPr id="5" name="Rectangle 4">
-            <a:extLst>
-              <a:ext uri="{FF2B5EF4-FFF2-40B4-BE49-F238E27FC236}">
-                <a16:creationId xmlns:a16="http://schemas.microsoft.com/office/drawing/2014/main" id="{D5ACF570-E79E-2640-9BAC-6883BF39F0F5}"/>
+          <p:cNvPr id="8" name="Rectangle 7">
+            <a:extLst>
+              <a:ext uri="{FF2B5EF4-FFF2-40B4-BE49-F238E27FC236}">
+                <a16:creationId xmlns:a16="http://schemas.microsoft.com/office/drawing/2014/main" id="{866B5D3B-26CD-B245-BCAD-9F19CF15B083}"/>
               </a:ext>
             </a:extLst>
           </p:cNvPr>
@@ -19695,10 +19793,10 @@
       </p:sp>
       <p:sp>
         <p:nvSpPr>
-          <p:cNvPr id="4" name="Rectangle 3">
-            <a:extLst>
-              <a:ext uri="{FF2B5EF4-FFF2-40B4-BE49-F238E27FC236}">
-                <a16:creationId xmlns:a16="http://schemas.microsoft.com/office/drawing/2014/main" id="{5E8A8879-91B0-2D40-87A4-35E4DBD7C319}"/>
+          <p:cNvPr id="7" name="Rectangle 6">
+            <a:extLst>
+              <a:ext uri="{FF2B5EF4-FFF2-40B4-BE49-F238E27FC236}">
+                <a16:creationId xmlns:a16="http://schemas.microsoft.com/office/drawing/2014/main" id="{9AF4DE53-90EF-7F47-861C-9C4C0AB55427}"/>
               </a:ext>
             </a:extLst>
           </p:cNvPr>
@@ -19707,8 +19805,8 @@
         </p:nvSpPr>
         <p:spPr>
           <a:xfrm>
-            <a:off x="1" y="619676"/>
-            <a:ext cx="3511016" cy="778374"/>
+            <a:off x="0" y="619676"/>
+            <a:ext cx="7650247" cy="778374"/>
           </a:xfrm>
           <a:prstGeom prst="rect">
             <a:avLst/>
@@ -19756,7 +19854,7 @@
           <p:cNvPr id="2" name="Title 1">
             <a:extLst>
               <a:ext uri="{FF2B5EF4-FFF2-40B4-BE49-F238E27FC236}">
-                <a16:creationId xmlns:a16="http://schemas.microsoft.com/office/drawing/2014/main" id="{15E2D054-0EA1-F147-94DF-B76E1146849D}"/>
+                <a16:creationId xmlns:a16="http://schemas.microsoft.com/office/drawing/2014/main" id="{254FBC8B-1A4D-6345-B036-5F2A1C93A1B3}"/>
               </a:ext>
             </a:extLst>
           </p:cNvPr>
@@ -19778,7 +19876,7 @@
                   <a:schemeClr val="bg1"/>
                 </a:solidFill>
               </a:rPr>
-              <a:t>Conclusion</a:t>
+              <a:t>FORM data / User Interaction</a:t>
             </a:r>
           </a:p>
         </p:txBody>
@@ -19788,7 +19886,7 @@
           <p:cNvPr id="3" name="Content Placeholder 2">
             <a:extLst>
               <a:ext uri="{FF2B5EF4-FFF2-40B4-BE49-F238E27FC236}">
-                <a16:creationId xmlns:a16="http://schemas.microsoft.com/office/drawing/2014/main" id="{DB728CB9-00F4-F049-BBFE-F2677B71A91F}"/>
+                <a16:creationId xmlns:a16="http://schemas.microsoft.com/office/drawing/2014/main" id="{677C7FCF-5D28-EE49-A660-749D297FD87D}"/>
               </a:ext>
             </a:extLst>
           </p:cNvPr>
@@ -19799,7 +19897,12 @@
             <p:ph idx="1"/>
           </p:nvPr>
         </p:nvSpPr>
-        <p:spPr/>
+        <p:spPr>
+          <a:xfrm>
+            <a:off x="838200" y="1825625"/>
+            <a:ext cx="10515600" cy="3367743"/>
+          </a:xfrm>
+        </p:spPr>
         <p:txBody>
           <a:bodyPr>
             <a:normAutofit/>
@@ -19807,74 +19910,149 @@
           <a:lstStyle/>
           <a:p>
             <a:r>
+              <a:rPr lang="en-GB" dirty="0">
+                <a:solidFill>
+                  <a:srgbClr val="262626"/>
+                </a:solidFill>
+              </a:rPr>
+              <a:t>Vue:</a:t>
+            </a:r>
+          </a:p>
+          <a:p>
+            <a:pPr lvl="1"/>
+            <a:r>
+              <a:rPr lang="en-GB" dirty="0">
+                <a:solidFill>
+                  <a:srgbClr val="262626"/>
+                </a:solidFill>
+              </a:rPr>
+              <a:t>Initial state passed in as props</a:t>
+            </a:r>
+          </a:p>
+          <a:p>
+            <a:pPr lvl="1"/>
+            <a:r>
+              <a:rPr lang="en-GB" dirty="0">
+                <a:solidFill>
+                  <a:srgbClr val="262626"/>
+                </a:solidFill>
+              </a:rPr>
+              <a:t>Events emitted to parent</a:t>
+            </a:r>
+          </a:p>
+          <a:p>
+            <a:pPr marL="0" indent="0">
+              <a:buNone/>
+            </a:pPr>
+            <a:endParaRPr lang="en-GB" sz="1600" dirty="0">
+              <a:solidFill>
+                <a:srgbClr val="262626"/>
+              </a:solidFill>
+            </a:endParaRPr>
+          </a:p>
+          <a:p>
+            <a:endParaRPr lang="en-GB" dirty="0">
+              <a:solidFill>
+                <a:srgbClr val="262626"/>
+              </a:solidFill>
+            </a:endParaRPr>
+          </a:p>
+          <a:p>
+            <a:endParaRPr lang="en-GB" dirty="0">
+              <a:solidFill>
+                <a:srgbClr val="262626"/>
+              </a:solidFill>
+            </a:endParaRPr>
+          </a:p>
+          <a:p>
+            <a:endParaRPr lang="en-GB" dirty="0">
+              <a:solidFill>
+                <a:schemeClr val="tx1">
+                  <a:lumMod val="95000"/>
+                  <a:lumOff val="5000"/>
+                </a:schemeClr>
+              </a:solidFill>
+            </a:endParaRPr>
+          </a:p>
+        </p:txBody>
+      </p:sp>
+      <p:pic>
+        <p:nvPicPr>
+          <p:cNvPr id="4" name="Picture 3">
+            <a:extLst>
+              <a:ext uri="{FF2B5EF4-FFF2-40B4-BE49-F238E27FC236}">
+                <a16:creationId xmlns:a16="http://schemas.microsoft.com/office/drawing/2014/main" id="{EC150955-83DF-4049-BFE6-D8F0BACEDDB0}"/>
+              </a:ext>
+            </a:extLst>
+          </p:cNvPr>
+          <p:cNvPicPr>
+            <a:picLocks noChangeAspect="1"/>
+          </p:cNvPicPr>
+          <p:nvPr/>
+        </p:nvPicPr>
+        <p:blipFill>
+          <a:blip r:embed="rId2"/>
+          <a:stretch>
+            <a:fillRect/>
+          </a:stretch>
+        </p:blipFill>
+        <p:spPr>
+          <a:xfrm>
+            <a:off x="6314067" y="1993900"/>
+            <a:ext cx="4533900" cy="2870200"/>
+          </a:xfrm>
+          <a:prstGeom prst="rect">
+            <a:avLst/>
+          </a:prstGeom>
+        </p:spPr>
+      </p:pic>
+      <p:sp>
+        <p:nvSpPr>
+          <p:cNvPr id="9" name="TextBox 8">
+            <a:extLst>
+              <a:ext uri="{FF2B5EF4-FFF2-40B4-BE49-F238E27FC236}">
+                <a16:creationId xmlns:a16="http://schemas.microsoft.com/office/drawing/2014/main" id="{43504C65-AC8D-D142-85B3-0C57DB8697E5}"/>
+              </a:ext>
+            </a:extLst>
+          </p:cNvPr>
+          <p:cNvSpPr txBox="1"/>
+          <p:nvPr/>
+        </p:nvSpPr>
+        <p:spPr>
+          <a:xfrm>
+            <a:off x="8530814" y="5775902"/>
+            <a:ext cx="2530248" cy="369332"/>
+          </a:xfrm>
+          <a:prstGeom prst="rect">
+            <a:avLst/>
+          </a:prstGeom>
+          <a:noFill/>
+        </p:spPr>
+        <p:txBody>
+          <a:bodyPr wrap="square" rtlCol="0">
+            <a:spAutoFit/>
+          </a:bodyPr>
+          <a:lstStyle/>
+          <a:p>
+            <a:pPr algn="r"/>
+            <a:r>
               <a:rPr lang="en-GB" dirty="0"/>
-              <a:t>Vue and React are very similar</a:t>
-            </a:r>
-          </a:p>
-          <a:p>
-            <a:pPr lvl="1"/>
-            <a:r>
-              <a:rPr lang="en-GB" dirty="0"/>
-              <a:t>Both were easy to pick up</a:t>
-            </a:r>
-          </a:p>
-          <a:p>
-            <a:pPr lvl="1"/>
-            <a:endParaRPr lang="en-GB" sz="1000" dirty="0"/>
-          </a:p>
-          <a:p>
-            <a:r>
-              <a:rPr lang="en-GB" dirty="0"/>
-              <a:t>React Event hooks work really well</a:t>
-            </a:r>
-          </a:p>
-          <a:p>
-            <a:endParaRPr lang="en-GB" sz="1000" dirty="0"/>
-          </a:p>
-          <a:p>
-            <a:r>
-              <a:rPr lang="en-GB" dirty="0"/>
-              <a:t>Feels easier passing functions into react</a:t>
-            </a:r>
-          </a:p>
-          <a:p>
-            <a:pPr lvl="1"/>
-            <a:r>
-              <a:rPr lang="en-GB" dirty="0"/>
-              <a:t>Compared to Vue emitting events</a:t>
-            </a:r>
-          </a:p>
-          <a:p>
-            <a:pPr lvl="1"/>
-            <a:endParaRPr lang="en-GB" sz="1000" dirty="0"/>
-          </a:p>
-          <a:p>
-            <a:r>
-              <a:rPr lang="en-GB" dirty="0"/>
-              <a:t>I think I actually prefer React (a surprise)</a:t>
-            </a:r>
-          </a:p>
-          <a:p>
-            <a:pPr lvl="1"/>
-            <a:r>
-              <a:rPr lang="en-GB" dirty="0"/>
-              <a:t>I still have a love/hate relationship with </a:t>
-            </a:r>
-            <a:r>
-              <a:rPr lang="en-GB" dirty="0" err="1"/>
-              <a:t>Javascript</a:t>
-            </a:r>
-            <a:endParaRPr lang="en-GB" dirty="0"/>
-          </a:p>
-          <a:p>
-            <a:endParaRPr lang="en-GB" dirty="0"/>
+              <a:t>Source: </a:t>
+            </a:r>
+            <a:r>
+              <a:rPr lang="en-GB" sz="1400" dirty="0">
+                <a:hlinkClick r:id="rId3"/>
+              </a:rPr>
+              <a:t>Vue Forums</a:t>
+            </a:r>
+            <a:endParaRPr lang="en-GB" sz="1400" dirty="0"/>
           </a:p>
         </p:txBody>
       </p:sp>
     </p:spTree>
     <p:extLst>
       <p:ext uri="{BB962C8B-B14F-4D97-AF65-F5344CB8AC3E}">
-        <p14:creationId xmlns:p14="http://schemas.microsoft.com/office/powerpoint/2010/main" val="3611699609"/>
+        <p14:creationId xmlns:p14="http://schemas.microsoft.com/office/powerpoint/2010/main" val="2932360163"/>
       </p:ext>
     </p:extLst>
   </p:cSld>
@@ -19903,10 +20081,10 @@
       </p:grpSpPr>
       <p:sp>
         <p:nvSpPr>
-          <p:cNvPr id="5" name="Rectangle 4">
-            <a:extLst>
-              <a:ext uri="{FF2B5EF4-FFF2-40B4-BE49-F238E27FC236}">
-                <a16:creationId xmlns:a16="http://schemas.microsoft.com/office/drawing/2014/main" id="{6F2E66CD-E2C6-6F40-845C-1EE98165D873}"/>
+          <p:cNvPr id="8" name="Rectangle 7">
+            <a:extLst>
+              <a:ext uri="{FF2B5EF4-FFF2-40B4-BE49-F238E27FC236}">
+                <a16:creationId xmlns:a16="http://schemas.microsoft.com/office/drawing/2014/main" id="{866B5D3B-26CD-B245-BCAD-9F19CF15B083}"/>
               </a:ext>
             </a:extLst>
           </p:cNvPr>
@@ -19915,7 +20093,7 @@
         </p:nvSpPr>
         <p:spPr>
           <a:xfrm>
-            <a:off x="489527" y="1006765"/>
+            <a:off x="466436" y="1022992"/>
             <a:ext cx="11259128" cy="5403272"/>
           </a:xfrm>
           <a:prstGeom prst="rect">
@@ -19960,10 +20138,10 @@
       </p:sp>
       <p:sp>
         <p:nvSpPr>
-          <p:cNvPr id="4" name="Rectangle 3">
-            <a:extLst>
-              <a:ext uri="{FF2B5EF4-FFF2-40B4-BE49-F238E27FC236}">
-                <a16:creationId xmlns:a16="http://schemas.microsoft.com/office/drawing/2014/main" id="{F3059AA8-54C2-6742-8BED-47C2C6226E9E}"/>
+          <p:cNvPr id="7" name="Rectangle 6">
+            <a:extLst>
+              <a:ext uri="{FF2B5EF4-FFF2-40B4-BE49-F238E27FC236}">
+                <a16:creationId xmlns:a16="http://schemas.microsoft.com/office/drawing/2014/main" id="{9AF4DE53-90EF-7F47-861C-9C4C0AB55427}"/>
               </a:ext>
             </a:extLst>
           </p:cNvPr>
@@ -19972,8 +20150,8 @@
         </p:nvSpPr>
         <p:spPr>
           <a:xfrm>
-            <a:off x="0" y="619676"/>
-            <a:ext cx="7330314" cy="778374"/>
+            <a:off x="-2" y="619676"/>
+            <a:ext cx="9509761" cy="778374"/>
           </a:xfrm>
           <a:prstGeom prst="rect">
             <a:avLst/>
@@ -20021,7 +20199,7 @@
           <p:cNvPr id="2" name="Title 1">
             <a:extLst>
               <a:ext uri="{FF2B5EF4-FFF2-40B4-BE49-F238E27FC236}">
-                <a16:creationId xmlns:a16="http://schemas.microsoft.com/office/drawing/2014/main" id="{0C915D25-6782-8944-9124-5E95D735E28E}"/>
+                <a16:creationId xmlns:a16="http://schemas.microsoft.com/office/drawing/2014/main" id="{254FBC8B-1A4D-6345-B036-5F2A1C93A1B3}"/>
               </a:ext>
             </a:extLst>
           </p:cNvPr>
@@ -20043,7 +20221,7 @@
                   <a:schemeClr val="bg1"/>
                 </a:solidFill>
               </a:rPr>
-              <a:t>Thank you – Any questions?</a:t>
+              <a:t>Demo 6 – Vue: Select “Initial State” UI</a:t>
             </a:r>
           </a:p>
         </p:txBody>
@@ -20053,7 +20231,7 @@
           <p:cNvPr id="3" name="Content Placeholder 2">
             <a:extLst>
               <a:ext uri="{FF2B5EF4-FFF2-40B4-BE49-F238E27FC236}">
-                <a16:creationId xmlns:a16="http://schemas.microsoft.com/office/drawing/2014/main" id="{EB4AD6D2-7974-2748-950E-2F7431643F2A}"/>
+                <a16:creationId xmlns:a16="http://schemas.microsoft.com/office/drawing/2014/main" id="{677C7FCF-5D28-EE49-A660-749D297FD87D}"/>
               </a:ext>
             </a:extLst>
           </p:cNvPr>
@@ -20064,49 +20242,68 @@
             <p:ph idx="1"/>
           </p:nvPr>
         </p:nvSpPr>
-        <p:spPr/>
-        <p:txBody>
-          <a:bodyPr/>
-          <a:lstStyle/>
-          <a:p>
-            <a:r>
-              <a:rPr lang="en-GB" dirty="0"/>
-              <a:t>GitHub: Slides and source code can be found here</a:t>
-            </a:r>
-          </a:p>
-          <a:p>
-            <a:pPr lvl="1"/>
-            <a:r>
-              <a:rPr lang="en-GB" dirty="0">
-                <a:hlinkClick r:id="rId2"/>
-              </a:rPr>
-              <a:t>https://github.com/Paul-Hadfield/GameOfLife-Talk</a:t>
-            </a:r>
-            <a:endParaRPr lang="en-GB" dirty="0"/>
-          </a:p>
-          <a:p>
-            <a:pPr lvl="1"/>
-            <a:endParaRPr lang="en-GB" dirty="0"/>
-          </a:p>
-          <a:p>
-            <a:r>
-              <a:rPr lang="en-GB" dirty="0"/>
-              <a:t>Contact me on Twitter: </a:t>
-            </a:r>
-            <a:r>
-              <a:rPr lang="en-GB" dirty="0">
-                <a:hlinkClick r:id="rId3"/>
-              </a:rPr>
-              <a:t>@Paul_Hadfield</a:t>
-            </a:r>
-            <a:endParaRPr lang="en-GB" dirty="0"/>
+        <p:spPr>
+          <a:xfrm>
+            <a:off x="838200" y="1825625"/>
+            <a:ext cx="10515600" cy="4275252"/>
+          </a:xfrm>
+        </p:spPr>
+        <p:txBody>
+          <a:bodyPr anchor="ctr">
+            <a:normAutofit/>
+          </a:bodyPr>
+          <a:lstStyle/>
+          <a:p>
+            <a:endParaRPr lang="en-GB" dirty="0">
+              <a:solidFill>
+                <a:srgbClr val="262626"/>
+              </a:solidFill>
+            </a:endParaRPr>
+          </a:p>
+          <a:p>
+            <a:endParaRPr lang="en-GB" dirty="0">
+              <a:solidFill>
+                <a:srgbClr val="262626"/>
+              </a:solidFill>
+            </a:endParaRPr>
+          </a:p>
+          <a:p>
+            <a:pPr marL="0" indent="0" algn="ctr">
+              <a:buNone/>
+            </a:pPr>
+            <a:r>
+              <a:rPr lang="en-GB" sz="5400" dirty="0"/>
+              <a:t>Demo Time</a:t>
+            </a:r>
+            <a:endParaRPr lang="en-GB" sz="5400" dirty="0">
+              <a:solidFill>
+                <a:srgbClr val="262626"/>
+              </a:solidFill>
+            </a:endParaRPr>
+          </a:p>
+          <a:p>
+            <a:endParaRPr lang="en-GB" dirty="0">
+              <a:solidFill>
+                <a:srgbClr val="262626"/>
+              </a:solidFill>
+            </a:endParaRPr>
+          </a:p>
+          <a:p>
+            <a:endParaRPr lang="en-GB" dirty="0">
+              <a:solidFill>
+                <a:schemeClr val="tx1">
+                  <a:lumMod val="95000"/>
+                  <a:lumOff val="5000"/>
+                </a:schemeClr>
+              </a:solidFill>
+            </a:endParaRPr>
           </a:p>
         </p:txBody>
       </p:sp>
     </p:spTree>
     <p:extLst>
       <p:ext uri="{BB962C8B-B14F-4D97-AF65-F5344CB8AC3E}">
-        <p14:creationId xmlns:p14="http://schemas.microsoft.com/office/powerpoint/2010/main" val="2130423277"/>
+        <p14:creationId xmlns:p14="http://schemas.microsoft.com/office/powerpoint/2010/main" val="27335845"/>
       </p:ext>
     </p:extLst>
   </p:cSld>
@@ -20133,47 +20330,526 @@
           <a:chExt cx="0" cy="0"/>
         </a:xfrm>
       </p:grpSpPr>
-      <p:pic>
-        <p:nvPicPr>
-          <p:cNvPr id="15" name="Picture 14" descr="A group of people on a beach&#10;&#10;Description automatically generated">
-            <a:extLst>
-              <a:ext uri="{FF2B5EF4-FFF2-40B4-BE49-F238E27FC236}">
-                <a16:creationId xmlns:a16="http://schemas.microsoft.com/office/drawing/2014/main" id="{687EDD9C-592A-9F46-8D25-5ADBDF5DDC29}"/>
-              </a:ext>
-            </a:extLst>
-          </p:cNvPr>
-          <p:cNvPicPr>
-            <a:picLocks noChangeAspect="1"/>
-          </p:cNvPicPr>
+      <p:sp>
+        <p:nvSpPr>
+          <p:cNvPr id="8" name="Rectangle 7">
+            <a:extLst>
+              <a:ext uri="{FF2B5EF4-FFF2-40B4-BE49-F238E27FC236}">
+                <a16:creationId xmlns:a16="http://schemas.microsoft.com/office/drawing/2014/main" id="{866B5D3B-26CD-B245-BCAD-9F19CF15B083}"/>
+              </a:ext>
+            </a:extLst>
+          </p:cNvPr>
+          <p:cNvSpPr/>
           <p:nvPr/>
-        </p:nvPicPr>
-        <p:blipFill rotWithShape="1">
-          <a:blip r:embed="rId2">
-            <a:grayscl/>
-            <a:alphaModFix amt="40000"/>
-          </a:blip>
-          <a:srcRect t="14272" b="12497"/>
-          <a:stretch/>
-        </p:blipFill>
-        <p:spPr>
-          <a:xfrm>
-            <a:off x="0" y="-120073"/>
-            <a:ext cx="12192000" cy="6978073"/>
+        </p:nvSpPr>
+        <p:spPr>
+          <a:xfrm>
+            <a:off x="489527" y="1006765"/>
+            <a:ext cx="11259128" cy="5403272"/>
           </a:xfrm>
           <a:prstGeom prst="rect">
             <a:avLst/>
           </a:prstGeom>
-          <a:effectLst>
-            <a:outerShdw blurRad="50800" dist="50800" dir="5400000" algn="ctr" rotWithShape="0">
-              <a:srgbClr val="000000"/>
-            </a:outerShdw>
-          </a:effectLst>
-        </p:spPr>
-      </p:pic>
+          <a:solidFill>
+            <a:schemeClr val="bg1"/>
+          </a:solidFill>
+          <a:ln w="38100">
+            <a:solidFill>
+              <a:schemeClr val="bg1">
+                <a:lumMod val="85000"/>
+              </a:schemeClr>
+            </a:solidFill>
+          </a:ln>
+          <a:effectLst/>
+        </p:spPr>
+        <p:style>
+          <a:lnRef idx="2">
+            <a:schemeClr val="accent1">
+              <a:shade val="50000"/>
+            </a:schemeClr>
+          </a:lnRef>
+          <a:fillRef idx="1">
+            <a:schemeClr val="accent1"/>
+          </a:fillRef>
+          <a:effectRef idx="0">
+            <a:schemeClr val="accent1"/>
+          </a:effectRef>
+          <a:fontRef idx="minor">
+            <a:schemeClr val="lt1"/>
+          </a:fontRef>
+        </p:style>
+        <p:txBody>
+          <a:bodyPr rtlCol="0" anchor="ctr"/>
+          <a:lstStyle/>
+          <a:p>
+            <a:pPr algn="ctr"/>
+            <a:endParaRPr lang="en-GB"/>
+          </a:p>
+        </p:txBody>
+      </p:sp>
+      <p:sp>
+        <p:nvSpPr>
+          <p:cNvPr id="7" name="Rectangle 6">
+            <a:extLst>
+              <a:ext uri="{FF2B5EF4-FFF2-40B4-BE49-F238E27FC236}">
+                <a16:creationId xmlns:a16="http://schemas.microsoft.com/office/drawing/2014/main" id="{9AF4DE53-90EF-7F47-861C-9C4C0AB55427}"/>
+              </a:ext>
+            </a:extLst>
+          </p:cNvPr>
+          <p:cNvSpPr/>
+          <p:nvPr/>
+        </p:nvSpPr>
+        <p:spPr>
+          <a:xfrm>
+            <a:off x="-1" y="619676"/>
+            <a:ext cx="5970079" cy="778374"/>
+          </a:xfrm>
+          <a:prstGeom prst="rect">
+            <a:avLst/>
+          </a:prstGeom>
+          <a:solidFill>
+            <a:schemeClr val="accent5">
+              <a:lumMod val="75000"/>
+            </a:schemeClr>
+          </a:solidFill>
+          <a:ln>
+            <a:solidFill>
+              <a:schemeClr val="accent5">
+                <a:lumMod val="75000"/>
+              </a:schemeClr>
+            </a:solidFill>
+          </a:ln>
+        </p:spPr>
+        <p:style>
+          <a:lnRef idx="2">
+            <a:schemeClr val="accent1">
+              <a:shade val="50000"/>
+            </a:schemeClr>
+          </a:lnRef>
+          <a:fillRef idx="1">
+            <a:schemeClr val="accent1"/>
+          </a:fillRef>
+          <a:effectRef idx="0">
+            <a:schemeClr val="accent1"/>
+          </a:effectRef>
+          <a:fontRef idx="minor">
+            <a:schemeClr val="lt1"/>
+          </a:fontRef>
+        </p:style>
+        <p:txBody>
+          <a:bodyPr rtlCol="0" anchor="ctr"/>
+          <a:lstStyle/>
+          <a:p>
+            <a:pPr algn="ctr"/>
+            <a:endParaRPr lang="en-GB"/>
+          </a:p>
+        </p:txBody>
+      </p:sp>
+      <p:sp>
+        <p:nvSpPr>
+          <p:cNvPr id="2" name="Title 1">
+            <a:extLst>
+              <a:ext uri="{FF2B5EF4-FFF2-40B4-BE49-F238E27FC236}">
+                <a16:creationId xmlns:a16="http://schemas.microsoft.com/office/drawing/2014/main" id="{254FBC8B-1A4D-6345-B036-5F2A1C93A1B3}"/>
+              </a:ext>
+            </a:extLst>
+          </p:cNvPr>
+          <p:cNvSpPr>
+            <a:spLocks noGrp="1"/>
+          </p:cNvSpPr>
+          <p:nvPr>
+            <p:ph type="title"/>
+          </p:nvPr>
+        </p:nvSpPr>
+        <p:spPr/>
+        <p:txBody>
+          <a:bodyPr/>
+          <a:lstStyle/>
+          <a:p>
+            <a:r>
+              <a:rPr lang="en-GB" dirty="0">
+                <a:solidFill>
+                  <a:schemeClr val="bg1"/>
+                </a:solidFill>
+              </a:rPr>
+              <a:t>Implementation Steps</a:t>
+            </a:r>
+          </a:p>
+        </p:txBody>
+      </p:sp>
+      <p:sp>
+        <p:nvSpPr>
+          <p:cNvPr id="3" name="Content Placeholder 2">
+            <a:extLst>
+              <a:ext uri="{FF2B5EF4-FFF2-40B4-BE49-F238E27FC236}">
+                <a16:creationId xmlns:a16="http://schemas.microsoft.com/office/drawing/2014/main" id="{677C7FCF-5D28-EE49-A660-749D297FD87D}"/>
+              </a:ext>
+            </a:extLst>
+          </p:cNvPr>
+          <p:cNvSpPr>
+            <a:spLocks noGrp="1"/>
+          </p:cNvSpPr>
+          <p:nvPr>
+            <p:ph idx="1"/>
+          </p:nvPr>
+        </p:nvSpPr>
+        <p:spPr>
+          <a:xfrm>
+            <a:off x="838200" y="1825625"/>
+            <a:ext cx="10515600" cy="3367743"/>
+          </a:xfrm>
+        </p:spPr>
+        <p:txBody>
+          <a:bodyPr>
+            <a:normAutofit/>
+          </a:bodyPr>
+          <a:lstStyle/>
+          <a:p>
+            <a:r>
+              <a:rPr lang="en-GB" dirty="0">
+                <a:solidFill>
+                  <a:schemeClr val="bg1">
+                    <a:lumMod val="65000"/>
+                  </a:schemeClr>
+                </a:solidFill>
+              </a:rPr>
+              <a:t>Display “Game Engine” initial state</a:t>
+            </a:r>
+          </a:p>
+          <a:p>
+            <a:endParaRPr lang="en-GB" sz="2000" dirty="0">
+              <a:solidFill>
+                <a:srgbClr val="262626"/>
+              </a:solidFill>
+            </a:endParaRPr>
+          </a:p>
+          <a:p>
+            <a:r>
+              <a:rPr lang="en-GB" dirty="0">
+                <a:solidFill>
+                  <a:schemeClr val="bg1">
+                    <a:lumMod val="65000"/>
+                  </a:schemeClr>
+                </a:solidFill>
+              </a:rPr>
+              <a:t>Display initial state in a grid</a:t>
+            </a:r>
+          </a:p>
+          <a:p>
+            <a:endParaRPr lang="en-GB" sz="2000" dirty="0">
+              <a:solidFill>
+                <a:srgbClr val="262626"/>
+              </a:solidFill>
+            </a:endParaRPr>
+          </a:p>
+          <a:p>
+            <a:r>
+              <a:rPr lang="en-GB" dirty="0">
+                <a:solidFill>
+                  <a:schemeClr val="bg1">
+                    <a:lumMod val="65000"/>
+                  </a:schemeClr>
+                </a:solidFill>
+              </a:rPr>
+              <a:t>Apply “Game Engine” rules, displaying evolving game state</a:t>
+            </a:r>
+          </a:p>
+          <a:p>
+            <a:endParaRPr lang="en-GB" sz="2000" dirty="0">
+              <a:solidFill>
+                <a:schemeClr val="bg1">
+                  <a:lumMod val="65000"/>
+                </a:schemeClr>
+              </a:solidFill>
+            </a:endParaRPr>
+          </a:p>
+          <a:p>
+            <a:r>
+              <a:rPr lang="en-GB" dirty="0"/>
+              <a:t>Add UX to change initial state</a:t>
+            </a:r>
+          </a:p>
+          <a:p>
+            <a:endParaRPr lang="en-GB" dirty="0">
+              <a:solidFill>
+                <a:schemeClr val="tx1">
+                  <a:lumMod val="95000"/>
+                  <a:lumOff val="5000"/>
+                </a:schemeClr>
+              </a:solidFill>
+            </a:endParaRPr>
+          </a:p>
+        </p:txBody>
+      </p:sp>
     </p:spTree>
     <p:extLst>
       <p:ext uri="{BB962C8B-B14F-4D97-AF65-F5344CB8AC3E}">
-        <p14:creationId xmlns:p14="http://schemas.microsoft.com/office/powerpoint/2010/main" val="1861908142"/>
+        <p14:creationId xmlns:p14="http://schemas.microsoft.com/office/powerpoint/2010/main" val="3645704875"/>
+      </p:ext>
+    </p:extLst>
+  </p:cSld>
+  <p:clrMapOvr>
+    <a:masterClrMapping/>
+  </p:clrMapOvr>
+</p:sld>
+</file>
+
+<file path=ppt/slides/slide49.xml><?xml version="1.0" encoding="utf-8"?>
+<p:sld xmlns:a="http://schemas.openxmlformats.org/drawingml/2006/main" xmlns:r="http://schemas.openxmlformats.org/officeDocument/2006/relationships" xmlns:p="http://schemas.openxmlformats.org/presentationml/2006/main">
+  <p:cSld>
+    <p:spTree>
+      <p:nvGrpSpPr>
+        <p:cNvPr id="1" name=""/>
+        <p:cNvGrpSpPr/>
+        <p:nvPr/>
+      </p:nvGrpSpPr>
+      <p:grpSpPr>
+        <a:xfrm>
+          <a:off x="0" y="0"/>
+          <a:ext cx="0" cy="0"/>
+          <a:chOff x="0" y="0"/>
+          <a:chExt cx="0" cy="0"/>
+        </a:xfrm>
+      </p:grpSpPr>
+      <p:sp>
+        <p:nvSpPr>
+          <p:cNvPr id="5" name="Rectangle 4">
+            <a:extLst>
+              <a:ext uri="{FF2B5EF4-FFF2-40B4-BE49-F238E27FC236}">
+                <a16:creationId xmlns:a16="http://schemas.microsoft.com/office/drawing/2014/main" id="{D5ACF570-E79E-2640-9BAC-6883BF39F0F5}"/>
+              </a:ext>
+            </a:extLst>
+          </p:cNvPr>
+          <p:cNvSpPr/>
+          <p:nvPr/>
+        </p:nvSpPr>
+        <p:spPr>
+          <a:xfrm>
+            <a:off x="489527" y="1006765"/>
+            <a:ext cx="11259128" cy="5403272"/>
+          </a:xfrm>
+          <a:prstGeom prst="rect">
+            <a:avLst/>
+          </a:prstGeom>
+          <a:solidFill>
+            <a:schemeClr val="bg1"/>
+          </a:solidFill>
+          <a:ln w="38100">
+            <a:solidFill>
+              <a:schemeClr val="bg1">
+                <a:lumMod val="85000"/>
+              </a:schemeClr>
+            </a:solidFill>
+          </a:ln>
+          <a:effectLst/>
+        </p:spPr>
+        <p:style>
+          <a:lnRef idx="2">
+            <a:schemeClr val="accent1">
+              <a:shade val="50000"/>
+            </a:schemeClr>
+          </a:lnRef>
+          <a:fillRef idx="1">
+            <a:schemeClr val="accent1"/>
+          </a:fillRef>
+          <a:effectRef idx="0">
+            <a:schemeClr val="accent1"/>
+          </a:effectRef>
+          <a:fontRef idx="minor">
+            <a:schemeClr val="lt1"/>
+          </a:fontRef>
+        </p:style>
+        <p:txBody>
+          <a:bodyPr rtlCol="0" anchor="ctr"/>
+          <a:lstStyle/>
+          <a:p>
+            <a:pPr algn="ctr"/>
+            <a:endParaRPr lang="en-GB"/>
+          </a:p>
+        </p:txBody>
+      </p:sp>
+      <p:sp>
+        <p:nvSpPr>
+          <p:cNvPr id="4" name="Rectangle 3">
+            <a:extLst>
+              <a:ext uri="{FF2B5EF4-FFF2-40B4-BE49-F238E27FC236}">
+                <a16:creationId xmlns:a16="http://schemas.microsoft.com/office/drawing/2014/main" id="{5E8A8879-91B0-2D40-87A4-35E4DBD7C319}"/>
+              </a:ext>
+            </a:extLst>
+          </p:cNvPr>
+          <p:cNvSpPr/>
+          <p:nvPr/>
+        </p:nvSpPr>
+        <p:spPr>
+          <a:xfrm>
+            <a:off x="1" y="619676"/>
+            <a:ext cx="3511016" cy="778374"/>
+          </a:xfrm>
+          <a:prstGeom prst="rect">
+            <a:avLst/>
+          </a:prstGeom>
+          <a:solidFill>
+            <a:schemeClr val="accent5">
+              <a:lumMod val="75000"/>
+            </a:schemeClr>
+          </a:solidFill>
+          <a:ln>
+            <a:solidFill>
+              <a:schemeClr val="accent5">
+                <a:lumMod val="75000"/>
+              </a:schemeClr>
+            </a:solidFill>
+          </a:ln>
+        </p:spPr>
+        <p:style>
+          <a:lnRef idx="2">
+            <a:schemeClr val="accent1">
+              <a:shade val="50000"/>
+            </a:schemeClr>
+          </a:lnRef>
+          <a:fillRef idx="1">
+            <a:schemeClr val="accent1"/>
+          </a:fillRef>
+          <a:effectRef idx="0">
+            <a:schemeClr val="accent1"/>
+          </a:effectRef>
+          <a:fontRef idx="minor">
+            <a:schemeClr val="lt1"/>
+          </a:fontRef>
+        </p:style>
+        <p:txBody>
+          <a:bodyPr rtlCol="0" anchor="ctr"/>
+          <a:lstStyle/>
+          <a:p>
+            <a:pPr algn="ctr"/>
+            <a:endParaRPr lang="en-GB"/>
+          </a:p>
+        </p:txBody>
+      </p:sp>
+      <p:sp>
+        <p:nvSpPr>
+          <p:cNvPr id="2" name="Title 1">
+            <a:extLst>
+              <a:ext uri="{FF2B5EF4-FFF2-40B4-BE49-F238E27FC236}">
+                <a16:creationId xmlns:a16="http://schemas.microsoft.com/office/drawing/2014/main" id="{15E2D054-0EA1-F147-94DF-B76E1146849D}"/>
+              </a:ext>
+            </a:extLst>
+          </p:cNvPr>
+          <p:cNvSpPr>
+            <a:spLocks noGrp="1"/>
+          </p:cNvSpPr>
+          <p:nvPr>
+            <p:ph type="title"/>
+          </p:nvPr>
+        </p:nvSpPr>
+        <p:spPr/>
+        <p:txBody>
+          <a:bodyPr/>
+          <a:lstStyle/>
+          <a:p>
+            <a:r>
+              <a:rPr lang="en-GB" dirty="0">
+                <a:solidFill>
+                  <a:schemeClr val="bg1"/>
+                </a:solidFill>
+              </a:rPr>
+              <a:t>Conclusion</a:t>
+            </a:r>
+          </a:p>
+        </p:txBody>
+      </p:sp>
+      <p:sp>
+        <p:nvSpPr>
+          <p:cNvPr id="3" name="Content Placeholder 2">
+            <a:extLst>
+              <a:ext uri="{FF2B5EF4-FFF2-40B4-BE49-F238E27FC236}">
+                <a16:creationId xmlns:a16="http://schemas.microsoft.com/office/drawing/2014/main" id="{DB728CB9-00F4-F049-BBFE-F2677B71A91F}"/>
+              </a:ext>
+            </a:extLst>
+          </p:cNvPr>
+          <p:cNvSpPr>
+            <a:spLocks noGrp="1"/>
+          </p:cNvSpPr>
+          <p:nvPr>
+            <p:ph idx="1"/>
+          </p:nvPr>
+        </p:nvSpPr>
+        <p:spPr/>
+        <p:txBody>
+          <a:bodyPr>
+            <a:normAutofit/>
+          </a:bodyPr>
+          <a:lstStyle/>
+          <a:p>
+            <a:r>
+              <a:rPr lang="en-GB" dirty="0"/>
+              <a:t>Vue and React are very similar</a:t>
+            </a:r>
+          </a:p>
+          <a:p>
+            <a:pPr lvl="1"/>
+            <a:r>
+              <a:rPr lang="en-GB" sz="2000" dirty="0"/>
+              <a:t>Both were easy to pick up</a:t>
+            </a:r>
+          </a:p>
+          <a:p>
+            <a:pPr lvl="1"/>
+            <a:endParaRPr lang="en-GB" sz="1000" dirty="0"/>
+          </a:p>
+          <a:p>
+            <a:r>
+              <a:rPr lang="en-GB" dirty="0"/>
+              <a:t>React Event hooks work really well</a:t>
+            </a:r>
+          </a:p>
+          <a:p>
+            <a:endParaRPr lang="en-GB" sz="1000" dirty="0"/>
+          </a:p>
+          <a:p>
+            <a:r>
+              <a:rPr lang="en-GB" dirty="0"/>
+              <a:t>Feels easier passing functions into react</a:t>
+            </a:r>
+          </a:p>
+          <a:p>
+            <a:pPr lvl="1"/>
+            <a:r>
+              <a:rPr lang="en-GB" sz="2000" dirty="0"/>
+              <a:t>Compared to Vue emitting events</a:t>
+            </a:r>
+          </a:p>
+          <a:p>
+            <a:pPr lvl="1"/>
+            <a:endParaRPr lang="en-GB" sz="1000" dirty="0"/>
+          </a:p>
+          <a:p>
+            <a:r>
+              <a:rPr lang="en-GB" dirty="0"/>
+              <a:t>I think I actually prefer React (a surprise)</a:t>
+            </a:r>
+          </a:p>
+          <a:p>
+            <a:pPr lvl="1"/>
+            <a:r>
+              <a:rPr lang="en-GB" sz="2000" dirty="0"/>
+              <a:t>I still have a love/hate relationship with </a:t>
+            </a:r>
+            <a:r>
+              <a:rPr lang="en-GB" sz="2000" dirty="0" err="1"/>
+              <a:t>Javascript</a:t>
+            </a:r>
+            <a:endParaRPr lang="en-GB" sz="2000" dirty="0"/>
+          </a:p>
+          <a:p>
+            <a:endParaRPr lang="en-GB" dirty="0"/>
+          </a:p>
+        </p:txBody>
+      </p:sp>
+    </p:spTree>
+    <p:extLst>
+      <p:ext uri="{BB962C8B-B14F-4D97-AF65-F5344CB8AC3E}">
+        <p14:creationId xmlns:p14="http://schemas.microsoft.com/office/powerpoint/2010/main" val="3611699609"/>
       </p:ext>
     </p:extLst>
   </p:cSld>
@@ -20478,6 +21154,305 @@
     <p:extLst>
       <p:ext uri="{BB962C8B-B14F-4D97-AF65-F5344CB8AC3E}">
         <p14:creationId xmlns:p14="http://schemas.microsoft.com/office/powerpoint/2010/main" val="3518946112"/>
+      </p:ext>
+    </p:extLst>
+  </p:cSld>
+  <p:clrMapOvr>
+    <a:masterClrMapping/>
+  </p:clrMapOvr>
+</p:sld>
+</file>
+
+<file path=ppt/slides/slide50.xml><?xml version="1.0" encoding="utf-8"?>
+<p:sld xmlns:a="http://schemas.openxmlformats.org/drawingml/2006/main" xmlns:r="http://schemas.openxmlformats.org/officeDocument/2006/relationships" xmlns:p="http://schemas.openxmlformats.org/presentationml/2006/main">
+  <p:cSld>
+    <p:spTree>
+      <p:nvGrpSpPr>
+        <p:cNvPr id="1" name=""/>
+        <p:cNvGrpSpPr/>
+        <p:nvPr/>
+      </p:nvGrpSpPr>
+      <p:grpSpPr>
+        <a:xfrm>
+          <a:off x="0" y="0"/>
+          <a:ext cx="0" cy="0"/>
+          <a:chOff x="0" y="0"/>
+          <a:chExt cx="0" cy="0"/>
+        </a:xfrm>
+      </p:grpSpPr>
+      <p:sp>
+        <p:nvSpPr>
+          <p:cNvPr id="5" name="Rectangle 4">
+            <a:extLst>
+              <a:ext uri="{FF2B5EF4-FFF2-40B4-BE49-F238E27FC236}">
+                <a16:creationId xmlns:a16="http://schemas.microsoft.com/office/drawing/2014/main" id="{6F2E66CD-E2C6-6F40-845C-1EE98165D873}"/>
+              </a:ext>
+            </a:extLst>
+          </p:cNvPr>
+          <p:cNvSpPr/>
+          <p:nvPr/>
+        </p:nvSpPr>
+        <p:spPr>
+          <a:xfrm>
+            <a:off x="489527" y="1006765"/>
+            <a:ext cx="11259128" cy="5403272"/>
+          </a:xfrm>
+          <a:prstGeom prst="rect">
+            <a:avLst/>
+          </a:prstGeom>
+          <a:solidFill>
+            <a:schemeClr val="bg1"/>
+          </a:solidFill>
+          <a:ln w="38100">
+            <a:solidFill>
+              <a:schemeClr val="bg1">
+                <a:lumMod val="85000"/>
+              </a:schemeClr>
+            </a:solidFill>
+          </a:ln>
+          <a:effectLst/>
+        </p:spPr>
+        <p:style>
+          <a:lnRef idx="2">
+            <a:schemeClr val="accent1">
+              <a:shade val="50000"/>
+            </a:schemeClr>
+          </a:lnRef>
+          <a:fillRef idx="1">
+            <a:schemeClr val="accent1"/>
+          </a:fillRef>
+          <a:effectRef idx="0">
+            <a:schemeClr val="accent1"/>
+          </a:effectRef>
+          <a:fontRef idx="minor">
+            <a:schemeClr val="lt1"/>
+          </a:fontRef>
+        </p:style>
+        <p:txBody>
+          <a:bodyPr rtlCol="0" anchor="ctr"/>
+          <a:lstStyle/>
+          <a:p>
+            <a:pPr algn="ctr"/>
+            <a:endParaRPr lang="en-GB"/>
+          </a:p>
+        </p:txBody>
+      </p:sp>
+      <p:sp>
+        <p:nvSpPr>
+          <p:cNvPr id="4" name="Rectangle 3">
+            <a:extLst>
+              <a:ext uri="{FF2B5EF4-FFF2-40B4-BE49-F238E27FC236}">
+                <a16:creationId xmlns:a16="http://schemas.microsoft.com/office/drawing/2014/main" id="{F3059AA8-54C2-6742-8BED-47C2C6226E9E}"/>
+              </a:ext>
+            </a:extLst>
+          </p:cNvPr>
+          <p:cNvSpPr/>
+          <p:nvPr/>
+        </p:nvSpPr>
+        <p:spPr>
+          <a:xfrm>
+            <a:off x="0" y="619676"/>
+            <a:ext cx="7330314" cy="778374"/>
+          </a:xfrm>
+          <a:prstGeom prst="rect">
+            <a:avLst/>
+          </a:prstGeom>
+          <a:solidFill>
+            <a:schemeClr val="accent5">
+              <a:lumMod val="75000"/>
+            </a:schemeClr>
+          </a:solidFill>
+          <a:ln>
+            <a:solidFill>
+              <a:schemeClr val="accent5">
+                <a:lumMod val="75000"/>
+              </a:schemeClr>
+            </a:solidFill>
+          </a:ln>
+        </p:spPr>
+        <p:style>
+          <a:lnRef idx="2">
+            <a:schemeClr val="accent1">
+              <a:shade val="50000"/>
+            </a:schemeClr>
+          </a:lnRef>
+          <a:fillRef idx="1">
+            <a:schemeClr val="accent1"/>
+          </a:fillRef>
+          <a:effectRef idx="0">
+            <a:schemeClr val="accent1"/>
+          </a:effectRef>
+          <a:fontRef idx="minor">
+            <a:schemeClr val="lt1"/>
+          </a:fontRef>
+        </p:style>
+        <p:txBody>
+          <a:bodyPr rtlCol="0" anchor="ctr"/>
+          <a:lstStyle/>
+          <a:p>
+            <a:pPr algn="ctr"/>
+            <a:endParaRPr lang="en-GB"/>
+          </a:p>
+        </p:txBody>
+      </p:sp>
+      <p:sp>
+        <p:nvSpPr>
+          <p:cNvPr id="2" name="Title 1">
+            <a:extLst>
+              <a:ext uri="{FF2B5EF4-FFF2-40B4-BE49-F238E27FC236}">
+                <a16:creationId xmlns:a16="http://schemas.microsoft.com/office/drawing/2014/main" id="{0C915D25-6782-8944-9124-5E95D735E28E}"/>
+              </a:ext>
+            </a:extLst>
+          </p:cNvPr>
+          <p:cNvSpPr>
+            <a:spLocks noGrp="1"/>
+          </p:cNvSpPr>
+          <p:nvPr>
+            <p:ph type="title"/>
+          </p:nvPr>
+        </p:nvSpPr>
+        <p:spPr/>
+        <p:txBody>
+          <a:bodyPr/>
+          <a:lstStyle/>
+          <a:p>
+            <a:r>
+              <a:rPr lang="en-GB" dirty="0">
+                <a:solidFill>
+                  <a:schemeClr val="bg1"/>
+                </a:solidFill>
+              </a:rPr>
+              <a:t>Thank you – Any questions?</a:t>
+            </a:r>
+          </a:p>
+        </p:txBody>
+      </p:sp>
+      <p:sp>
+        <p:nvSpPr>
+          <p:cNvPr id="3" name="Content Placeholder 2">
+            <a:extLst>
+              <a:ext uri="{FF2B5EF4-FFF2-40B4-BE49-F238E27FC236}">
+                <a16:creationId xmlns:a16="http://schemas.microsoft.com/office/drawing/2014/main" id="{EB4AD6D2-7974-2748-950E-2F7431643F2A}"/>
+              </a:ext>
+            </a:extLst>
+          </p:cNvPr>
+          <p:cNvSpPr>
+            <a:spLocks noGrp="1"/>
+          </p:cNvSpPr>
+          <p:nvPr>
+            <p:ph idx="1"/>
+          </p:nvPr>
+        </p:nvSpPr>
+        <p:spPr/>
+        <p:txBody>
+          <a:bodyPr/>
+          <a:lstStyle/>
+          <a:p>
+            <a:r>
+              <a:rPr lang="en-GB" dirty="0"/>
+              <a:t>GitHub: Slides and source code can be found here</a:t>
+            </a:r>
+          </a:p>
+          <a:p>
+            <a:pPr lvl="1"/>
+            <a:r>
+              <a:rPr lang="en-GB" dirty="0">
+                <a:hlinkClick r:id="rId2"/>
+              </a:rPr>
+              <a:t>https://github.com/Paul-Hadfield/GameOfLife-Talk</a:t>
+            </a:r>
+            <a:endParaRPr lang="en-GB" dirty="0"/>
+          </a:p>
+          <a:p>
+            <a:pPr lvl="1"/>
+            <a:endParaRPr lang="en-GB" dirty="0"/>
+          </a:p>
+          <a:p>
+            <a:r>
+              <a:rPr lang="en-GB" dirty="0"/>
+              <a:t>Contact me on Twitter: </a:t>
+            </a:r>
+            <a:r>
+              <a:rPr lang="en-GB" dirty="0">
+                <a:hlinkClick r:id="rId3"/>
+              </a:rPr>
+              <a:t>@Paul_Hadfield</a:t>
+            </a:r>
+            <a:endParaRPr lang="en-GB" dirty="0"/>
+          </a:p>
+        </p:txBody>
+      </p:sp>
+    </p:spTree>
+    <p:extLst>
+      <p:ext uri="{BB962C8B-B14F-4D97-AF65-F5344CB8AC3E}">
+        <p14:creationId xmlns:p14="http://schemas.microsoft.com/office/powerpoint/2010/main" val="2130423277"/>
+      </p:ext>
+    </p:extLst>
+  </p:cSld>
+  <p:clrMapOvr>
+    <a:masterClrMapping/>
+  </p:clrMapOvr>
+</p:sld>
+</file>
+
+<file path=ppt/slides/slide51.xml><?xml version="1.0" encoding="utf-8"?>
+<p:sld xmlns:a="http://schemas.openxmlformats.org/drawingml/2006/main" xmlns:r="http://schemas.openxmlformats.org/officeDocument/2006/relationships" xmlns:p="http://schemas.openxmlformats.org/presentationml/2006/main">
+  <p:cSld>
+    <p:spTree>
+      <p:nvGrpSpPr>
+        <p:cNvPr id="1" name=""/>
+        <p:cNvGrpSpPr/>
+        <p:nvPr/>
+      </p:nvGrpSpPr>
+      <p:grpSpPr>
+        <a:xfrm>
+          <a:off x="0" y="0"/>
+          <a:ext cx="0" cy="0"/>
+          <a:chOff x="0" y="0"/>
+          <a:chExt cx="0" cy="0"/>
+        </a:xfrm>
+      </p:grpSpPr>
+      <p:pic>
+        <p:nvPicPr>
+          <p:cNvPr id="15" name="Picture 14" descr="A group of people on a beach&#10;&#10;Description automatically generated">
+            <a:extLst>
+              <a:ext uri="{FF2B5EF4-FFF2-40B4-BE49-F238E27FC236}">
+                <a16:creationId xmlns:a16="http://schemas.microsoft.com/office/drawing/2014/main" id="{687EDD9C-592A-9F46-8D25-5ADBDF5DDC29}"/>
+              </a:ext>
+            </a:extLst>
+          </p:cNvPr>
+          <p:cNvPicPr>
+            <a:picLocks noChangeAspect="1"/>
+          </p:cNvPicPr>
+          <p:nvPr/>
+        </p:nvPicPr>
+        <p:blipFill rotWithShape="1">
+          <a:blip r:embed="rId2">
+            <a:grayscl/>
+            <a:alphaModFix amt="40000"/>
+          </a:blip>
+          <a:srcRect t="14272" b="12497"/>
+          <a:stretch/>
+        </p:blipFill>
+        <p:spPr>
+          <a:xfrm>
+            <a:off x="0" y="-120073"/>
+            <a:ext cx="12192000" cy="6978073"/>
+          </a:xfrm>
+          <a:prstGeom prst="rect">
+            <a:avLst/>
+          </a:prstGeom>
+          <a:effectLst>
+            <a:outerShdw blurRad="50800" dist="50800" dir="5400000" algn="ctr" rotWithShape="0">
+              <a:srgbClr val="000000"/>
+            </a:outerShdw>
+          </a:effectLst>
+        </p:spPr>
+      </p:pic>
+    </p:spTree>
+    <p:extLst>
+      <p:ext uri="{BB962C8B-B14F-4D97-AF65-F5344CB8AC3E}">
+        <p14:creationId xmlns:p14="http://schemas.microsoft.com/office/powerpoint/2010/main" val="1861908142"/>
       </p:ext>
     </p:extLst>
   </p:cSld>

--- a/Game Of Life Presentation.pptx
+++ b/Game Of Life Presentation.pptx
@@ -11392,7 +11392,7 @@
                   <a:srgbClr val="262626"/>
                 </a:solidFill>
               </a:rPr>
-              <a:t>Template, </a:t>
+              <a:t>Template </a:t>
             </a:r>
           </a:p>
           <a:p>
@@ -11697,7 +11697,7 @@
                   <a:srgbClr val="262626"/>
                 </a:solidFill>
               </a:rPr>
-              <a:t>Display “Game Engine” initial state</a:t>
+              <a:t>Display the “Game Engine” initial state</a:t>
             </a:r>
           </a:p>
           <a:p>
@@ -11722,7 +11722,7 @@
                   <a:srgbClr val="262626"/>
                 </a:solidFill>
               </a:rPr>
-              <a:t>Display initial state in a dynamically sized grid</a:t>
+              <a:t>Display the initial state in a dynamically sized grid</a:t>
             </a:r>
           </a:p>
           <a:p>
@@ -11747,7 +11747,7 @@
                   <a:srgbClr val="262626"/>
                 </a:solidFill>
               </a:rPr>
-              <a:t>Apply “Game Engine” rules, displaying evolving game state</a:t>
+              <a:t>Apply the “Game Engine” rules, displaying the evolving game state</a:t>
             </a:r>
           </a:p>
           <a:p>
@@ -11772,7 +11772,7 @@
                   <a:srgbClr val="262626"/>
                 </a:solidFill>
               </a:rPr>
-              <a:t>Add UX to change initial state</a:t>
+              <a:t>Add the UI to change the initial state, and restart</a:t>
             </a:r>
           </a:p>
           <a:p>
@@ -12786,7 +12786,7 @@
                   <a:srgbClr val="262626"/>
                 </a:solidFill>
               </a:rPr>
-              <a:t>Display “Game Engine” initial state</a:t>
+              <a:t>Display the “Game Engine” initial state</a:t>
             </a:r>
           </a:p>
           <a:p>
@@ -12805,7 +12805,7 @@
                   </a:schemeClr>
                 </a:solidFill>
               </a:rPr>
-              <a:t>Display initial state in a grid</a:t>
+              <a:t>Display the initial state in a grid</a:t>
             </a:r>
           </a:p>
           <a:p>
@@ -12826,7 +12826,7 @@
                   </a:schemeClr>
                 </a:solidFill>
               </a:rPr>
-              <a:t>Apply “Game Engine” rules, displaying evolving game state</a:t>
+              <a:t>Apply the “Game Engine” rules, displaying the evolving game state</a:t>
             </a:r>
           </a:p>
           <a:p>
@@ -12847,10 +12847,8 @@
                   </a:schemeClr>
                 </a:solidFill>
               </a:rPr>
-              <a:t>Add UX to change initial state</a:t>
-            </a:r>
-          </a:p>
-          <a:p>
+              <a:t>Add the UI to change the initial state, and restart</a:t>
+            </a:r>
             <a:endParaRPr lang="en-GB" dirty="0">
               <a:solidFill>
                 <a:schemeClr val="tx1">
@@ -12862,6 +12860,36 @@
           </a:p>
         </p:txBody>
       </p:sp>
+      <p:pic>
+        <p:nvPicPr>
+          <p:cNvPr id="6" name="Picture 5">
+            <a:extLst>
+              <a:ext uri="{FF2B5EF4-FFF2-40B4-BE49-F238E27FC236}">
+                <a16:creationId xmlns:a16="http://schemas.microsoft.com/office/drawing/2014/main" id="{9ACC4EA2-0254-0E4D-B529-47C58D60BB3F}"/>
+              </a:ext>
+            </a:extLst>
+          </p:cNvPr>
+          <p:cNvPicPr>
+            <a:picLocks noChangeAspect="1"/>
+          </p:cNvPicPr>
+          <p:nvPr/>
+        </p:nvPicPr>
+        <p:blipFill>
+          <a:blip r:embed="rId2"/>
+          <a:stretch>
+            <a:fillRect/>
+          </a:stretch>
+        </p:blipFill>
+        <p:spPr>
+          <a:xfrm>
+            <a:off x="6783915" y="1736759"/>
+            <a:ext cx="455982" cy="595569"/>
+          </a:xfrm>
+          <a:prstGeom prst="rect">
+            <a:avLst/>
+          </a:prstGeom>
+        </p:spPr>
+      </p:pic>
     </p:spTree>
     <p:extLst>
       <p:ext uri="{BB962C8B-B14F-4D97-AF65-F5344CB8AC3E}">
@@ -13075,7 +13103,7 @@
                   </a:schemeClr>
                 </a:solidFill>
               </a:rPr>
-              <a:t>Display “Game Engine” initial state</a:t>
+              <a:t>Display the “Game Engine” initial state</a:t>
             </a:r>
           </a:p>
           <a:p>
@@ -13092,7 +13120,7 @@
                   <a:srgbClr val="262626"/>
                 </a:solidFill>
               </a:rPr>
-              <a:t>Display initial state in a grid</a:t>
+              <a:t>Display the initial state in a grid</a:t>
             </a:r>
           </a:p>
           <a:p>
@@ -13111,7 +13139,7 @@
                   </a:schemeClr>
                 </a:solidFill>
               </a:rPr>
-              <a:t>Apply “Game Engine” rules, displaying evolving game state</a:t>
+              <a:t>Apply the “Game Engine” rules, displaying the evolving game state</a:t>
             </a:r>
           </a:p>
           <a:p>
@@ -13132,10 +13160,8 @@
                   </a:schemeClr>
                 </a:solidFill>
               </a:rPr>
-              <a:t>Add UX to change initial state</a:t>
-            </a:r>
-          </a:p>
-          <a:p>
+              <a:t>Add the UI to change the initial state, and restart</a:t>
+            </a:r>
             <a:endParaRPr lang="en-GB" dirty="0">
               <a:solidFill>
                 <a:schemeClr val="tx1">
@@ -13147,6 +13173,51 @@
           </a:p>
         </p:txBody>
       </p:sp>
+      <p:pic>
+        <p:nvPicPr>
+          <p:cNvPr id="6" name="Picture 5">
+            <a:extLst>
+              <a:ext uri="{FF2B5EF4-FFF2-40B4-BE49-F238E27FC236}">
+                <a16:creationId xmlns:a16="http://schemas.microsoft.com/office/drawing/2014/main" id="{2F853D38-8E6C-E540-8D4C-575EA6674CA7}"/>
+              </a:ext>
+            </a:extLst>
+          </p:cNvPr>
+          <p:cNvPicPr>
+            <a:picLocks noChangeAspect="1"/>
+          </p:cNvPicPr>
+          <p:nvPr/>
+        </p:nvPicPr>
+        <p:blipFill>
+          <a:blip r:embed="rId2">
+            <a:extLst>
+              <a:ext uri="{BEBA8EAE-BF5A-486C-A8C5-ECC9F3942E4B}">
+                <a14:imgProps xmlns:a14="http://schemas.microsoft.com/office/drawing/2010/main">
+                  <a14:imgLayer r:embed="rId3">
+                    <a14:imgEffect>
+                      <a14:colorTemperature colorTemp="2000"/>
+                    </a14:imgEffect>
+                    <a14:imgEffect>
+                      <a14:saturation sat="0"/>
+                    </a14:imgEffect>
+                  </a14:imgLayer>
+                </a14:imgProps>
+              </a:ext>
+            </a:extLst>
+          </a:blip>
+          <a:stretch>
+            <a:fillRect/>
+          </a:stretch>
+        </p:blipFill>
+        <p:spPr>
+          <a:xfrm>
+            <a:off x="6783915" y="1736759"/>
+            <a:ext cx="455982" cy="595569"/>
+          </a:xfrm>
+          <a:prstGeom prst="rect">
+            <a:avLst/>
+          </a:prstGeom>
+        </p:spPr>
+      </p:pic>
     </p:spTree>
     <p:extLst>
       <p:ext uri="{BB962C8B-B14F-4D97-AF65-F5344CB8AC3E}">
@@ -14602,7 +14673,7 @@
                   </a:schemeClr>
                 </a:solidFill>
               </a:rPr>
-              <a:t>Display “Game Engine” initial state</a:t>
+              <a:t>Display the “Game Engine” initial state</a:t>
             </a:r>
           </a:p>
           <a:p>
@@ -14619,7 +14690,7 @@
                   <a:srgbClr val="262626"/>
                 </a:solidFill>
               </a:rPr>
-              <a:t>Display initial state in a grid</a:t>
+              <a:t>Display the initial state in a grid</a:t>
             </a:r>
           </a:p>
           <a:p>
@@ -14638,7 +14709,7 @@
                   </a:schemeClr>
                 </a:solidFill>
               </a:rPr>
-              <a:t>Apply “Game Engine” rules, displaying evolving game state</a:t>
+              <a:t>Apply the “Game Engine” rules, displaying the evolving game state</a:t>
             </a:r>
           </a:p>
           <a:p>
@@ -14659,10 +14730,8 @@
                   </a:schemeClr>
                 </a:solidFill>
               </a:rPr>
-              <a:t>Add UX to change initial state</a:t>
-            </a:r>
-          </a:p>
-          <a:p>
+              <a:t>Add the UI to change the initial state, and restart</a:t>
+            </a:r>
             <a:endParaRPr lang="en-GB" dirty="0">
               <a:solidFill>
                 <a:schemeClr val="tx1">
@@ -14674,6 +14743,81 @@
           </a:p>
         </p:txBody>
       </p:sp>
+      <p:pic>
+        <p:nvPicPr>
+          <p:cNvPr id="6" name="Picture 5">
+            <a:extLst>
+              <a:ext uri="{FF2B5EF4-FFF2-40B4-BE49-F238E27FC236}">
+                <a16:creationId xmlns:a16="http://schemas.microsoft.com/office/drawing/2014/main" id="{70EAC9BB-0730-8F47-977F-9D359B425144}"/>
+              </a:ext>
+            </a:extLst>
+          </p:cNvPr>
+          <p:cNvPicPr>
+            <a:picLocks noChangeAspect="1"/>
+          </p:cNvPicPr>
+          <p:nvPr/>
+        </p:nvPicPr>
+        <p:blipFill>
+          <a:blip r:embed="rId2">
+            <a:extLst>
+              <a:ext uri="{BEBA8EAE-BF5A-486C-A8C5-ECC9F3942E4B}">
+                <a14:imgProps xmlns:a14="http://schemas.microsoft.com/office/drawing/2010/main">
+                  <a14:imgLayer r:embed="rId3">
+                    <a14:imgEffect>
+                      <a14:colorTemperature colorTemp="2000"/>
+                    </a14:imgEffect>
+                    <a14:imgEffect>
+                      <a14:saturation sat="0"/>
+                    </a14:imgEffect>
+                  </a14:imgLayer>
+                </a14:imgProps>
+              </a:ext>
+            </a:extLst>
+          </a:blip>
+          <a:stretch>
+            <a:fillRect/>
+          </a:stretch>
+        </p:blipFill>
+        <p:spPr>
+          <a:xfrm>
+            <a:off x="6783915" y="1736759"/>
+            <a:ext cx="455982" cy="595569"/>
+          </a:xfrm>
+          <a:prstGeom prst="rect">
+            <a:avLst/>
+          </a:prstGeom>
+        </p:spPr>
+      </p:pic>
+      <p:pic>
+        <p:nvPicPr>
+          <p:cNvPr id="9" name="Picture 8">
+            <a:extLst>
+              <a:ext uri="{FF2B5EF4-FFF2-40B4-BE49-F238E27FC236}">
+                <a16:creationId xmlns:a16="http://schemas.microsoft.com/office/drawing/2014/main" id="{CFC62B5A-0BE9-6C4B-A40B-B42EAB0614CC}"/>
+              </a:ext>
+            </a:extLst>
+          </p:cNvPr>
+          <p:cNvPicPr>
+            <a:picLocks noChangeAspect="1"/>
+          </p:cNvPicPr>
+          <p:nvPr/>
+        </p:nvPicPr>
+        <p:blipFill>
+          <a:blip r:embed="rId4"/>
+          <a:stretch>
+            <a:fillRect/>
+          </a:stretch>
+        </p:blipFill>
+        <p:spPr>
+          <a:xfrm>
+            <a:off x="5742087" y="2649355"/>
+            <a:ext cx="455982" cy="595569"/>
+          </a:xfrm>
+          <a:prstGeom prst="rect">
+            <a:avLst/>
+          </a:prstGeom>
+        </p:spPr>
+      </p:pic>
     </p:spTree>
     <p:extLst>
       <p:ext uri="{BB962C8B-B14F-4D97-AF65-F5344CB8AC3E}">
@@ -14887,7 +15031,7 @@
                   </a:schemeClr>
                 </a:solidFill>
               </a:rPr>
-              <a:t>Display “Game Engine” initial state</a:t>
+              <a:t>Display the “Game Engine” initial state</a:t>
             </a:r>
           </a:p>
           <a:p>
@@ -14906,7 +15050,7 @@
                   </a:schemeClr>
                 </a:solidFill>
               </a:rPr>
-              <a:t>Display initial state in a grid</a:t>
+              <a:t>Display the initial state in a grid</a:t>
             </a:r>
           </a:p>
           <a:p>
@@ -14919,7 +15063,7 @@
           <a:p>
             <a:r>
               <a:rPr lang="en-GB" dirty="0"/>
-              <a:t>Apply “Game Engine” rules, displaying evolving game state</a:t>
+              <a:t>Apply the “Game Engine” rules, displaying the evolving game state</a:t>
             </a:r>
           </a:p>
           <a:p>
@@ -14940,10 +15084,8 @@
                   </a:schemeClr>
                 </a:solidFill>
               </a:rPr>
-              <a:t>Add UX to change initial state</a:t>
-            </a:r>
-          </a:p>
-          <a:p>
+              <a:t>Add the UI to change the initial state, and restart</a:t>
+            </a:r>
             <a:endParaRPr lang="en-GB" dirty="0">
               <a:solidFill>
                 <a:schemeClr val="tx1">
@@ -14955,6 +15097,96 @@
           </a:p>
         </p:txBody>
       </p:sp>
+      <p:pic>
+        <p:nvPicPr>
+          <p:cNvPr id="6" name="Picture 5">
+            <a:extLst>
+              <a:ext uri="{FF2B5EF4-FFF2-40B4-BE49-F238E27FC236}">
+                <a16:creationId xmlns:a16="http://schemas.microsoft.com/office/drawing/2014/main" id="{1DF9909E-24ED-BE45-A6BA-48F0B32B86B5}"/>
+              </a:ext>
+            </a:extLst>
+          </p:cNvPr>
+          <p:cNvPicPr>
+            <a:picLocks noChangeAspect="1"/>
+          </p:cNvPicPr>
+          <p:nvPr/>
+        </p:nvPicPr>
+        <p:blipFill>
+          <a:blip r:embed="rId2">
+            <a:extLst>
+              <a:ext uri="{BEBA8EAE-BF5A-486C-A8C5-ECC9F3942E4B}">
+                <a14:imgProps xmlns:a14="http://schemas.microsoft.com/office/drawing/2010/main">
+                  <a14:imgLayer r:embed="rId3">
+                    <a14:imgEffect>
+                      <a14:colorTemperature colorTemp="2000"/>
+                    </a14:imgEffect>
+                    <a14:imgEffect>
+                      <a14:saturation sat="0"/>
+                    </a14:imgEffect>
+                  </a14:imgLayer>
+                </a14:imgProps>
+              </a:ext>
+            </a:extLst>
+          </a:blip>
+          <a:stretch>
+            <a:fillRect/>
+          </a:stretch>
+        </p:blipFill>
+        <p:spPr>
+          <a:xfrm>
+            <a:off x="5742087" y="2649355"/>
+            <a:ext cx="455982" cy="595569"/>
+          </a:xfrm>
+          <a:prstGeom prst="rect">
+            <a:avLst/>
+          </a:prstGeom>
+        </p:spPr>
+      </p:pic>
+      <p:pic>
+        <p:nvPicPr>
+          <p:cNvPr id="9" name="Picture 8">
+            <a:extLst>
+              <a:ext uri="{FF2B5EF4-FFF2-40B4-BE49-F238E27FC236}">
+                <a16:creationId xmlns:a16="http://schemas.microsoft.com/office/drawing/2014/main" id="{51715974-FBAB-2344-BC7C-96C112E8441A}"/>
+              </a:ext>
+            </a:extLst>
+          </p:cNvPr>
+          <p:cNvPicPr>
+            <a:picLocks noChangeAspect="1"/>
+          </p:cNvPicPr>
+          <p:nvPr/>
+        </p:nvPicPr>
+        <p:blipFill>
+          <a:blip r:embed="rId4">
+            <a:extLst>
+              <a:ext uri="{BEBA8EAE-BF5A-486C-A8C5-ECC9F3942E4B}">
+                <a14:imgProps xmlns:a14="http://schemas.microsoft.com/office/drawing/2010/main">
+                  <a14:imgLayer r:embed="rId5">
+                    <a14:imgEffect>
+                      <a14:colorTemperature colorTemp="2000"/>
+                    </a14:imgEffect>
+                    <a14:imgEffect>
+                      <a14:saturation sat="0"/>
+                    </a14:imgEffect>
+                  </a14:imgLayer>
+                </a14:imgProps>
+              </a:ext>
+            </a:extLst>
+          </a:blip>
+          <a:stretch>
+            <a:fillRect/>
+          </a:stretch>
+        </p:blipFill>
+        <p:spPr>
+          <a:xfrm>
+            <a:off x="6783915" y="1736759"/>
+            <a:ext cx="455982" cy="595569"/>
+          </a:xfrm>
+          <a:prstGeom prst="rect">
+            <a:avLst/>
+          </a:prstGeom>
+        </p:spPr>
+      </p:pic>
     </p:spTree>
     <p:extLst>
       <p:ext uri="{BB962C8B-B14F-4D97-AF65-F5344CB8AC3E}">
@@ -18336,7 +18568,7 @@
                   </a:schemeClr>
                 </a:solidFill>
               </a:rPr>
-              <a:t>Display “Game Engine” initial state</a:t>
+              <a:t>Display the “Game Engine” initial state</a:t>
             </a:r>
           </a:p>
           <a:p>
@@ -18355,7 +18587,7 @@
                   </a:schemeClr>
                 </a:solidFill>
               </a:rPr>
-              <a:t>Display initial state in a grid</a:t>
+              <a:t>Display the initial state in a grid</a:t>
             </a:r>
           </a:p>
           <a:p>
@@ -18368,7 +18600,7 @@
           <a:p>
             <a:r>
               <a:rPr lang="en-GB" dirty="0"/>
-              <a:t>Apply “Game Engine” rules, displaying evolving game state</a:t>
+              <a:t>Apply the “Game Engine” rules, displaying the evolving game state</a:t>
             </a:r>
           </a:p>
           <a:p>
@@ -18383,21 +18615,131 @@
                   </a:schemeClr>
                 </a:solidFill>
               </a:rPr>
-              <a:t>Add UX to change initial state</a:t>
-            </a:r>
-          </a:p>
-          <a:p>
-            <a:endParaRPr lang="en-GB" dirty="0">
-              <a:solidFill>
-                <a:schemeClr val="tx1">
-                  <a:lumMod val="95000"/>
-                  <a:lumOff val="5000"/>
-                </a:schemeClr>
-              </a:solidFill>
-            </a:endParaRPr>
-          </a:p>
-        </p:txBody>
-      </p:sp>
+              <a:t>Add the UI to change the initial state, and restart</a:t>
+            </a:r>
+          </a:p>
+        </p:txBody>
+      </p:sp>
+      <p:pic>
+        <p:nvPicPr>
+          <p:cNvPr id="6" name="Picture 5">
+            <a:extLst>
+              <a:ext uri="{FF2B5EF4-FFF2-40B4-BE49-F238E27FC236}">
+                <a16:creationId xmlns:a16="http://schemas.microsoft.com/office/drawing/2014/main" id="{B681D581-62D1-BD41-8C6C-E5C7412D4747}"/>
+              </a:ext>
+            </a:extLst>
+          </p:cNvPr>
+          <p:cNvPicPr>
+            <a:picLocks noChangeAspect="1"/>
+          </p:cNvPicPr>
+          <p:nvPr/>
+        </p:nvPicPr>
+        <p:blipFill>
+          <a:blip r:embed="rId2">
+            <a:extLst>
+              <a:ext uri="{BEBA8EAE-BF5A-486C-A8C5-ECC9F3942E4B}">
+                <a14:imgProps xmlns:a14="http://schemas.microsoft.com/office/drawing/2010/main">
+                  <a14:imgLayer r:embed="rId3">
+                    <a14:imgEffect>
+                      <a14:colorTemperature colorTemp="2000"/>
+                    </a14:imgEffect>
+                    <a14:imgEffect>
+                      <a14:saturation sat="0"/>
+                    </a14:imgEffect>
+                  </a14:imgLayer>
+                </a14:imgProps>
+              </a:ext>
+            </a:extLst>
+          </a:blip>
+          <a:stretch>
+            <a:fillRect/>
+          </a:stretch>
+        </p:blipFill>
+        <p:spPr>
+          <a:xfrm>
+            <a:off x="6783915" y="1736759"/>
+            <a:ext cx="455982" cy="595569"/>
+          </a:xfrm>
+          <a:prstGeom prst="rect">
+            <a:avLst/>
+          </a:prstGeom>
+        </p:spPr>
+      </p:pic>
+      <p:pic>
+        <p:nvPicPr>
+          <p:cNvPr id="9" name="Picture 8">
+            <a:extLst>
+              <a:ext uri="{FF2B5EF4-FFF2-40B4-BE49-F238E27FC236}">
+                <a16:creationId xmlns:a16="http://schemas.microsoft.com/office/drawing/2014/main" id="{D0EF8613-639C-E948-913C-8FC590A405D4}"/>
+              </a:ext>
+            </a:extLst>
+          </p:cNvPr>
+          <p:cNvPicPr>
+            <a:picLocks noChangeAspect="1"/>
+          </p:cNvPicPr>
+          <p:nvPr/>
+        </p:nvPicPr>
+        <p:blipFill>
+          <a:blip r:embed="rId2">
+            <a:extLst>
+              <a:ext uri="{BEBA8EAE-BF5A-486C-A8C5-ECC9F3942E4B}">
+                <a14:imgProps xmlns:a14="http://schemas.microsoft.com/office/drawing/2010/main">
+                  <a14:imgLayer r:embed="rId4">
+                    <a14:imgEffect>
+                      <a14:colorTemperature colorTemp="2000"/>
+                    </a14:imgEffect>
+                    <a14:imgEffect>
+                      <a14:saturation sat="0"/>
+                    </a14:imgEffect>
+                  </a14:imgLayer>
+                </a14:imgProps>
+              </a:ext>
+            </a:extLst>
+          </a:blip>
+          <a:stretch>
+            <a:fillRect/>
+          </a:stretch>
+        </p:blipFill>
+        <p:spPr>
+          <a:xfrm>
+            <a:off x="5742087" y="2649355"/>
+            <a:ext cx="455982" cy="595569"/>
+          </a:xfrm>
+          <a:prstGeom prst="rect">
+            <a:avLst/>
+          </a:prstGeom>
+        </p:spPr>
+      </p:pic>
+      <p:pic>
+        <p:nvPicPr>
+          <p:cNvPr id="10" name="Picture 9">
+            <a:extLst>
+              <a:ext uri="{FF2B5EF4-FFF2-40B4-BE49-F238E27FC236}">
+                <a16:creationId xmlns:a16="http://schemas.microsoft.com/office/drawing/2014/main" id="{03DFDD8E-9D77-214E-82E5-513585B455BE}"/>
+              </a:ext>
+            </a:extLst>
+          </p:cNvPr>
+          <p:cNvPicPr>
+            <a:picLocks noChangeAspect="1"/>
+          </p:cNvPicPr>
+          <p:nvPr/>
+        </p:nvPicPr>
+        <p:blipFill>
+          <a:blip r:embed="rId5"/>
+          <a:stretch>
+            <a:fillRect/>
+          </a:stretch>
+        </p:blipFill>
+        <p:spPr>
+          <a:xfrm>
+            <a:off x="10778459" y="3576305"/>
+            <a:ext cx="455982" cy="595569"/>
+          </a:xfrm>
+          <a:prstGeom prst="rect">
+            <a:avLst/>
+          </a:prstGeom>
+        </p:spPr>
+      </p:pic>
     </p:spTree>
     <p:extLst>
       <p:ext uri="{BB962C8B-B14F-4D97-AF65-F5344CB8AC3E}">
@@ -18611,7 +18953,7 @@
                   </a:schemeClr>
                 </a:solidFill>
               </a:rPr>
-              <a:t>Display “Game Engine” initial state</a:t>
+              <a:t>Display the “Game Engine” initial state</a:t>
             </a:r>
           </a:p>
           <a:p>
@@ -18630,7 +18972,7 @@
                   </a:schemeClr>
                 </a:solidFill>
               </a:rPr>
-              <a:t>Display initial state in a grid</a:t>
+              <a:t>Display the initial state in a grid</a:t>
             </a:r>
           </a:p>
           <a:p>
@@ -18649,7 +18991,7 @@
                   </a:schemeClr>
                 </a:solidFill>
               </a:rPr>
-              <a:t>Apply “Game Engine” rules, displaying evolving game state</a:t>
+              <a:t>Apply the “Game Engine” rules, displaying the evolving game state</a:t>
             </a:r>
           </a:p>
           <a:p>
@@ -18663,11 +19005,13 @@
           </a:p>
           <a:p>
             <a:r>
-              <a:rPr lang="en-GB" dirty="0"/>
-              <a:t>Add UX to change initial state</a:t>
-            </a:r>
-          </a:p>
-          <a:p>
+              <a:rPr lang="en-GB" dirty="0">
+                <a:solidFill>
+                  <a:srgbClr val="262626"/>
+                </a:solidFill>
+              </a:rPr>
+              <a:t>Add the UI to change the initial state, and restart</a:t>
+            </a:r>
             <a:endParaRPr lang="en-GB" dirty="0">
               <a:solidFill>
                 <a:schemeClr val="tx1">
@@ -18679,6 +19023,141 @@
           </a:p>
         </p:txBody>
       </p:sp>
+      <p:pic>
+        <p:nvPicPr>
+          <p:cNvPr id="6" name="Picture 5">
+            <a:extLst>
+              <a:ext uri="{FF2B5EF4-FFF2-40B4-BE49-F238E27FC236}">
+                <a16:creationId xmlns:a16="http://schemas.microsoft.com/office/drawing/2014/main" id="{066903E9-8D60-8646-ADB7-2F56300ED8CC}"/>
+              </a:ext>
+            </a:extLst>
+          </p:cNvPr>
+          <p:cNvPicPr>
+            <a:picLocks noChangeAspect="1"/>
+          </p:cNvPicPr>
+          <p:nvPr/>
+        </p:nvPicPr>
+        <p:blipFill>
+          <a:blip r:embed="rId2">
+            <a:extLst>
+              <a:ext uri="{BEBA8EAE-BF5A-486C-A8C5-ECC9F3942E4B}">
+                <a14:imgProps xmlns:a14="http://schemas.microsoft.com/office/drawing/2010/main">
+                  <a14:imgLayer r:embed="rId3">
+                    <a14:imgEffect>
+                      <a14:colorTemperature colorTemp="2000"/>
+                    </a14:imgEffect>
+                    <a14:imgEffect>
+                      <a14:saturation sat="0"/>
+                    </a14:imgEffect>
+                  </a14:imgLayer>
+                </a14:imgProps>
+              </a:ext>
+            </a:extLst>
+          </a:blip>
+          <a:stretch>
+            <a:fillRect/>
+          </a:stretch>
+        </p:blipFill>
+        <p:spPr>
+          <a:xfrm>
+            <a:off x="6783915" y="1736759"/>
+            <a:ext cx="455982" cy="595569"/>
+          </a:xfrm>
+          <a:prstGeom prst="rect">
+            <a:avLst/>
+          </a:prstGeom>
+        </p:spPr>
+      </p:pic>
+      <p:pic>
+        <p:nvPicPr>
+          <p:cNvPr id="9" name="Picture 8">
+            <a:extLst>
+              <a:ext uri="{FF2B5EF4-FFF2-40B4-BE49-F238E27FC236}">
+                <a16:creationId xmlns:a16="http://schemas.microsoft.com/office/drawing/2014/main" id="{ADF3F04D-05B1-794D-A494-6447B1F02A14}"/>
+              </a:ext>
+            </a:extLst>
+          </p:cNvPr>
+          <p:cNvPicPr>
+            <a:picLocks noChangeAspect="1"/>
+          </p:cNvPicPr>
+          <p:nvPr/>
+        </p:nvPicPr>
+        <p:blipFill>
+          <a:blip r:embed="rId2">
+            <a:extLst>
+              <a:ext uri="{BEBA8EAE-BF5A-486C-A8C5-ECC9F3942E4B}">
+                <a14:imgProps xmlns:a14="http://schemas.microsoft.com/office/drawing/2010/main">
+                  <a14:imgLayer r:embed="rId4">
+                    <a14:imgEffect>
+                      <a14:colorTemperature colorTemp="2000"/>
+                    </a14:imgEffect>
+                    <a14:imgEffect>
+                      <a14:saturation sat="0"/>
+                    </a14:imgEffect>
+                  </a14:imgLayer>
+                </a14:imgProps>
+              </a:ext>
+            </a:extLst>
+          </a:blip>
+          <a:stretch>
+            <a:fillRect/>
+          </a:stretch>
+        </p:blipFill>
+        <p:spPr>
+          <a:xfrm>
+            <a:off x="5742087" y="2649355"/>
+            <a:ext cx="455982" cy="595569"/>
+          </a:xfrm>
+          <a:prstGeom prst="rect">
+            <a:avLst/>
+          </a:prstGeom>
+        </p:spPr>
+      </p:pic>
+      <p:pic>
+        <p:nvPicPr>
+          <p:cNvPr id="10" name="Picture 9">
+            <a:extLst>
+              <a:ext uri="{FF2B5EF4-FFF2-40B4-BE49-F238E27FC236}">
+                <a16:creationId xmlns:a16="http://schemas.microsoft.com/office/drawing/2014/main" id="{A019F05F-FA12-1C40-B7B1-11DB721405F7}"/>
+              </a:ext>
+            </a:extLst>
+          </p:cNvPr>
+          <p:cNvPicPr>
+            <a:picLocks noChangeAspect="1"/>
+          </p:cNvPicPr>
+          <p:nvPr/>
+        </p:nvPicPr>
+        <p:blipFill>
+          <a:blip r:embed="rId2">
+            <a:extLst>
+              <a:ext uri="{BEBA8EAE-BF5A-486C-A8C5-ECC9F3942E4B}">
+                <a14:imgProps xmlns:a14="http://schemas.microsoft.com/office/drawing/2010/main">
+                  <a14:imgLayer r:embed="rId5">
+                    <a14:imgEffect>
+                      <a14:colorTemperature colorTemp="2000"/>
+                    </a14:imgEffect>
+                    <a14:imgEffect>
+                      <a14:saturation sat="0"/>
+                    </a14:imgEffect>
+                  </a14:imgLayer>
+                </a14:imgProps>
+              </a:ext>
+            </a:extLst>
+          </a:blip>
+          <a:stretch>
+            <a:fillRect/>
+          </a:stretch>
+        </p:blipFill>
+        <p:spPr>
+          <a:xfrm>
+            <a:off x="10778459" y="3576305"/>
+            <a:ext cx="455982" cy="595569"/>
+          </a:xfrm>
+          <a:prstGeom prst="rect">
+            <a:avLst/>
+          </a:prstGeom>
+        </p:spPr>
+      </p:pic>
     </p:spTree>
     <p:extLst>
       <p:ext uri="{BB962C8B-B14F-4D97-AF65-F5344CB8AC3E}">
@@ -20513,7 +20992,7 @@
                   </a:schemeClr>
                 </a:solidFill>
               </a:rPr>
-              <a:t>Display “Game Engine” initial state</a:t>
+              <a:t>Display the “Game Engine” initial state</a:t>
             </a:r>
           </a:p>
           <a:p>
@@ -20532,7 +21011,7 @@
                   </a:schemeClr>
                 </a:solidFill>
               </a:rPr>
-              <a:t>Display initial state in a grid</a:t>
+              <a:t>Display the initial state in a grid</a:t>
             </a:r>
           </a:p>
           <a:p>
@@ -20551,7 +21030,7 @@
                   </a:schemeClr>
                 </a:solidFill>
               </a:rPr>
-              <a:t>Apply “Game Engine” rules, displaying evolving game state</a:t>
+              <a:t>Apply the “Game Engine” rules, displaying the evolving game state</a:t>
             </a:r>
           </a:p>
           <a:p>
@@ -20565,11 +21044,13 @@
           </a:p>
           <a:p>
             <a:r>
-              <a:rPr lang="en-GB" dirty="0"/>
-              <a:t>Add UX to change initial state</a:t>
-            </a:r>
-          </a:p>
-          <a:p>
+              <a:rPr lang="en-GB" dirty="0">
+                <a:solidFill>
+                  <a:srgbClr val="262626"/>
+                </a:solidFill>
+              </a:rPr>
+              <a:t>Add the UI to change the initial state, and restart</a:t>
+            </a:r>
             <a:endParaRPr lang="en-GB" dirty="0">
               <a:solidFill>
                 <a:schemeClr val="tx1">
@@ -20581,6 +21062,171 @@
           </a:p>
         </p:txBody>
       </p:sp>
+      <p:pic>
+        <p:nvPicPr>
+          <p:cNvPr id="5" name="Picture 4">
+            <a:extLst>
+              <a:ext uri="{FF2B5EF4-FFF2-40B4-BE49-F238E27FC236}">
+                <a16:creationId xmlns:a16="http://schemas.microsoft.com/office/drawing/2014/main" id="{66640E71-A218-2548-B0D8-B2A3A5CD9E30}"/>
+              </a:ext>
+            </a:extLst>
+          </p:cNvPr>
+          <p:cNvPicPr>
+            <a:picLocks noChangeAspect="1"/>
+          </p:cNvPicPr>
+          <p:nvPr/>
+        </p:nvPicPr>
+        <p:blipFill>
+          <a:blip r:embed="rId2"/>
+          <a:stretch>
+            <a:fillRect/>
+          </a:stretch>
+        </p:blipFill>
+        <p:spPr>
+          <a:xfrm>
+            <a:off x="8293571" y="4492499"/>
+            <a:ext cx="455982" cy="595569"/>
+          </a:xfrm>
+          <a:prstGeom prst="rect">
+            <a:avLst/>
+          </a:prstGeom>
+        </p:spPr>
+      </p:pic>
+      <p:pic>
+        <p:nvPicPr>
+          <p:cNvPr id="9" name="Picture 8">
+            <a:extLst>
+              <a:ext uri="{FF2B5EF4-FFF2-40B4-BE49-F238E27FC236}">
+                <a16:creationId xmlns:a16="http://schemas.microsoft.com/office/drawing/2014/main" id="{3DF22415-0AB0-C044-A0BB-9A52C442765D}"/>
+              </a:ext>
+            </a:extLst>
+          </p:cNvPr>
+          <p:cNvPicPr>
+            <a:picLocks noChangeAspect="1"/>
+          </p:cNvPicPr>
+          <p:nvPr/>
+        </p:nvPicPr>
+        <p:blipFill>
+          <a:blip r:embed="rId3">
+            <a:extLst>
+              <a:ext uri="{BEBA8EAE-BF5A-486C-A8C5-ECC9F3942E4B}">
+                <a14:imgProps xmlns:a14="http://schemas.microsoft.com/office/drawing/2010/main">
+                  <a14:imgLayer r:embed="rId4">
+                    <a14:imgEffect>
+                      <a14:colorTemperature colorTemp="2000"/>
+                    </a14:imgEffect>
+                    <a14:imgEffect>
+                      <a14:saturation sat="0"/>
+                    </a14:imgEffect>
+                  </a14:imgLayer>
+                </a14:imgProps>
+              </a:ext>
+            </a:extLst>
+          </a:blip>
+          <a:stretch>
+            <a:fillRect/>
+          </a:stretch>
+        </p:blipFill>
+        <p:spPr>
+          <a:xfrm>
+            <a:off x="6783915" y="1736759"/>
+            <a:ext cx="455982" cy="595569"/>
+          </a:xfrm>
+          <a:prstGeom prst="rect">
+            <a:avLst/>
+          </a:prstGeom>
+        </p:spPr>
+      </p:pic>
+      <p:pic>
+        <p:nvPicPr>
+          <p:cNvPr id="10" name="Picture 9">
+            <a:extLst>
+              <a:ext uri="{FF2B5EF4-FFF2-40B4-BE49-F238E27FC236}">
+                <a16:creationId xmlns:a16="http://schemas.microsoft.com/office/drawing/2014/main" id="{25DCD3F3-D72E-BB47-9BF7-D6DCA7419D8A}"/>
+              </a:ext>
+            </a:extLst>
+          </p:cNvPr>
+          <p:cNvPicPr>
+            <a:picLocks noChangeAspect="1"/>
+          </p:cNvPicPr>
+          <p:nvPr/>
+        </p:nvPicPr>
+        <p:blipFill>
+          <a:blip r:embed="rId3">
+            <a:extLst>
+              <a:ext uri="{BEBA8EAE-BF5A-486C-A8C5-ECC9F3942E4B}">
+                <a14:imgProps xmlns:a14="http://schemas.microsoft.com/office/drawing/2010/main">
+                  <a14:imgLayer r:embed="rId5">
+                    <a14:imgEffect>
+                      <a14:colorTemperature colorTemp="2000"/>
+                    </a14:imgEffect>
+                    <a14:imgEffect>
+                      <a14:saturation sat="0"/>
+                    </a14:imgEffect>
+                  </a14:imgLayer>
+                </a14:imgProps>
+              </a:ext>
+            </a:extLst>
+          </a:blip>
+          <a:stretch>
+            <a:fillRect/>
+          </a:stretch>
+        </p:blipFill>
+        <p:spPr>
+          <a:xfrm>
+            <a:off x="5742087" y="2649355"/>
+            <a:ext cx="455982" cy="595569"/>
+          </a:xfrm>
+          <a:prstGeom prst="rect">
+            <a:avLst/>
+          </a:prstGeom>
+        </p:spPr>
+      </p:pic>
+      <p:pic>
+        <p:nvPicPr>
+          <p:cNvPr id="11" name="Picture 10">
+            <a:extLst>
+              <a:ext uri="{FF2B5EF4-FFF2-40B4-BE49-F238E27FC236}">
+                <a16:creationId xmlns:a16="http://schemas.microsoft.com/office/drawing/2014/main" id="{CF027CA0-EA51-194B-987A-B5BA9A24F334}"/>
+              </a:ext>
+            </a:extLst>
+          </p:cNvPr>
+          <p:cNvPicPr>
+            <a:picLocks noChangeAspect="1"/>
+          </p:cNvPicPr>
+          <p:nvPr/>
+        </p:nvPicPr>
+        <p:blipFill>
+          <a:blip r:embed="rId3">
+            <a:extLst>
+              <a:ext uri="{BEBA8EAE-BF5A-486C-A8C5-ECC9F3942E4B}">
+                <a14:imgProps xmlns:a14="http://schemas.microsoft.com/office/drawing/2010/main">
+                  <a14:imgLayer r:embed="rId6">
+                    <a14:imgEffect>
+                      <a14:colorTemperature colorTemp="2000"/>
+                    </a14:imgEffect>
+                    <a14:imgEffect>
+                      <a14:saturation sat="0"/>
+                    </a14:imgEffect>
+                  </a14:imgLayer>
+                </a14:imgProps>
+              </a:ext>
+            </a:extLst>
+          </a:blip>
+          <a:stretch>
+            <a:fillRect/>
+          </a:stretch>
+        </p:blipFill>
+        <p:spPr>
+          <a:xfrm>
+            <a:off x="10778459" y="3576305"/>
+            <a:ext cx="455982" cy="595569"/>
+          </a:xfrm>
+          <a:prstGeom prst="rect">
+            <a:avLst/>
+          </a:prstGeom>
+        </p:spPr>
+      </p:pic>
     </p:spTree>
     <p:extLst>
       <p:ext uri="{BB962C8B-B14F-4D97-AF65-F5344CB8AC3E}">

--- a/Game Of Life Presentation.pptx
+++ b/Game Of Life Presentation.pptx
@@ -19421,7 +19421,23 @@
                   <a:srgbClr val="262626"/>
                 </a:solidFill>
               </a:rPr>
-              <a:t>Parent to sibling or Sibling to parent</a:t>
+              <a:t>Parent to sibling </a:t>
+            </a:r>
+            <a:r>
+              <a:rPr lang="en-GB">
+                <a:solidFill>
+                  <a:srgbClr val="262626"/>
+                </a:solidFill>
+              </a:rPr>
+              <a:t>or sibling </a:t>
+            </a:r>
+            <a:r>
+              <a:rPr lang="en-GB" dirty="0">
+                <a:solidFill>
+                  <a:srgbClr val="262626"/>
+                </a:solidFill>
+              </a:rPr>
+              <a:t>to parent</a:t>
             </a:r>
           </a:p>
           <a:p>
@@ -19454,7 +19470,7 @@
                   <a:srgbClr val="262626"/>
                 </a:solidFill>
               </a:rPr>
-              <a:t>Redux to </a:t>
+              <a:t>Redux or </a:t>
             </a:r>
             <a:r>
               <a:rPr lang="en-GB" dirty="0" err="1">
